--- a/Docs/Battery Cell parameter parsing.pptx
+++ b/Docs/Battery Cell parameter parsing.pptx
@@ -9,8 +9,13 @@
     <p:sldId id="259" r:id="rId3"/>
     <p:sldId id="260" r:id="rId4"/>
     <p:sldId id="258" r:id="rId5"/>
-    <p:sldId id="261" r:id="rId6"/>
-    <p:sldId id="262" r:id="rId7"/>
+    <p:sldId id="264" r:id="rId6"/>
+    <p:sldId id="266" r:id="rId7"/>
+    <p:sldId id="263" r:id="rId8"/>
+    <p:sldId id="267" r:id="rId9"/>
+    <p:sldId id="269" r:id="rId10"/>
+    <p:sldId id="270" r:id="rId11"/>
+    <p:sldId id="262" r:id="rId12"/>
   </p:sldIdLst>
   <p:sldSz cx="12192000" cy="6858000"/>
   <p:notesSz cx="6858000" cy="9144000"/>
@@ -122,7 +127,12 @@
         </p14:section>
         <p14:section name="Rezultati" id="{FF1401FF-2753-41CE-AF17-322F3C79327B}">
           <p14:sldIdLst>
-            <p14:sldId id="261"/>
+            <p14:sldId id="264"/>
+            <p14:sldId id="266"/>
+            <p14:sldId id="263"/>
+            <p14:sldId id="267"/>
+            <p14:sldId id="269"/>
+            <p14:sldId id="270"/>
           </p14:sldIdLst>
         </p14:section>
         <p14:section name="Sta je sledece?" id="{DEFC8AF4-3AAF-4249-AF23-22FE0D36F400}">
@@ -3912,6 +3922,195 @@
 </p:sld>
 </file>
 
+<file path=ppt/slides/slide10.xml><?xml version="1.0" encoding="utf-8"?>
+<p:sld xmlns:a="http://schemas.openxmlformats.org/drawingml/2006/main" xmlns:r="http://schemas.openxmlformats.org/officeDocument/2006/relationships" xmlns:p="http://schemas.openxmlformats.org/presentationml/2006/main">
+  <p:cSld>
+    <p:spTree>
+      <p:nvGrpSpPr>
+        <p:cNvPr id="1" name=""/>
+        <p:cNvGrpSpPr/>
+        <p:nvPr/>
+      </p:nvGrpSpPr>
+      <p:grpSpPr>
+        <a:xfrm>
+          <a:off x="0" y="0"/>
+          <a:ext cx="0" cy="0"/>
+          <a:chOff x="0" y="0"/>
+          <a:chExt cx="0" cy="0"/>
+        </a:xfrm>
+      </p:grpSpPr>
+      <p:sp>
+        <p:nvSpPr>
+          <p:cNvPr id="2" name="Title 1">
+            <a:extLst>
+              <a:ext uri="{FF2B5EF4-FFF2-40B4-BE49-F238E27FC236}">
+                <a16:creationId xmlns:a16="http://schemas.microsoft.com/office/drawing/2014/main" id="{94299182-22E5-7E09-9E2B-1B46B9C82288}"/>
+              </a:ext>
+            </a:extLst>
+          </p:cNvPr>
+          <p:cNvSpPr>
+            <a:spLocks noGrp="1"/>
+          </p:cNvSpPr>
+          <p:nvPr>
+            <p:ph type="title"/>
+          </p:nvPr>
+        </p:nvSpPr>
+        <p:spPr>
+          <a:xfrm>
+            <a:off x="420624" y="66186"/>
+            <a:ext cx="10543032" cy="1325563"/>
+          </a:xfrm>
+        </p:spPr>
+        <p:txBody>
+          <a:bodyPr>
+            <a:normAutofit fontScale="90000"/>
+          </a:bodyPr>
+          <a:lstStyle/>
+          <a:p>
+            <a:r>
+              <a:rPr lang="en-US"/>
+              <a:t>Bez histerezisa izmena otpornost (R1 i R0 = 8e-3 oma):</a:t>
+            </a:r>
+          </a:p>
+        </p:txBody>
+      </p:sp>
+      <p:pic>
+        <p:nvPicPr>
+          <p:cNvPr id="5" name="Content Placeholder 4">
+            <a:extLst>
+              <a:ext uri="{FF2B5EF4-FFF2-40B4-BE49-F238E27FC236}">
+                <a16:creationId xmlns:a16="http://schemas.microsoft.com/office/drawing/2014/main" id="{BA541F1B-16D4-958D-6C31-80B24101122E}"/>
+              </a:ext>
+            </a:extLst>
+          </p:cNvPr>
+          <p:cNvPicPr>
+            <a:picLocks noGrp="1" noChangeAspect="1"/>
+          </p:cNvPicPr>
+          <p:nvPr>
+            <p:ph idx="1"/>
+          </p:nvPr>
+        </p:nvPicPr>
+        <p:blipFill>
+          <a:blip r:embed="rId2"/>
+          <a:stretch>
+            <a:fillRect/>
+          </a:stretch>
+        </p:blipFill>
+        <p:spPr>
+          <a:xfrm>
+            <a:off x="1606394" y="1825625"/>
+            <a:ext cx="8171175" cy="4206875"/>
+          </a:xfrm>
+        </p:spPr>
+      </p:pic>
+    </p:spTree>
+    <p:extLst>
+      <p:ext uri="{BB962C8B-B14F-4D97-AF65-F5344CB8AC3E}">
+        <p14:creationId xmlns:p14="http://schemas.microsoft.com/office/powerpoint/2010/main" val="2530689530"/>
+      </p:ext>
+    </p:extLst>
+  </p:cSld>
+  <p:clrMapOvr>
+    <a:masterClrMapping/>
+  </p:clrMapOvr>
+</p:sld>
+</file>
+
+<file path=ppt/slides/slide11.xml><?xml version="1.0" encoding="utf-8"?>
+<p:sld xmlns:a="http://schemas.openxmlformats.org/drawingml/2006/main" xmlns:r="http://schemas.openxmlformats.org/officeDocument/2006/relationships" xmlns:p="http://schemas.openxmlformats.org/presentationml/2006/main">
+  <p:cSld>
+    <p:spTree>
+      <p:nvGrpSpPr>
+        <p:cNvPr id="1" name=""/>
+        <p:cNvGrpSpPr/>
+        <p:nvPr/>
+      </p:nvGrpSpPr>
+      <p:grpSpPr>
+        <a:xfrm>
+          <a:off x="0" y="0"/>
+          <a:ext cx="0" cy="0"/>
+          <a:chOff x="0" y="0"/>
+          <a:chExt cx="0" cy="0"/>
+        </a:xfrm>
+      </p:grpSpPr>
+      <p:sp>
+        <p:nvSpPr>
+          <p:cNvPr id="2" name="Title 1">
+            <a:extLst>
+              <a:ext uri="{FF2B5EF4-FFF2-40B4-BE49-F238E27FC236}">
+                <a16:creationId xmlns:a16="http://schemas.microsoft.com/office/drawing/2014/main" id="{F850A91F-2E00-4811-FCB4-E38A68D21F06}"/>
+              </a:ext>
+            </a:extLst>
+          </p:cNvPr>
+          <p:cNvSpPr>
+            <a:spLocks noGrp="1"/>
+          </p:cNvSpPr>
+          <p:nvPr>
+            <p:ph type="title"/>
+          </p:nvPr>
+        </p:nvSpPr>
+        <p:spPr/>
+        <p:txBody>
+          <a:bodyPr/>
+          <a:lstStyle/>
+          <a:p>
+            <a:endParaRPr lang="en-US"/>
+          </a:p>
+        </p:txBody>
+      </p:sp>
+      <p:sp>
+        <p:nvSpPr>
+          <p:cNvPr id="3" name="Content Placeholder 2">
+            <a:extLst>
+              <a:ext uri="{FF2B5EF4-FFF2-40B4-BE49-F238E27FC236}">
+                <a16:creationId xmlns:a16="http://schemas.microsoft.com/office/drawing/2014/main" id="{67B724EE-2B20-A4A9-844C-B2EAC60C9DEC}"/>
+              </a:ext>
+            </a:extLst>
+          </p:cNvPr>
+          <p:cNvSpPr>
+            <a:spLocks noGrp="1"/>
+          </p:cNvSpPr>
+          <p:nvPr>
+            <p:ph idx="1"/>
+          </p:nvPr>
+        </p:nvSpPr>
+        <p:spPr/>
+        <p:txBody>
+          <a:bodyPr/>
+          <a:lstStyle/>
+          <a:p>
+            <a:r>
+              <a:rPr lang="en-US"/>
+              <a:t>Veci broj polova ce maksimalno popraviti rezultate</a:t>
+            </a:r>
+          </a:p>
+          <a:p>
+            <a:r>
+              <a:rPr lang="en-US"/>
+              <a:t>Inicijalni pokusaj za algoritam pomaze rezultate</a:t>
+            </a:r>
+          </a:p>
+          <a:p>
+            <a:r>
+              <a:rPr lang="en-US"/>
+              <a:t>Tacke 5,6,7..</a:t>
+            </a:r>
+          </a:p>
+        </p:txBody>
+      </p:sp>
+    </p:spTree>
+    <p:extLst>
+      <p:ext uri="{BB962C8B-B14F-4D97-AF65-F5344CB8AC3E}">
+        <p14:creationId xmlns:p14="http://schemas.microsoft.com/office/powerpoint/2010/main" val="1936536138"/>
+      </p:ext>
+    </p:extLst>
+  </p:cSld>
+  <p:clrMapOvr>
+    <a:masterClrMapping/>
+  </p:clrMapOvr>
+</p:sld>
+</file>
+
 <file path=ppt/slides/slide2.xml><?xml version="1.0" encoding="utf-8"?>
 <p:sld xmlns:a="http://schemas.openxmlformats.org/drawingml/2006/main" xmlns:r="http://schemas.openxmlformats.org/officeDocument/2006/relationships" xmlns:p="http://schemas.openxmlformats.org/presentationml/2006/main">
   <p:cSld>
@@ -4199,7 +4398,7 @@
                   </a:schemeClr>
                 </a:solidFill>
               </a:rPr>
-              <a:t>5. Prebaciti schematic model iz VHIL-a u PHIL</a:t>
+              <a:t>5. Prebaciti schematic model iz VHIL-a u PHIL (1h)</a:t>
             </a:r>
           </a:p>
           <a:p>
@@ -4368,53 +4567,58 @@
             <p:ph type="title"/>
           </p:nvPr>
         </p:nvSpPr>
-        <p:spPr/>
-        <p:txBody>
-          <a:bodyPr/>
+        <p:spPr>
+          <a:xfrm>
+            <a:off x="420624" y="66186"/>
+            <a:ext cx="10543032" cy="1325563"/>
+          </a:xfrm>
+        </p:spPr>
+        <p:txBody>
+          <a:bodyPr>
+            <a:normAutofit fontScale="90000"/>
+          </a:bodyPr>
           <a:lstStyle/>
           <a:p>
-            <a:endParaRPr lang="en-US"/>
-          </a:p>
-        </p:txBody>
-      </p:sp>
-      <p:sp>
-        <p:nvSpPr>
-          <p:cNvPr id="3" name="Content Placeholder 2">
-            <a:extLst>
-              <a:ext uri="{FF2B5EF4-FFF2-40B4-BE49-F238E27FC236}">
-                <a16:creationId xmlns:a16="http://schemas.microsoft.com/office/drawing/2014/main" id="{7A6D5AC8-3993-BA10-C1A1-24768DA73966}"/>
-              </a:ext>
-            </a:extLst>
-          </p:cNvPr>
-          <p:cNvSpPr>
-            <a:spLocks noGrp="1"/>
-          </p:cNvSpPr>
+            <a:r>
+              <a:rPr lang="en-US"/>
+              <a:t>Bez histerezisa (Dobar inicijalni pokusaj):</a:t>
+            </a:r>
+          </a:p>
+        </p:txBody>
+      </p:sp>
+      <p:pic>
+        <p:nvPicPr>
+          <p:cNvPr id="11" name="Content Placeholder 10">
+            <a:extLst>
+              <a:ext uri="{FF2B5EF4-FFF2-40B4-BE49-F238E27FC236}">
+                <a16:creationId xmlns:a16="http://schemas.microsoft.com/office/drawing/2014/main" id="{2ABA69DC-C5FC-4755-C51A-FA4AB5F328CF}"/>
+              </a:ext>
+            </a:extLst>
+          </p:cNvPr>
+          <p:cNvPicPr>
+            <a:picLocks noGrp="1" noChangeAspect="1"/>
+          </p:cNvPicPr>
           <p:nvPr>
             <p:ph idx="1"/>
           </p:nvPr>
-        </p:nvSpPr>
-        <p:spPr/>
-        <p:txBody>
-          <a:bodyPr/>
-          <a:lstStyle/>
-          <a:p>
-            <a:r>
-              <a:rPr lang="en-US"/>
-              <a:t>Rezultati za default parametre za sve algoritme</a:t>
-            </a:r>
-          </a:p>
-          <a:p>
-            <a:r>
-              <a:rPr lang="en-US"/>
-              <a:t>Rezultati za jos 2 seta parametara</a:t>
-            </a:r>
-          </a:p>
-        </p:txBody>
-      </p:sp>
+        </p:nvPicPr>
+        <p:blipFill>
+          <a:blip r:embed="rId2"/>
+          <a:stretch>
+            <a:fillRect/>
+          </a:stretch>
+        </p:blipFill>
+        <p:spPr>
+          <a:xfrm>
+            <a:off x="1597111" y="1825625"/>
+            <a:ext cx="8189741" cy="4206875"/>
+          </a:xfrm>
+        </p:spPr>
+      </p:pic>
     </p:spTree>
     <p:extLst>
       <p:ext uri="{BB962C8B-B14F-4D97-AF65-F5344CB8AC3E}">
-        <p14:creationId xmlns:p14="http://schemas.microsoft.com/office/powerpoint/2010/main" val="3291260613"/>
+        <p14:creationId xmlns:p14="http://schemas.microsoft.com/office/powerpoint/2010/main" val="673460244"/>
       </p:ext>
     </p:extLst>
   </p:cSld>
@@ -4446,7 +4650,7 @@
           <p:cNvPr id="2" name="Title 1">
             <a:extLst>
               <a:ext uri="{FF2B5EF4-FFF2-40B4-BE49-F238E27FC236}">
-                <a16:creationId xmlns:a16="http://schemas.microsoft.com/office/drawing/2014/main" id="{F850A91F-2E00-4811-FCB4-E38A68D21F06}"/>
+                <a16:creationId xmlns:a16="http://schemas.microsoft.com/office/drawing/2014/main" id="{94299182-22E5-7E09-9E2B-1B46B9C82288}"/>
               </a:ext>
             </a:extLst>
           </p:cNvPr>
@@ -4457,81 +4661,336 @@
             <p:ph type="title"/>
           </p:nvPr>
         </p:nvSpPr>
-        <p:spPr/>
+        <p:spPr>
+          <a:xfrm>
+            <a:off x="420624" y="66186"/>
+            <a:ext cx="10543032" cy="1325563"/>
+          </a:xfrm>
+        </p:spPr>
         <p:txBody>
           <a:bodyPr/>
           <a:lstStyle/>
           <a:p>
-            <a:endParaRPr lang="en-US"/>
-          </a:p>
-        </p:txBody>
-      </p:sp>
-      <p:sp>
-        <p:nvSpPr>
-          <p:cNvPr id="3" name="Content Placeholder 2">
-            <a:extLst>
-              <a:ext uri="{FF2B5EF4-FFF2-40B4-BE49-F238E27FC236}">
-                <a16:creationId xmlns:a16="http://schemas.microsoft.com/office/drawing/2014/main" id="{67B724EE-2B20-A4A9-844C-B2EAC60C9DEC}"/>
-              </a:ext>
-            </a:extLst>
-          </p:cNvPr>
-          <p:cNvSpPr>
-            <a:spLocks noGrp="1"/>
-          </p:cNvSpPr>
+            <a:r>
+              <a:rPr lang="en-US"/>
+              <a:t>Bez histerezisa:</a:t>
+            </a:r>
+          </a:p>
+        </p:txBody>
+      </p:sp>
+      <p:pic>
+        <p:nvPicPr>
+          <p:cNvPr id="11" name="Content Placeholder 10">
+            <a:extLst>
+              <a:ext uri="{FF2B5EF4-FFF2-40B4-BE49-F238E27FC236}">
+                <a16:creationId xmlns:a16="http://schemas.microsoft.com/office/drawing/2014/main" id="{97E2B55F-250E-5FCA-296C-35FB0E36432A}"/>
+              </a:ext>
+            </a:extLst>
+          </p:cNvPr>
+          <p:cNvPicPr>
+            <a:picLocks noGrp="1" noChangeAspect="1"/>
+          </p:cNvPicPr>
           <p:nvPr>
             <p:ph idx="1"/>
           </p:nvPr>
-        </p:nvSpPr>
-        <p:spPr/>
-        <p:txBody>
-          <a:bodyPr/>
-          <a:lstStyle/>
-          <a:p>
-            <a:r>
-              <a:rPr lang="en-US"/>
-              <a:t>Sta sam ja naucio</a:t>
-            </a:r>
-          </a:p>
-          <a:p>
-            <a:pPr lvl="1"/>
-            <a:r>
-              <a:rPr lang="en-US"/>
-              <a:t>Git </a:t>
-            </a:r>
-          </a:p>
-          <a:p>
-            <a:pPr lvl="1"/>
-            <a:r>
-              <a:rPr lang="en-US"/>
-              <a:t>Data Science i python</a:t>
-            </a:r>
-          </a:p>
-          <a:p>
-            <a:pPr lvl="1"/>
-            <a:r>
-              <a:rPr lang="en-US"/>
-              <a:t>Baterije</a:t>
-            </a:r>
-          </a:p>
-          <a:p>
-            <a:pPr lvl="1"/>
-            <a:r>
-              <a:rPr lang="en-US"/>
-              <a:t>Otkrivanje bugova u Tajfunu</a:t>
-            </a:r>
-          </a:p>
-          <a:p>
-            <a:r>
-              <a:rPr lang="en-US"/>
-              <a:t>Sta raditi sa ovim projektom?</a:t>
-            </a:r>
-          </a:p>
-        </p:txBody>
-      </p:sp>
+        </p:nvPicPr>
+        <p:blipFill>
+          <a:blip r:embed="rId2"/>
+          <a:stretch>
+            <a:fillRect/>
+          </a:stretch>
+        </p:blipFill>
+        <p:spPr>
+          <a:xfrm>
+            <a:off x="1536078" y="1825625"/>
+            <a:ext cx="8311806" cy="4206875"/>
+          </a:xfrm>
+        </p:spPr>
+      </p:pic>
     </p:spTree>
     <p:extLst>
       <p:ext uri="{BB962C8B-B14F-4D97-AF65-F5344CB8AC3E}">
-        <p14:creationId xmlns:p14="http://schemas.microsoft.com/office/powerpoint/2010/main" val="1936536138"/>
+        <p14:creationId xmlns:p14="http://schemas.microsoft.com/office/powerpoint/2010/main" val="2911602323"/>
+      </p:ext>
+    </p:extLst>
+  </p:cSld>
+  <p:clrMapOvr>
+    <a:masterClrMapping/>
+  </p:clrMapOvr>
+</p:sld>
+</file>
+
+<file path=ppt/slides/slide7.xml><?xml version="1.0" encoding="utf-8"?>
+<p:sld xmlns:a="http://schemas.openxmlformats.org/drawingml/2006/main" xmlns:r="http://schemas.openxmlformats.org/officeDocument/2006/relationships" xmlns:p="http://schemas.openxmlformats.org/presentationml/2006/main">
+  <p:cSld>
+    <p:spTree>
+      <p:nvGrpSpPr>
+        <p:cNvPr id="1" name=""/>
+        <p:cNvGrpSpPr/>
+        <p:nvPr/>
+      </p:nvGrpSpPr>
+      <p:grpSpPr>
+        <a:xfrm>
+          <a:off x="0" y="0"/>
+          <a:ext cx="0" cy="0"/>
+          <a:chOff x="0" y="0"/>
+          <a:chExt cx="0" cy="0"/>
+        </a:xfrm>
+      </p:grpSpPr>
+      <p:sp>
+        <p:nvSpPr>
+          <p:cNvPr id="2" name="Title 1">
+            <a:extLst>
+              <a:ext uri="{FF2B5EF4-FFF2-40B4-BE49-F238E27FC236}">
+                <a16:creationId xmlns:a16="http://schemas.microsoft.com/office/drawing/2014/main" id="{94299182-22E5-7E09-9E2B-1B46B9C82288}"/>
+              </a:ext>
+            </a:extLst>
+          </p:cNvPr>
+          <p:cNvSpPr>
+            <a:spLocks noGrp="1"/>
+          </p:cNvSpPr>
+          <p:nvPr>
+            <p:ph type="title"/>
+          </p:nvPr>
+        </p:nvSpPr>
+        <p:spPr>
+          <a:xfrm>
+            <a:off x="420624" y="66186"/>
+            <a:ext cx="10543032" cy="1325563"/>
+          </a:xfrm>
+        </p:spPr>
+        <p:txBody>
+          <a:bodyPr/>
+          <a:lstStyle/>
+          <a:p>
+            <a:r>
+              <a:rPr lang="en-US"/>
+              <a:t>Sa histerezisom:</a:t>
+            </a:r>
+          </a:p>
+        </p:txBody>
+      </p:sp>
+      <p:pic>
+        <p:nvPicPr>
+          <p:cNvPr id="9" name="Content Placeholder 8">
+            <a:extLst>
+              <a:ext uri="{FF2B5EF4-FFF2-40B4-BE49-F238E27FC236}">
+                <a16:creationId xmlns:a16="http://schemas.microsoft.com/office/drawing/2014/main" id="{5568F0FB-1224-2DC4-6137-691EB6CBF541}"/>
+              </a:ext>
+            </a:extLst>
+          </p:cNvPr>
+          <p:cNvPicPr>
+            <a:picLocks noGrp="1" noChangeAspect="1"/>
+          </p:cNvPicPr>
+          <p:nvPr>
+            <p:ph idx="1"/>
+          </p:nvPr>
+        </p:nvPicPr>
+        <p:blipFill>
+          <a:blip r:embed="rId2"/>
+          <a:stretch>
+            <a:fillRect/>
+          </a:stretch>
+        </p:blipFill>
+        <p:spPr>
+          <a:xfrm>
+            <a:off x="420624" y="1097004"/>
+            <a:ext cx="11350752" cy="5594919"/>
+          </a:xfrm>
+        </p:spPr>
+      </p:pic>
+    </p:spTree>
+    <p:extLst>
+      <p:ext uri="{BB962C8B-B14F-4D97-AF65-F5344CB8AC3E}">
+        <p14:creationId xmlns:p14="http://schemas.microsoft.com/office/powerpoint/2010/main" val="230922219"/>
+      </p:ext>
+    </p:extLst>
+  </p:cSld>
+  <p:clrMapOvr>
+    <a:masterClrMapping/>
+  </p:clrMapOvr>
+</p:sld>
+</file>
+
+<file path=ppt/slides/slide8.xml><?xml version="1.0" encoding="utf-8"?>
+<p:sld xmlns:a="http://schemas.openxmlformats.org/drawingml/2006/main" xmlns:r="http://schemas.openxmlformats.org/officeDocument/2006/relationships" xmlns:p="http://schemas.openxmlformats.org/presentationml/2006/main">
+  <p:cSld>
+    <p:spTree>
+      <p:nvGrpSpPr>
+        <p:cNvPr id="1" name=""/>
+        <p:cNvGrpSpPr/>
+        <p:nvPr/>
+      </p:nvGrpSpPr>
+      <p:grpSpPr>
+        <a:xfrm>
+          <a:off x="0" y="0"/>
+          <a:ext cx="0" cy="0"/>
+          <a:chOff x="0" y="0"/>
+          <a:chExt cx="0" cy="0"/>
+        </a:xfrm>
+      </p:grpSpPr>
+      <p:sp>
+        <p:nvSpPr>
+          <p:cNvPr id="2" name="Title 1">
+            <a:extLst>
+              <a:ext uri="{FF2B5EF4-FFF2-40B4-BE49-F238E27FC236}">
+                <a16:creationId xmlns:a16="http://schemas.microsoft.com/office/drawing/2014/main" id="{94299182-22E5-7E09-9E2B-1B46B9C82288}"/>
+              </a:ext>
+            </a:extLst>
+          </p:cNvPr>
+          <p:cNvSpPr>
+            <a:spLocks noGrp="1"/>
+          </p:cNvSpPr>
+          <p:nvPr>
+            <p:ph type="title"/>
+          </p:nvPr>
+        </p:nvSpPr>
+        <p:spPr>
+          <a:xfrm>
+            <a:off x="420624" y="66186"/>
+            <a:ext cx="10543032" cy="1325563"/>
+          </a:xfrm>
+        </p:spPr>
+        <p:txBody>
+          <a:bodyPr>
+            <a:normAutofit fontScale="90000"/>
+          </a:bodyPr>
+          <a:lstStyle/>
+          <a:p>
+            <a:r>
+              <a:rPr lang="en-US"/>
+              <a:t>Sa histerezisom (double_minimize, triple_minimize, differential evolution):</a:t>
+            </a:r>
+          </a:p>
+        </p:txBody>
+      </p:sp>
+      <p:pic>
+        <p:nvPicPr>
+          <p:cNvPr id="6" name="Content Placeholder 5">
+            <a:extLst>
+              <a:ext uri="{FF2B5EF4-FFF2-40B4-BE49-F238E27FC236}">
+                <a16:creationId xmlns:a16="http://schemas.microsoft.com/office/drawing/2014/main" id="{95ABC527-1641-F5E0-6CD1-E2DA478502F6}"/>
+              </a:ext>
+            </a:extLst>
+          </p:cNvPr>
+          <p:cNvPicPr>
+            <a:picLocks noGrp="1" noChangeAspect="1"/>
+          </p:cNvPicPr>
+          <p:nvPr>
+            <p:ph idx="1"/>
+          </p:nvPr>
+        </p:nvPicPr>
+        <p:blipFill>
+          <a:blip r:embed="rId2"/>
+          <a:stretch>
+            <a:fillRect/>
+          </a:stretch>
+        </p:blipFill>
+        <p:spPr>
+          <a:xfrm>
+            <a:off x="508548" y="1391749"/>
+            <a:ext cx="11262828" cy="5155433"/>
+          </a:xfrm>
+        </p:spPr>
+      </p:pic>
+    </p:spTree>
+    <p:extLst>
+      <p:ext uri="{BB962C8B-B14F-4D97-AF65-F5344CB8AC3E}">
+        <p14:creationId xmlns:p14="http://schemas.microsoft.com/office/powerpoint/2010/main" val="2232099940"/>
+      </p:ext>
+    </p:extLst>
+  </p:cSld>
+  <p:clrMapOvr>
+    <a:masterClrMapping/>
+  </p:clrMapOvr>
+</p:sld>
+</file>
+
+<file path=ppt/slides/slide9.xml><?xml version="1.0" encoding="utf-8"?>
+<p:sld xmlns:a="http://schemas.openxmlformats.org/drawingml/2006/main" xmlns:r="http://schemas.openxmlformats.org/officeDocument/2006/relationships" xmlns:p="http://schemas.openxmlformats.org/presentationml/2006/main">
+  <p:cSld>
+    <p:spTree>
+      <p:nvGrpSpPr>
+        <p:cNvPr id="1" name=""/>
+        <p:cNvGrpSpPr/>
+        <p:nvPr/>
+      </p:nvGrpSpPr>
+      <p:grpSpPr>
+        <a:xfrm>
+          <a:off x="0" y="0"/>
+          <a:ext cx="0" cy="0"/>
+          <a:chOff x="0" y="0"/>
+          <a:chExt cx="0" cy="0"/>
+        </a:xfrm>
+      </p:grpSpPr>
+      <p:sp>
+        <p:nvSpPr>
+          <p:cNvPr id="2" name="Title 1">
+            <a:extLst>
+              <a:ext uri="{FF2B5EF4-FFF2-40B4-BE49-F238E27FC236}">
+                <a16:creationId xmlns:a16="http://schemas.microsoft.com/office/drawing/2014/main" id="{94299182-22E5-7E09-9E2B-1B46B9C82288}"/>
+              </a:ext>
+            </a:extLst>
+          </p:cNvPr>
+          <p:cNvSpPr>
+            <a:spLocks noGrp="1"/>
+          </p:cNvSpPr>
+          <p:nvPr>
+            <p:ph type="title"/>
+          </p:nvPr>
+        </p:nvSpPr>
+        <p:spPr>
+          <a:xfrm>
+            <a:off x="420624" y="66186"/>
+            <a:ext cx="10543032" cy="1325563"/>
+          </a:xfrm>
+        </p:spPr>
+        <p:txBody>
+          <a:bodyPr>
+            <a:normAutofit fontScale="90000"/>
+          </a:bodyPr>
+          <a:lstStyle/>
+          <a:p>
+            <a:r>
+              <a:rPr lang="en-US"/>
+              <a:t>Sa histerezisom izmena otpornost (R1 i R0 = 8e-3 oma):</a:t>
+            </a:r>
+          </a:p>
+        </p:txBody>
+      </p:sp>
+      <p:pic>
+        <p:nvPicPr>
+          <p:cNvPr id="5" name="Content Placeholder 4">
+            <a:extLst>
+              <a:ext uri="{FF2B5EF4-FFF2-40B4-BE49-F238E27FC236}">
+                <a16:creationId xmlns:a16="http://schemas.microsoft.com/office/drawing/2014/main" id="{8BB5C4B5-0D6C-BADA-F4DD-3390355E12D0}"/>
+              </a:ext>
+            </a:extLst>
+          </p:cNvPr>
+          <p:cNvPicPr>
+            <a:picLocks noGrp="1" noChangeAspect="1"/>
+          </p:cNvPicPr>
+          <p:nvPr>
+            <p:ph idx="1"/>
+          </p:nvPr>
+        </p:nvPicPr>
+        <p:blipFill>
+          <a:blip r:embed="rId2"/>
+          <a:stretch>
+            <a:fillRect/>
+          </a:stretch>
+        </p:blipFill>
+        <p:spPr>
+          <a:xfrm>
+            <a:off x="1456053" y="1825625"/>
+            <a:ext cx="8471856" cy="4206875"/>
+          </a:xfrm>
+        </p:spPr>
+      </p:pic>
+    </p:spTree>
+    <p:extLst>
+      <p:ext uri="{BB962C8B-B14F-4D97-AF65-F5344CB8AC3E}">
+        <p14:creationId xmlns:p14="http://schemas.microsoft.com/office/powerpoint/2010/main" val="2747697786"/>
       </p:ext>
     </p:extLst>
   </p:cSld>

--- a/Docs/Battery Cell parameter parsing.pptx
+++ b/Docs/Battery Cell parameter parsing.pptx
@@ -13,9 +13,11 @@
     <p:sldId id="266" r:id="rId7"/>
     <p:sldId id="263" r:id="rId8"/>
     <p:sldId id="267" r:id="rId9"/>
-    <p:sldId id="269" r:id="rId10"/>
-    <p:sldId id="270" r:id="rId11"/>
-    <p:sldId id="262" r:id="rId12"/>
+    <p:sldId id="270" r:id="rId10"/>
+    <p:sldId id="269" r:id="rId11"/>
+    <p:sldId id="271" r:id="rId12"/>
+    <p:sldId id="272" r:id="rId13"/>
+    <p:sldId id="262" r:id="rId14"/>
   </p:sldIdLst>
   <p:sldSz cx="12192000" cy="6858000"/>
   <p:notesSz cx="6858000" cy="9144000"/>
@@ -131,8 +133,10 @@
             <p14:sldId id="266"/>
             <p14:sldId id="263"/>
             <p14:sldId id="267"/>
+            <p14:sldId id="270"/>
             <p14:sldId id="269"/>
-            <p14:sldId id="270"/>
+            <p14:sldId id="271"/>
+            <p14:sldId id="272"/>
           </p14:sldIdLst>
         </p14:section>
         <p14:section name="Sta je sledece?" id="{DEFC8AF4-3AAF-4249-AF23-22FE0D36F400}">
@@ -3969,7 +3973,7 @@
           <a:p>
             <a:r>
               <a:rPr lang="en-US"/>
-              <a:t>Bez histerezisa izmena otpornost (R1 i R0 = 8e-3 oma):</a:t>
+              <a:t>Sa histerezisom izmena otpornost (R1 i R0 = 8e-3 oma):</a:t>
             </a:r>
           </a:p>
         </p:txBody>
@@ -3979,7 +3983,7 @@
           <p:cNvPr id="5" name="Content Placeholder 4">
             <a:extLst>
               <a:ext uri="{FF2B5EF4-FFF2-40B4-BE49-F238E27FC236}">
-                <a16:creationId xmlns:a16="http://schemas.microsoft.com/office/drawing/2014/main" id="{BA541F1B-16D4-958D-6C31-80B24101122E}"/>
+                <a16:creationId xmlns:a16="http://schemas.microsoft.com/office/drawing/2014/main" id="{8BB5C4B5-0D6C-BADA-F4DD-3390355E12D0}"/>
               </a:ext>
             </a:extLst>
           </p:cNvPr>
@@ -3998,15 +4002,15 @@
         </p:blipFill>
         <p:spPr>
           <a:xfrm>
-            <a:off x="1606394" y="1825625"/>
-            <a:ext cx="8171175" cy="4206875"/>
+            <a:off x="803487" y="1295033"/>
+            <a:ext cx="10585026" cy="5256213"/>
           </a:xfrm>
         </p:spPr>
       </p:pic>
     </p:spTree>
     <p:extLst>
       <p:ext uri="{BB962C8B-B14F-4D97-AF65-F5344CB8AC3E}">
-        <p14:creationId xmlns:p14="http://schemas.microsoft.com/office/powerpoint/2010/main" val="2530689530"/>
+        <p14:creationId xmlns:p14="http://schemas.microsoft.com/office/powerpoint/2010/main" val="2747697786"/>
       </p:ext>
     </p:extLst>
   </p:cSld>
@@ -4017,6 +4021,194 @@
 </file>
 
 <file path=ppt/slides/slide11.xml><?xml version="1.0" encoding="utf-8"?>
+<p:sld xmlns:a="http://schemas.openxmlformats.org/drawingml/2006/main" xmlns:r="http://schemas.openxmlformats.org/officeDocument/2006/relationships" xmlns:p="http://schemas.openxmlformats.org/presentationml/2006/main">
+  <p:cSld>
+    <p:spTree>
+      <p:nvGrpSpPr>
+        <p:cNvPr id="1" name=""/>
+        <p:cNvGrpSpPr/>
+        <p:nvPr/>
+      </p:nvGrpSpPr>
+      <p:grpSpPr>
+        <a:xfrm>
+          <a:off x="0" y="0"/>
+          <a:ext cx="0" cy="0"/>
+          <a:chOff x="0" y="0"/>
+          <a:chExt cx="0" cy="0"/>
+        </a:xfrm>
+      </p:grpSpPr>
+      <p:sp>
+        <p:nvSpPr>
+          <p:cNvPr id="2" name="Title 1">
+            <a:extLst>
+              <a:ext uri="{FF2B5EF4-FFF2-40B4-BE49-F238E27FC236}">
+                <a16:creationId xmlns:a16="http://schemas.microsoft.com/office/drawing/2014/main" id="{94299182-22E5-7E09-9E2B-1B46B9C82288}"/>
+              </a:ext>
+            </a:extLst>
+          </p:cNvPr>
+          <p:cNvSpPr>
+            <a:spLocks noGrp="1"/>
+          </p:cNvSpPr>
+          <p:nvPr>
+            <p:ph type="title"/>
+          </p:nvPr>
+        </p:nvSpPr>
+        <p:spPr>
+          <a:xfrm>
+            <a:off x="420624" y="66186"/>
+            <a:ext cx="10543032" cy="1325563"/>
+          </a:xfrm>
+        </p:spPr>
+        <p:txBody>
+          <a:bodyPr>
+            <a:normAutofit fontScale="90000"/>
+          </a:bodyPr>
+          <a:lstStyle/>
+          <a:p>
+            <a:r>
+              <a:rPr lang="en-US"/>
+              <a:t>Bez histerezisa izmena otpornost (R1 = 12 i R0 = 2e-3 oma):</a:t>
+            </a:r>
+          </a:p>
+        </p:txBody>
+      </p:sp>
+      <p:pic>
+        <p:nvPicPr>
+          <p:cNvPr id="7" name="Content Placeholder 6">
+            <a:extLst>
+              <a:ext uri="{FF2B5EF4-FFF2-40B4-BE49-F238E27FC236}">
+                <a16:creationId xmlns:a16="http://schemas.microsoft.com/office/drawing/2014/main" id="{7FAEEE20-2258-1AEB-1139-3BE7B85AB3BC}"/>
+              </a:ext>
+            </a:extLst>
+          </p:cNvPr>
+          <p:cNvPicPr>
+            <a:picLocks noGrp="1" noChangeAspect="1"/>
+          </p:cNvPicPr>
+          <p:nvPr>
+            <p:ph idx="1"/>
+          </p:nvPr>
+        </p:nvPicPr>
+        <p:blipFill>
+          <a:blip r:embed="rId2"/>
+          <a:stretch>
+            <a:fillRect/>
+          </a:stretch>
+        </p:blipFill>
+        <p:spPr>
+          <a:xfrm>
+            <a:off x="952383" y="1391749"/>
+            <a:ext cx="9479514" cy="4855806"/>
+          </a:xfrm>
+        </p:spPr>
+      </p:pic>
+    </p:spTree>
+    <p:extLst>
+      <p:ext uri="{BB962C8B-B14F-4D97-AF65-F5344CB8AC3E}">
+        <p14:creationId xmlns:p14="http://schemas.microsoft.com/office/powerpoint/2010/main" val="608778649"/>
+      </p:ext>
+    </p:extLst>
+  </p:cSld>
+  <p:clrMapOvr>
+    <a:masterClrMapping/>
+  </p:clrMapOvr>
+</p:sld>
+</file>
+
+<file path=ppt/slides/slide12.xml><?xml version="1.0" encoding="utf-8"?>
+<p:sld xmlns:a="http://schemas.openxmlformats.org/drawingml/2006/main" xmlns:r="http://schemas.openxmlformats.org/officeDocument/2006/relationships" xmlns:p="http://schemas.openxmlformats.org/presentationml/2006/main">
+  <p:cSld>
+    <p:spTree>
+      <p:nvGrpSpPr>
+        <p:cNvPr id="1" name=""/>
+        <p:cNvGrpSpPr/>
+        <p:nvPr/>
+      </p:nvGrpSpPr>
+      <p:grpSpPr>
+        <a:xfrm>
+          <a:off x="0" y="0"/>
+          <a:ext cx="0" cy="0"/>
+          <a:chOff x="0" y="0"/>
+          <a:chExt cx="0" cy="0"/>
+        </a:xfrm>
+      </p:grpSpPr>
+      <p:sp>
+        <p:nvSpPr>
+          <p:cNvPr id="2" name="Title 1">
+            <a:extLst>
+              <a:ext uri="{FF2B5EF4-FFF2-40B4-BE49-F238E27FC236}">
+                <a16:creationId xmlns:a16="http://schemas.microsoft.com/office/drawing/2014/main" id="{94299182-22E5-7E09-9E2B-1B46B9C82288}"/>
+              </a:ext>
+            </a:extLst>
+          </p:cNvPr>
+          <p:cNvSpPr>
+            <a:spLocks noGrp="1"/>
+          </p:cNvSpPr>
+          <p:nvPr>
+            <p:ph type="title"/>
+          </p:nvPr>
+        </p:nvSpPr>
+        <p:spPr>
+          <a:xfrm>
+            <a:off x="420624" y="66186"/>
+            <a:ext cx="10543032" cy="1325563"/>
+          </a:xfrm>
+        </p:spPr>
+        <p:txBody>
+          <a:bodyPr>
+            <a:normAutofit fontScale="90000"/>
+          </a:bodyPr>
+          <a:lstStyle/>
+          <a:p>
+            <a:r>
+              <a:rPr lang="en-US"/>
+              <a:t>Sa histerezisom izmena otpornost (R1 = 12 i R0 = 2e-3 oma):</a:t>
+            </a:r>
+          </a:p>
+        </p:txBody>
+      </p:sp>
+      <p:pic>
+        <p:nvPicPr>
+          <p:cNvPr id="5" name="Content Placeholder 4">
+            <a:extLst>
+              <a:ext uri="{FF2B5EF4-FFF2-40B4-BE49-F238E27FC236}">
+                <a16:creationId xmlns:a16="http://schemas.microsoft.com/office/drawing/2014/main" id="{1E2E08D2-27E3-F213-FDC2-D0E033AB52A3}"/>
+              </a:ext>
+            </a:extLst>
+          </p:cNvPr>
+          <p:cNvPicPr>
+            <a:picLocks noGrp="1" noChangeAspect="1"/>
+          </p:cNvPicPr>
+          <p:nvPr>
+            <p:ph idx="1"/>
+          </p:nvPr>
+        </p:nvPicPr>
+        <p:blipFill>
+          <a:blip r:embed="rId2"/>
+          <a:stretch>
+            <a:fillRect/>
+          </a:stretch>
+        </p:blipFill>
+        <p:spPr>
+          <a:xfrm>
+            <a:off x="420624" y="1415755"/>
+            <a:ext cx="11352276" cy="5082738"/>
+          </a:xfrm>
+        </p:spPr>
+      </p:pic>
+    </p:spTree>
+    <p:extLst>
+      <p:ext uri="{BB962C8B-B14F-4D97-AF65-F5344CB8AC3E}">
+        <p14:creationId xmlns:p14="http://schemas.microsoft.com/office/powerpoint/2010/main" val="2054668918"/>
+      </p:ext>
+    </p:extLst>
+  </p:cSld>
+  <p:clrMapOvr>
+    <a:masterClrMapping/>
+  </p:clrMapOvr>
+</p:sld>
+</file>
+
+<file path=ppt/slides/slide13.xml><?xml version="1.0" encoding="utf-8"?>
 <p:sld xmlns:a="http://schemas.openxmlformats.org/drawingml/2006/main" xmlns:r="http://schemas.openxmlformats.org/officeDocument/2006/relationships" xmlns:p="http://schemas.openxmlformats.org/presentationml/2006/main">
   <p:cSld>
     <p:spTree>
@@ -4251,7 +4443,7 @@
         </p:blipFill>
         <p:spPr>
           <a:xfrm>
-            <a:off x="5882769" y="1828577"/>
+            <a:off x="5988277" y="1961914"/>
             <a:ext cx="4572638" cy="1600423"/>
           </a:xfrm>
           <a:prstGeom prst="rect">
@@ -4610,8 +4802,8 @@
         </p:blipFill>
         <p:spPr>
           <a:xfrm>
-            <a:off x="1597111" y="1825625"/>
-            <a:ext cx="8189741" cy="4206875"/>
+            <a:off x="420624" y="1169377"/>
+            <a:ext cx="10945489" cy="5622437"/>
           </a:xfrm>
         </p:spPr>
       </p:pic>
@@ -4702,8 +4894,8 @@
         </p:blipFill>
         <p:spPr>
           <a:xfrm>
-            <a:off x="1536078" y="1825625"/>
-            <a:ext cx="8311806" cy="4206875"/>
+            <a:off x="649053" y="1063870"/>
+            <a:ext cx="10893893" cy="5513753"/>
           </a:xfrm>
         </p:spPr>
       </p:pic>
@@ -4888,7 +5080,7 @@
         </p:blipFill>
         <p:spPr>
           <a:xfrm>
-            <a:off x="508548" y="1391749"/>
+            <a:off x="464586" y="1391749"/>
             <a:ext cx="11262828" cy="5155433"/>
           </a:xfrm>
         </p:spPr>
@@ -4953,7 +5145,7 @@
           <a:p>
             <a:r>
               <a:rPr lang="en-US"/>
-              <a:t>Sa histerezisom izmena otpornost (R1 i R0 = 8e-3 oma):</a:t>
+              <a:t>Bez histerezisa izmena otpornost (R1 i R0 = 8e-3 oma):</a:t>
             </a:r>
           </a:p>
         </p:txBody>
@@ -4963,7 +5155,7 @@
           <p:cNvPr id="5" name="Content Placeholder 4">
             <a:extLst>
               <a:ext uri="{FF2B5EF4-FFF2-40B4-BE49-F238E27FC236}">
-                <a16:creationId xmlns:a16="http://schemas.microsoft.com/office/drawing/2014/main" id="{8BB5C4B5-0D6C-BADA-F4DD-3390355E12D0}"/>
+                <a16:creationId xmlns:a16="http://schemas.microsoft.com/office/drawing/2014/main" id="{BA541F1B-16D4-958D-6C31-80B24101122E}"/>
               </a:ext>
             </a:extLst>
           </p:cNvPr>
@@ -4982,15 +5174,15 @@
         </p:blipFill>
         <p:spPr>
           <a:xfrm>
-            <a:off x="1456053" y="1825625"/>
-            <a:ext cx="8471856" cy="4206875"/>
+            <a:off x="851623" y="1392238"/>
+            <a:ext cx="10488754" cy="5400065"/>
           </a:xfrm>
         </p:spPr>
       </p:pic>
     </p:spTree>
     <p:extLst>
       <p:ext uri="{BB962C8B-B14F-4D97-AF65-F5344CB8AC3E}">
-        <p14:creationId xmlns:p14="http://schemas.microsoft.com/office/powerpoint/2010/main" val="2747697786"/>
+        <p14:creationId xmlns:p14="http://schemas.microsoft.com/office/powerpoint/2010/main" val="2530689530"/>
       </p:ext>
     </p:extLst>
   </p:cSld>

--- a/Docs/Battery Cell parameter parsing.pptx
+++ b/Docs/Battery Cell parameter parsing.pptx
@@ -2,12 +2,15 @@
 <file path=ppt/presentation.xml><?xml version="1.0" encoding="utf-8"?>
 <p:presentation xmlns:a="http://schemas.openxmlformats.org/drawingml/2006/main" xmlns:r="http://schemas.openxmlformats.org/officeDocument/2006/relationships" xmlns:p="http://schemas.openxmlformats.org/presentationml/2006/main" saveSubsetFonts="1">
   <p:sldMasterIdLst>
-    <p:sldMasterId id="2147483793" r:id="rId1"/>
+    <p:sldMasterId id="2147483805" r:id="rId1"/>
   </p:sldMasterIdLst>
+  <p:notesMasterIdLst>
+    <p:notesMasterId r:id="rId15"/>
+  </p:notesMasterIdLst>
   <p:sldIdLst>
     <p:sldId id="256" r:id="rId2"/>
     <p:sldId id="259" r:id="rId3"/>
-    <p:sldId id="260" r:id="rId4"/>
+    <p:sldId id="273" r:id="rId4"/>
     <p:sldId id="258" r:id="rId5"/>
     <p:sldId id="264" r:id="rId6"/>
     <p:sldId id="266" r:id="rId7"/>
@@ -119,15 +122,15 @@
   <p:extLst>
     <p:ext uri="{521415D9-36F7-43E2-AB2F-B90AF26B5E84}">
       <p14:sectionLst xmlns:p14="http://schemas.microsoft.com/office/powerpoint/2010/main">
-        <p14:section name="Uvod" id="{61ACE70A-927F-4176-85B9-8C806027725A}">
+        <p14:section name="Introduction" id="{61ACE70A-927F-4176-85B9-8C806027725A}">
           <p14:sldIdLst>
             <p14:sldId id="256"/>
             <p14:sldId id="259"/>
-            <p14:sldId id="260"/>
+            <p14:sldId id="273"/>
             <p14:sldId id="258"/>
           </p14:sldIdLst>
         </p14:section>
-        <p14:section name="Rezultati" id="{FF1401FF-2753-41CE-AF17-322F3C79327B}">
+        <p14:section name="Results" id="{FF1401FF-2753-41CE-AF17-322F3C79327B}">
           <p14:sldIdLst>
             <p14:sldId id="264"/>
             <p14:sldId id="266"/>
@@ -139,7 +142,7 @@
             <p14:sldId id="272"/>
           </p14:sldIdLst>
         </p14:section>
-        <p14:section name="Sta je sledece?" id="{DEFC8AF4-3AAF-4249-AF23-22FE0D36F400}">
+        <p14:section name="Next steps" id="{DEFC8AF4-3AAF-4249-AF23-22FE0D36F400}">
           <p14:sldIdLst>
             <p14:sldId id="262"/>
           </p14:sldIdLst>
@@ -151,6 +154,355 @@
     </p:ext>
   </p:extLst>
 </p:presentation>
+</file>
+
+<file path=ppt/notesMasters/notesMaster1.xml><?xml version="1.0" encoding="utf-8"?>
+<p:notesMaster xmlns:a="http://schemas.openxmlformats.org/drawingml/2006/main" xmlns:r="http://schemas.openxmlformats.org/officeDocument/2006/relationships" xmlns:p="http://schemas.openxmlformats.org/presentationml/2006/main">
+  <p:cSld>
+    <p:bg>
+      <p:bgRef idx="1001">
+        <a:schemeClr val="bg1"/>
+      </p:bgRef>
+    </p:bg>
+    <p:spTree>
+      <p:nvGrpSpPr>
+        <p:cNvPr id="1" name=""/>
+        <p:cNvGrpSpPr/>
+        <p:nvPr/>
+      </p:nvGrpSpPr>
+      <p:grpSpPr>
+        <a:xfrm>
+          <a:off x="0" y="0"/>
+          <a:ext cx="0" cy="0"/>
+          <a:chOff x="0" y="0"/>
+          <a:chExt cx="0" cy="0"/>
+        </a:xfrm>
+      </p:grpSpPr>
+      <p:sp>
+        <p:nvSpPr>
+          <p:cNvPr id="2" name="Header Placeholder 1"/>
+          <p:cNvSpPr>
+            <a:spLocks noGrp="1"/>
+          </p:cNvSpPr>
+          <p:nvPr>
+            <p:ph type="hdr" sz="quarter"/>
+          </p:nvPr>
+        </p:nvSpPr>
+        <p:spPr>
+          <a:xfrm>
+            <a:off x="0" y="0"/>
+            <a:ext cx="2971800" cy="458788"/>
+          </a:xfrm>
+          <a:prstGeom prst="rect">
+            <a:avLst/>
+          </a:prstGeom>
+        </p:spPr>
+        <p:txBody>
+          <a:bodyPr vert="horz" lIns="91440" tIns="45720" rIns="91440" bIns="45720" rtlCol="0"/>
+          <a:lstStyle>
+            <a:lvl1pPr algn="l">
+              <a:defRPr sz="1200"/>
+            </a:lvl1pPr>
+          </a:lstStyle>
+          <a:p>
+            <a:endParaRPr lang="en-US"/>
+          </a:p>
+        </p:txBody>
+      </p:sp>
+      <p:sp>
+        <p:nvSpPr>
+          <p:cNvPr id="3" name="Date Placeholder 2"/>
+          <p:cNvSpPr>
+            <a:spLocks noGrp="1"/>
+          </p:cNvSpPr>
+          <p:nvPr>
+            <p:ph type="dt" idx="1"/>
+          </p:nvPr>
+        </p:nvSpPr>
+        <p:spPr>
+          <a:xfrm>
+            <a:off x="3884613" y="0"/>
+            <a:ext cx="2971800" cy="458788"/>
+          </a:xfrm>
+          <a:prstGeom prst="rect">
+            <a:avLst/>
+          </a:prstGeom>
+        </p:spPr>
+        <p:txBody>
+          <a:bodyPr vert="horz" lIns="91440" tIns="45720" rIns="91440" bIns="45720" rtlCol="0"/>
+          <a:lstStyle>
+            <a:lvl1pPr algn="r">
+              <a:defRPr sz="1200"/>
+            </a:lvl1pPr>
+          </a:lstStyle>
+          <a:p>
+            <a:fld id="{5281B6B0-389F-4438-87DE-E3341AED3F6C}" type="datetimeFigureOut">
+              <a:rPr lang="en-US" smtClean="0"/>
+              <a:t>12/12/2022</a:t>
+            </a:fld>
+            <a:endParaRPr lang="en-US"/>
+          </a:p>
+        </p:txBody>
+      </p:sp>
+      <p:sp>
+        <p:nvSpPr>
+          <p:cNvPr id="4" name="Slide Image Placeholder 3"/>
+          <p:cNvSpPr>
+            <a:spLocks noGrp="1" noRot="1" noChangeAspect="1"/>
+          </p:cNvSpPr>
+          <p:nvPr>
+            <p:ph type="sldImg" idx="2"/>
+          </p:nvPr>
+        </p:nvSpPr>
+        <p:spPr>
+          <a:xfrm>
+            <a:off x="685800" y="1143000"/>
+            <a:ext cx="5486400" cy="3086100"/>
+          </a:xfrm>
+          <a:prstGeom prst="rect">
+            <a:avLst/>
+          </a:prstGeom>
+          <a:noFill/>
+          <a:ln w="12700">
+            <a:solidFill>
+              <a:prstClr val="black"/>
+            </a:solidFill>
+          </a:ln>
+        </p:spPr>
+        <p:txBody>
+          <a:bodyPr vert="horz" lIns="91440" tIns="45720" rIns="91440" bIns="45720" rtlCol="0" anchor="ctr"/>
+          <a:lstStyle/>
+          <a:p>
+            <a:endParaRPr lang="en-US"/>
+          </a:p>
+        </p:txBody>
+      </p:sp>
+      <p:sp>
+        <p:nvSpPr>
+          <p:cNvPr id="5" name="Notes Placeholder 4"/>
+          <p:cNvSpPr>
+            <a:spLocks noGrp="1"/>
+          </p:cNvSpPr>
+          <p:nvPr>
+            <p:ph type="body" sz="quarter" idx="3"/>
+          </p:nvPr>
+        </p:nvSpPr>
+        <p:spPr>
+          <a:xfrm>
+            <a:off x="685800" y="4400550"/>
+            <a:ext cx="5486400" cy="3600450"/>
+          </a:xfrm>
+          <a:prstGeom prst="rect">
+            <a:avLst/>
+          </a:prstGeom>
+        </p:spPr>
+        <p:txBody>
+          <a:bodyPr vert="horz" lIns="91440" tIns="45720" rIns="91440" bIns="45720" rtlCol="0"/>
+          <a:lstStyle/>
+          <a:p>
+            <a:pPr lvl="0"/>
+            <a:r>
+              <a:rPr lang="en-US"/>
+              <a:t>Click to edit Master text styles</a:t>
+            </a:r>
+          </a:p>
+          <a:p>
+            <a:pPr lvl="1"/>
+            <a:r>
+              <a:rPr lang="en-US"/>
+              <a:t>Second level</a:t>
+            </a:r>
+          </a:p>
+          <a:p>
+            <a:pPr lvl="2"/>
+            <a:r>
+              <a:rPr lang="en-US"/>
+              <a:t>Third level</a:t>
+            </a:r>
+          </a:p>
+          <a:p>
+            <a:pPr lvl="3"/>
+            <a:r>
+              <a:rPr lang="en-US"/>
+              <a:t>Fourth level</a:t>
+            </a:r>
+          </a:p>
+          <a:p>
+            <a:pPr lvl="4"/>
+            <a:r>
+              <a:rPr lang="en-US"/>
+              <a:t>Fifth level</a:t>
+            </a:r>
+          </a:p>
+        </p:txBody>
+      </p:sp>
+      <p:sp>
+        <p:nvSpPr>
+          <p:cNvPr id="6" name="Footer Placeholder 5"/>
+          <p:cNvSpPr>
+            <a:spLocks noGrp="1"/>
+          </p:cNvSpPr>
+          <p:nvPr>
+            <p:ph type="ftr" sz="quarter" idx="4"/>
+          </p:nvPr>
+        </p:nvSpPr>
+        <p:spPr>
+          <a:xfrm>
+            <a:off x="0" y="8685213"/>
+            <a:ext cx="2971800" cy="458787"/>
+          </a:xfrm>
+          <a:prstGeom prst="rect">
+            <a:avLst/>
+          </a:prstGeom>
+        </p:spPr>
+        <p:txBody>
+          <a:bodyPr vert="horz" lIns="91440" tIns="45720" rIns="91440" bIns="45720" rtlCol="0" anchor="b"/>
+          <a:lstStyle>
+            <a:lvl1pPr algn="l">
+              <a:defRPr sz="1200"/>
+            </a:lvl1pPr>
+          </a:lstStyle>
+          <a:p>
+            <a:endParaRPr lang="en-US"/>
+          </a:p>
+        </p:txBody>
+      </p:sp>
+      <p:sp>
+        <p:nvSpPr>
+          <p:cNvPr id="7" name="Slide Number Placeholder 6"/>
+          <p:cNvSpPr>
+            <a:spLocks noGrp="1"/>
+          </p:cNvSpPr>
+          <p:nvPr>
+            <p:ph type="sldNum" sz="quarter" idx="5"/>
+          </p:nvPr>
+        </p:nvSpPr>
+        <p:spPr>
+          <a:xfrm>
+            <a:off x="3884613" y="8685213"/>
+            <a:ext cx="2971800" cy="458787"/>
+          </a:xfrm>
+          <a:prstGeom prst="rect">
+            <a:avLst/>
+          </a:prstGeom>
+        </p:spPr>
+        <p:txBody>
+          <a:bodyPr vert="horz" lIns="91440" tIns="45720" rIns="91440" bIns="45720" rtlCol="0" anchor="b"/>
+          <a:lstStyle>
+            <a:lvl1pPr algn="r">
+              <a:defRPr sz="1200"/>
+            </a:lvl1pPr>
+          </a:lstStyle>
+          <a:p>
+            <a:fld id="{F98689B9-B214-4617-A408-92EF789E05AB}" type="slidenum">
+              <a:rPr lang="en-US" smtClean="0"/>
+              <a:t>‹#›</a:t>
+            </a:fld>
+            <a:endParaRPr lang="en-US"/>
+          </a:p>
+        </p:txBody>
+      </p:sp>
+    </p:spTree>
+    <p:extLst>
+      <p:ext uri="{BB962C8B-B14F-4D97-AF65-F5344CB8AC3E}">
+        <p14:creationId xmlns:p14="http://schemas.microsoft.com/office/powerpoint/2010/main" val="380104190"/>
+      </p:ext>
+    </p:extLst>
+  </p:cSld>
+  <p:clrMap bg1="lt1" tx1="dk1" bg2="lt2" tx2="dk2" accent1="accent1" accent2="accent2" accent3="accent3" accent4="accent4" accent5="accent5" accent6="accent6" hlink="hlink" folHlink="folHlink"/>
+  <p:notesStyle>
+    <a:lvl1pPr marL="0" algn="l" defTabSz="914400" rtl="0" eaLnBrk="1" latinLnBrk="0" hangingPunct="1">
+      <a:defRPr sz="1200" kern="1200">
+        <a:solidFill>
+          <a:schemeClr val="tx1"/>
+        </a:solidFill>
+        <a:latin typeface="+mn-lt"/>
+        <a:ea typeface="+mn-ea"/>
+        <a:cs typeface="+mn-cs"/>
+      </a:defRPr>
+    </a:lvl1pPr>
+    <a:lvl2pPr marL="457200" algn="l" defTabSz="914400" rtl="0" eaLnBrk="1" latinLnBrk="0" hangingPunct="1">
+      <a:defRPr sz="1200" kern="1200">
+        <a:solidFill>
+          <a:schemeClr val="tx1"/>
+        </a:solidFill>
+        <a:latin typeface="+mn-lt"/>
+        <a:ea typeface="+mn-ea"/>
+        <a:cs typeface="+mn-cs"/>
+      </a:defRPr>
+    </a:lvl2pPr>
+    <a:lvl3pPr marL="914400" algn="l" defTabSz="914400" rtl="0" eaLnBrk="1" latinLnBrk="0" hangingPunct="1">
+      <a:defRPr sz="1200" kern="1200">
+        <a:solidFill>
+          <a:schemeClr val="tx1"/>
+        </a:solidFill>
+        <a:latin typeface="+mn-lt"/>
+        <a:ea typeface="+mn-ea"/>
+        <a:cs typeface="+mn-cs"/>
+      </a:defRPr>
+    </a:lvl3pPr>
+    <a:lvl4pPr marL="1371600" algn="l" defTabSz="914400" rtl="0" eaLnBrk="1" latinLnBrk="0" hangingPunct="1">
+      <a:defRPr sz="1200" kern="1200">
+        <a:solidFill>
+          <a:schemeClr val="tx1"/>
+        </a:solidFill>
+        <a:latin typeface="+mn-lt"/>
+        <a:ea typeface="+mn-ea"/>
+        <a:cs typeface="+mn-cs"/>
+      </a:defRPr>
+    </a:lvl4pPr>
+    <a:lvl5pPr marL="1828800" algn="l" defTabSz="914400" rtl="0" eaLnBrk="1" latinLnBrk="0" hangingPunct="1">
+      <a:defRPr sz="1200" kern="1200">
+        <a:solidFill>
+          <a:schemeClr val="tx1"/>
+        </a:solidFill>
+        <a:latin typeface="+mn-lt"/>
+        <a:ea typeface="+mn-ea"/>
+        <a:cs typeface="+mn-cs"/>
+      </a:defRPr>
+    </a:lvl5pPr>
+    <a:lvl6pPr marL="2286000" algn="l" defTabSz="914400" rtl="0" eaLnBrk="1" latinLnBrk="0" hangingPunct="1">
+      <a:defRPr sz="1200" kern="1200">
+        <a:solidFill>
+          <a:schemeClr val="tx1"/>
+        </a:solidFill>
+        <a:latin typeface="+mn-lt"/>
+        <a:ea typeface="+mn-ea"/>
+        <a:cs typeface="+mn-cs"/>
+      </a:defRPr>
+    </a:lvl6pPr>
+    <a:lvl7pPr marL="2743200" algn="l" defTabSz="914400" rtl="0" eaLnBrk="1" latinLnBrk="0" hangingPunct="1">
+      <a:defRPr sz="1200" kern="1200">
+        <a:solidFill>
+          <a:schemeClr val="tx1"/>
+        </a:solidFill>
+        <a:latin typeface="+mn-lt"/>
+        <a:ea typeface="+mn-ea"/>
+        <a:cs typeface="+mn-cs"/>
+      </a:defRPr>
+    </a:lvl7pPr>
+    <a:lvl8pPr marL="3200400" algn="l" defTabSz="914400" rtl="0" eaLnBrk="1" latinLnBrk="0" hangingPunct="1">
+      <a:defRPr sz="1200" kern="1200">
+        <a:solidFill>
+          <a:schemeClr val="tx1"/>
+        </a:solidFill>
+        <a:latin typeface="+mn-lt"/>
+        <a:ea typeface="+mn-ea"/>
+        <a:cs typeface="+mn-cs"/>
+      </a:defRPr>
+    </a:lvl8pPr>
+    <a:lvl9pPr marL="3657600" algn="l" defTabSz="914400" rtl="0" eaLnBrk="1" latinLnBrk="0" hangingPunct="1">
+      <a:defRPr sz="1200" kern="1200">
+        <a:solidFill>
+          <a:schemeClr val="tx1"/>
+        </a:solidFill>
+        <a:latin typeface="+mn-lt"/>
+        <a:ea typeface="+mn-ea"/>
+        <a:cs typeface="+mn-cs"/>
+      </a:defRPr>
+    </a:lvl9pPr>
+  </p:notesStyle>
+</p:notesMaster>
 </file>
 
 <file path=ppt/slideLayouts/slideLayout1.xml><?xml version="1.0" encoding="utf-8"?>
@@ -175,7 +527,7 @@
           <p:cNvPr id="2" name="Title 1">
             <a:extLst>
               <a:ext uri="{FF2B5EF4-FFF2-40B4-BE49-F238E27FC236}">
-                <a16:creationId xmlns:a16="http://schemas.microsoft.com/office/drawing/2014/main" id="{E1BC7A07-96C3-42AF-943D-953C86C3DAAD}"/>
+                <a16:creationId xmlns:a16="http://schemas.microsoft.com/office/drawing/2014/main" id="{07FFCE26-2C1A-4FE9-B5C4-5153057D0F7D}"/>
               </a:ext>
             </a:extLst>
           </p:cNvPr>
@@ -188,20 +540,15 @@
         </p:nvSpPr>
         <p:spPr>
           <a:xfrm>
-            <a:off x="1524000" y="1463557"/>
+            <a:off x="1524000" y="1122363"/>
             <a:ext cx="9144000" cy="2387600"/>
           </a:xfrm>
         </p:spPr>
         <p:txBody>
-          <a:bodyPr anchor="b">
-            <a:normAutofit/>
-          </a:bodyPr>
+          <a:bodyPr anchor="b"/>
           <a:lstStyle>
             <a:lvl1pPr algn="ctr">
-              <a:lnSpc>
-                <a:spcPct val="90000"/>
-              </a:lnSpc>
-              <a:defRPr sz="5200"/>
+              <a:defRPr sz="6000"/>
             </a:lvl1pPr>
           </a:lstStyle>
           <a:p>
@@ -209,7 +556,6 @@
               <a:rPr lang="en-US"/>
               <a:t>Click to edit Master title style</a:t>
             </a:r>
-            <a:endParaRPr lang="en-US" dirty="0"/>
           </a:p>
         </p:txBody>
       </p:sp>
@@ -218,7 +564,7 @@
           <p:cNvPr id="3" name="Subtitle 2">
             <a:extLst>
               <a:ext uri="{FF2B5EF4-FFF2-40B4-BE49-F238E27FC236}">
-                <a16:creationId xmlns:a16="http://schemas.microsoft.com/office/drawing/2014/main" id="{8CEE38DF-F503-4E79-B1B0-16489708A1B5}"/>
+                <a16:creationId xmlns:a16="http://schemas.microsoft.com/office/drawing/2014/main" id="{22AE2BAB-542D-4839-8903-C79DB09C75B2}"/>
               </a:ext>
             </a:extLst>
           </p:cNvPr>
@@ -231,21 +577,16 @@
         </p:nvSpPr>
         <p:spPr>
           <a:xfrm>
-            <a:off x="1524000" y="3943232"/>
+            <a:off x="1524000" y="3602038"/>
             <a:ext cx="9144000" cy="1655762"/>
           </a:xfrm>
         </p:spPr>
         <p:txBody>
-          <a:bodyPr>
-            <a:normAutofit/>
-          </a:bodyPr>
+          <a:bodyPr/>
           <a:lstStyle>
             <a:lvl1pPr marL="0" indent="0" algn="ctr">
-              <a:lnSpc>
-                <a:spcPts val="3200"/>
-              </a:lnSpc>
               <a:buNone/>
-              <a:defRPr sz="2400" baseline="0"/>
+              <a:defRPr sz="2400"/>
             </a:lvl1pPr>
             <a:lvl2pPr marL="457200" indent="0" algn="ctr">
               <a:buNone/>
@@ -285,7 +626,6 @@
               <a:rPr lang="en-US"/>
               <a:t>Click to edit Master subtitle style</a:t>
             </a:r>
-            <a:endParaRPr lang="en-US" dirty="0"/>
           </a:p>
         </p:txBody>
       </p:sp>
@@ -294,7 +634,7 @@
           <p:cNvPr id="4" name="Date Placeholder 3">
             <a:extLst>
               <a:ext uri="{FF2B5EF4-FFF2-40B4-BE49-F238E27FC236}">
-                <a16:creationId xmlns:a16="http://schemas.microsoft.com/office/drawing/2014/main" id="{CC1D965B-87A4-4F43-BE02-800BCCDF42EF}"/>
+                <a16:creationId xmlns:a16="http://schemas.microsoft.com/office/drawing/2014/main" id="{5684739A-B374-4B38-88BC-12F8FD452049}"/>
               </a:ext>
             </a:extLst>
           </p:cNvPr>
@@ -305,19 +645,14 @@
             <p:ph type="dt" sz="half" idx="10"/>
           </p:nvPr>
         </p:nvSpPr>
-        <p:spPr>
-          <a:xfrm>
-            <a:off x="420624" y="6217920"/>
-            <a:ext cx="2743200" cy="640080"/>
-          </a:xfrm>
-        </p:spPr>
-        <p:txBody>
-          <a:bodyPr anchor="ctr" anchorCtr="0"/>
+        <p:spPr/>
+        <p:txBody>
+          <a:bodyPr/>
           <a:lstStyle/>
           <a:p>
-            <a:fld id="{403CB87E-4591-47A1-9046-CF63F17215EF}" type="datetime2">
+            <a:fld id="{695AFE2A-6A1E-40EE-9317-61F2C828D117}" type="datetime2">
               <a:rPr lang="en-US" smtClean="0"/>
-              <a:t>Friday, December 9, 2022</a:t>
+              <a:t>Monday, December 12, 2022</a:t>
             </a:fld>
             <a:endParaRPr lang="en-US"/>
           </a:p>
@@ -328,7 +663,7 @@
           <p:cNvPr id="5" name="Footer Placeholder 4">
             <a:extLst>
               <a:ext uri="{FF2B5EF4-FFF2-40B4-BE49-F238E27FC236}">
-                <a16:creationId xmlns:a16="http://schemas.microsoft.com/office/drawing/2014/main" id="{389ED35B-CBF1-40D9-BAA7-CF9E1E22B8FC}"/>
+                <a16:creationId xmlns:a16="http://schemas.microsoft.com/office/drawing/2014/main" id="{AB9DFE72-9678-4CCE-83D4-475C5BCA0E8F}"/>
               </a:ext>
             </a:extLst>
           </p:cNvPr>
@@ -339,14 +674,9 @@
             <p:ph type="ftr" sz="quarter" idx="11"/>
           </p:nvPr>
         </p:nvSpPr>
-        <p:spPr>
-          <a:xfrm>
-            <a:off x="3767328" y="6217920"/>
-            <a:ext cx="7196328" cy="640080"/>
-          </a:xfrm>
-        </p:spPr>
-        <p:txBody>
-          <a:bodyPr anchor="ctr" anchorCtr="0"/>
+        <p:spPr/>
+        <p:txBody>
+          <a:bodyPr/>
           <a:lstStyle/>
           <a:p>
             <a:r>
@@ -361,7 +691,7 @@
           <p:cNvPr id="6" name="Slide Number Placeholder 5">
             <a:extLst>
               <a:ext uri="{FF2B5EF4-FFF2-40B4-BE49-F238E27FC236}">
-                <a16:creationId xmlns:a16="http://schemas.microsoft.com/office/drawing/2014/main" id="{3D26653A-450D-4BDE-8718-99F2D9314259}"/>
+                <a16:creationId xmlns:a16="http://schemas.microsoft.com/office/drawing/2014/main" id="{0F5FE2AF-438F-4440-8054-5753525F0237}"/>
               </a:ext>
             </a:extLst>
           </p:cNvPr>
@@ -372,19 +702,10 @@
             <p:ph type="sldNum" sz="quarter" idx="12"/>
           </p:nvPr>
         </p:nvSpPr>
-        <p:spPr>
-          <a:xfrm>
-            <a:off x="11503152" y="0"/>
-            <a:ext cx="685800" cy="685800"/>
-          </a:xfrm>
-        </p:spPr>
+        <p:spPr/>
         <p:txBody>
           <a:bodyPr/>
-          <a:lstStyle>
-            <a:lvl1pPr algn="ctr">
-              <a:defRPr/>
-            </a:lvl1pPr>
-          </a:lstStyle>
+          <a:lstStyle/>
           <a:p>
             <a:fld id="{3A4F6043-7A67-491B-98BC-F933DED7226D}" type="slidenum">
               <a:rPr lang="en-US" smtClean="0"/>
@@ -397,7 +718,7 @@
     </p:spTree>
     <p:extLst>
       <p:ext uri="{BB962C8B-B14F-4D97-AF65-F5344CB8AC3E}">
-        <p14:creationId xmlns:p14="http://schemas.microsoft.com/office/powerpoint/2010/main" val="1070671012"/>
+        <p14:creationId xmlns:p14="http://schemas.microsoft.com/office/powerpoint/2010/main" val="1772397547"/>
       </p:ext>
     </p:extLst>
   </p:cSld>
@@ -429,7 +750,7 @@
           <p:cNvPr id="2" name="Title 1">
             <a:extLst>
               <a:ext uri="{FF2B5EF4-FFF2-40B4-BE49-F238E27FC236}">
-                <a16:creationId xmlns:a16="http://schemas.microsoft.com/office/drawing/2014/main" id="{187D930A-6467-4C46-BA13-A0F5EC12FF67}"/>
+                <a16:creationId xmlns:a16="http://schemas.microsoft.com/office/drawing/2014/main" id="{A7FE9353-4C4E-4AEB-B396-D08DD16BD4C1}"/>
               </a:ext>
             </a:extLst>
           </p:cNvPr>
@@ -442,20 +763,13 @@
         </p:nvSpPr>
         <p:spPr/>
         <p:txBody>
-          <a:bodyPr>
-            <a:normAutofit/>
-          </a:bodyPr>
-          <a:lstStyle>
-            <a:lvl1pPr>
-              <a:defRPr sz="5200"/>
-            </a:lvl1pPr>
-          </a:lstStyle>
+          <a:bodyPr/>
+          <a:lstStyle/>
           <a:p>
             <a:r>
               <a:rPr lang="en-US"/>
               <a:t>Click to edit Master title style</a:t>
             </a:r>
-            <a:endParaRPr lang="en-US" dirty="0"/>
           </a:p>
         </p:txBody>
       </p:sp>
@@ -464,7 +778,7 @@
           <p:cNvPr id="3" name="Vertical Text Placeholder 2">
             <a:extLst>
               <a:ext uri="{FF2B5EF4-FFF2-40B4-BE49-F238E27FC236}">
-                <a16:creationId xmlns:a16="http://schemas.microsoft.com/office/drawing/2014/main" id="{D841977A-7872-4BE8-8C5C-D2099BEDBB7C}"/>
+                <a16:creationId xmlns:a16="http://schemas.microsoft.com/office/drawing/2014/main" id="{6BB69BB2-EC0E-400E-9DD3-19D3FE14F273}"/>
               </a:ext>
             </a:extLst>
           </p:cNvPr>
@@ -521,7 +835,7 @@
           <p:cNvPr id="4" name="Date Placeholder 3">
             <a:extLst>
               <a:ext uri="{FF2B5EF4-FFF2-40B4-BE49-F238E27FC236}">
-                <a16:creationId xmlns:a16="http://schemas.microsoft.com/office/drawing/2014/main" id="{62CB8191-8A0C-4077-9A2D-0255BF81A9D0}"/>
+                <a16:creationId xmlns:a16="http://schemas.microsoft.com/office/drawing/2014/main" id="{9C138508-AF29-4FF0-B607-07066DB86971}"/>
               </a:ext>
             </a:extLst>
           </p:cNvPr>
@@ -537,9 +851,9 @@
           <a:bodyPr/>
           <a:lstStyle/>
           <a:p>
-            <a:fld id="{2FA17F0E-8070-4DFE-A821-9A699EDBAD7E}" type="datetime2">
+            <a:fld id="{790DD7E3-B9A3-4C1E-927D-D5296B6E7B86}" type="datetime2">
               <a:rPr lang="en-US" smtClean="0"/>
-              <a:t>Friday, December 9, 2022</a:t>
+              <a:t>Monday, December 12, 2022</a:t>
             </a:fld>
             <a:endParaRPr lang="en-US"/>
           </a:p>
@@ -550,7 +864,7 @@
           <p:cNvPr id="5" name="Footer Placeholder 4">
             <a:extLst>
               <a:ext uri="{FF2B5EF4-FFF2-40B4-BE49-F238E27FC236}">
-                <a16:creationId xmlns:a16="http://schemas.microsoft.com/office/drawing/2014/main" id="{BF441B40-57AC-45F3-9AAC-DC2BEBB12184}"/>
+                <a16:creationId xmlns:a16="http://schemas.microsoft.com/office/drawing/2014/main" id="{83E3F3DF-6CD9-456A-9768-FF64782205BF}"/>
               </a:ext>
             </a:extLst>
           </p:cNvPr>
@@ -578,7 +892,7 @@
           <p:cNvPr id="6" name="Slide Number Placeholder 5">
             <a:extLst>
               <a:ext uri="{FF2B5EF4-FFF2-40B4-BE49-F238E27FC236}">
-                <a16:creationId xmlns:a16="http://schemas.microsoft.com/office/drawing/2014/main" id="{9B6D65F4-29FA-451A-878F-768E426A7EDA}"/>
+                <a16:creationId xmlns:a16="http://schemas.microsoft.com/office/drawing/2014/main" id="{96825D90-A7F3-4478-AA4E-D1BA3FB84F3E}"/>
               </a:ext>
             </a:extLst>
           </p:cNvPr>
@@ -606,7 +920,7 @@
     </p:spTree>
     <p:extLst>
       <p:ext uri="{BB962C8B-B14F-4D97-AF65-F5344CB8AC3E}">
-        <p14:creationId xmlns:p14="http://schemas.microsoft.com/office/powerpoint/2010/main" val="2927412435"/>
+        <p14:creationId xmlns:p14="http://schemas.microsoft.com/office/powerpoint/2010/main" val="3420246762"/>
       </p:ext>
     </p:extLst>
   </p:cSld>
@@ -638,7 +952,7 @@
           <p:cNvPr id="2" name="Vertical Title 1">
             <a:extLst>
               <a:ext uri="{FF2B5EF4-FFF2-40B4-BE49-F238E27FC236}">
-                <a16:creationId xmlns:a16="http://schemas.microsoft.com/office/drawing/2014/main" id="{1D76A9FC-D582-4FC8-B641-9F77B4DD15B7}"/>
+                <a16:creationId xmlns:a16="http://schemas.microsoft.com/office/drawing/2014/main" id="{3053E3C7-92DF-4BB7-8F66-168AAFCC7FB7}"/>
               </a:ext>
             </a:extLst>
           </p:cNvPr>
@@ -671,7 +985,7 @@
           <p:cNvPr id="3" name="Vertical Text Placeholder 2">
             <a:extLst>
               <a:ext uri="{FF2B5EF4-FFF2-40B4-BE49-F238E27FC236}">
-                <a16:creationId xmlns:a16="http://schemas.microsoft.com/office/drawing/2014/main" id="{A23A1683-12F6-4BA6-AD1A-F98C60951452}"/>
+                <a16:creationId xmlns:a16="http://schemas.microsoft.com/office/drawing/2014/main" id="{DB231F31-98DA-4325-B0CD-B4BB756B1D0C}"/>
               </a:ext>
             </a:extLst>
           </p:cNvPr>
@@ -733,7 +1047,7 @@
           <p:cNvPr id="4" name="Date Placeholder 3">
             <a:extLst>
               <a:ext uri="{FF2B5EF4-FFF2-40B4-BE49-F238E27FC236}">
-                <a16:creationId xmlns:a16="http://schemas.microsoft.com/office/drawing/2014/main" id="{931141D6-1E1A-4A54-A9B4-57F86865FC03}"/>
+                <a16:creationId xmlns:a16="http://schemas.microsoft.com/office/drawing/2014/main" id="{C4754203-F126-485E-87EA-96F75930C102}"/>
               </a:ext>
             </a:extLst>
           </p:cNvPr>
@@ -749,9 +1063,9 @@
           <a:bodyPr/>
           <a:lstStyle/>
           <a:p>
-            <a:fld id="{D88D34AE-C7BF-46E5-A968-01C6641F6476}" type="datetime2">
+            <a:fld id="{A770E1F1-4423-4899-8416-5681C9E3945A}" type="datetime2">
               <a:rPr lang="en-US" smtClean="0"/>
-              <a:t>Friday, December 9, 2022</a:t>
+              <a:t>Monday, December 12, 2022</a:t>
             </a:fld>
             <a:endParaRPr lang="en-US"/>
           </a:p>
@@ -762,7 +1076,7 @@
           <p:cNvPr id="5" name="Footer Placeholder 4">
             <a:extLst>
               <a:ext uri="{FF2B5EF4-FFF2-40B4-BE49-F238E27FC236}">
-                <a16:creationId xmlns:a16="http://schemas.microsoft.com/office/drawing/2014/main" id="{E57541D6-4702-4421-AEB2-D6CA3AADBA4F}"/>
+                <a16:creationId xmlns:a16="http://schemas.microsoft.com/office/drawing/2014/main" id="{869AF19B-CB13-423C-A20E-89EF7C913B6B}"/>
               </a:ext>
             </a:extLst>
           </p:cNvPr>
@@ -790,7 +1104,7 @@
           <p:cNvPr id="6" name="Slide Number Placeholder 5">
             <a:extLst>
               <a:ext uri="{FF2B5EF4-FFF2-40B4-BE49-F238E27FC236}">
-                <a16:creationId xmlns:a16="http://schemas.microsoft.com/office/drawing/2014/main" id="{4C3C9F43-CD60-4C38-94C9-0E6D3B7224FD}"/>
+                <a16:creationId xmlns:a16="http://schemas.microsoft.com/office/drawing/2014/main" id="{774870FB-0F45-45FF-9A70-CB692A03122B}"/>
               </a:ext>
             </a:extLst>
           </p:cNvPr>
@@ -818,7 +1132,7 @@
     </p:spTree>
     <p:extLst>
       <p:ext uri="{BB962C8B-B14F-4D97-AF65-F5344CB8AC3E}">
-        <p14:creationId xmlns:p14="http://schemas.microsoft.com/office/powerpoint/2010/main" val="1337318903"/>
+        <p14:creationId xmlns:p14="http://schemas.microsoft.com/office/powerpoint/2010/main" val="2597411777"/>
       </p:ext>
     </p:extLst>
   </p:cSld>
@@ -850,7 +1164,7 @@
           <p:cNvPr id="2" name="Title 1">
             <a:extLst>
               <a:ext uri="{FF2B5EF4-FFF2-40B4-BE49-F238E27FC236}">
-                <a16:creationId xmlns:a16="http://schemas.microsoft.com/office/drawing/2014/main" id="{B2914413-82C1-4EBC-8C6B-BC5F842D13A2}"/>
+                <a16:creationId xmlns:a16="http://schemas.microsoft.com/office/drawing/2014/main" id="{B83B3099-705E-4F7B-B63E-380D00E609F3}"/>
               </a:ext>
             </a:extLst>
           </p:cNvPr>
@@ -861,30 +1175,15 @@
             <p:ph type="title"/>
           </p:nvPr>
         </p:nvSpPr>
-        <p:spPr>
-          <a:xfrm>
-            <a:off x="420624" y="365125"/>
-            <a:ext cx="10543032" cy="1325563"/>
-          </a:xfrm>
-        </p:spPr>
-        <p:txBody>
-          <a:bodyPr>
-            <a:normAutofit/>
-          </a:bodyPr>
-          <a:lstStyle>
-            <a:lvl1pPr>
-              <a:lnSpc>
-                <a:spcPct val="90000"/>
-              </a:lnSpc>
-              <a:defRPr sz="5200"/>
-            </a:lvl1pPr>
-          </a:lstStyle>
+        <p:spPr/>
+        <p:txBody>
+          <a:bodyPr/>
+          <a:lstStyle/>
           <a:p>
             <a:r>
               <a:rPr lang="en-US"/>
               <a:t>Click to edit Master title style</a:t>
             </a:r>
-            <a:endParaRPr lang="en-US" dirty="0"/>
           </a:p>
         </p:txBody>
       </p:sp>
@@ -893,7 +1192,7 @@
           <p:cNvPr id="3" name="Content Placeholder 2">
             <a:extLst>
               <a:ext uri="{FF2B5EF4-FFF2-40B4-BE49-F238E27FC236}">
-                <a16:creationId xmlns:a16="http://schemas.microsoft.com/office/drawing/2014/main" id="{328F029A-192E-4A44-ACC7-6C5212C77736}"/>
+                <a16:creationId xmlns:a16="http://schemas.microsoft.com/office/drawing/2014/main" id="{0FE892DE-FB5C-4C78-BC75-FBFE4B5FC8E1}"/>
               </a:ext>
             </a:extLst>
           </p:cNvPr>
@@ -904,22 +1203,10 @@
             <p:ph idx="1"/>
           </p:nvPr>
         </p:nvSpPr>
-        <p:spPr>
-          <a:xfrm>
-            <a:off x="420625" y="1825625"/>
-            <a:ext cx="10543031" cy="4206383"/>
-          </a:xfrm>
-        </p:spPr>
+        <p:spPr/>
         <p:txBody>
           <a:bodyPr/>
-          <a:lstStyle>
-            <a:lvl1pPr>
-              <a:defRPr sz="2400"/>
-            </a:lvl1pPr>
-            <a:lvl2pPr>
-              <a:defRPr sz="2200"/>
-            </a:lvl2pPr>
-          </a:lstStyle>
+          <a:lstStyle/>
           <a:p>
             <a:pPr lvl="0"/>
             <a:r>
@@ -954,7 +1241,6 @@
               <a:rPr lang="en-US"/>
               <a:t>Fifth level</a:t>
             </a:r>
-            <a:endParaRPr lang="en-US" dirty="0"/>
           </a:p>
         </p:txBody>
       </p:sp>
@@ -963,7 +1249,7 @@
           <p:cNvPr id="4" name="Date Placeholder 3">
             <a:extLst>
               <a:ext uri="{FF2B5EF4-FFF2-40B4-BE49-F238E27FC236}">
-                <a16:creationId xmlns:a16="http://schemas.microsoft.com/office/drawing/2014/main" id="{38D1A7D4-E57E-4789-896B-B2A051BF94F6}"/>
+                <a16:creationId xmlns:a16="http://schemas.microsoft.com/office/drawing/2014/main" id="{96C79E19-29B9-44BC-AF90-528BC94E815C}"/>
               </a:ext>
             </a:extLst>
           </p:cNvPr>
@@ -974,27 +1260,14 @@
             <p:ph type="dt" sz="half" idx="10"/>
           </p:nvPr>
         </p:nvSpPr>
-        <p:spPr>
-          <a:xfrm>
-            <a:off x="420624" y="6217920"/>
-            <a:ext cx="2743200" cy="640080"/>
-          </a:xfrm>
-        </p:spPr>
+        <p:spPr/>
         <p:txBody>
           <a:bodyPr/>
-          <a:lstStyle>
-            <a:lvl1pPr>
-              <a:defRPr>
-                <a:solidFill>
-                  <a:schemeClr val="tx2"/>
-                </a:solidFill>
-              </a:defRPr>
-            </a:lvl1pPr>
-          </a:lstStyle>
-          <a:p>
-            <a:fld id="{F33DE70B-B772-416E-A790-995760B1742E}" type="datetime2">
+          <a:lstStyle/>
+          <a:p>
+            <a:fld id="{5F16EF7E-B568-415F-821C-8EB37A8EA4B4}" type="datetime2">
               <a:rPr lang="en-US" smtClean="0"/>
-              <a:t>Friday, December 9, 2022</a:t>
+              <a:t>Monday, December 12, 2022</a:t>
             </a:fld>
             <a:endParaRPr lang="en-US"/>
           </a:p>
@@ -1005,7 +1278,7 @@
           <p:cNvPr id="5" name="Footer Placeholder 4">
             <a:extLst>
               <a:ext uri="{FF2B5EF4-FFF2-40B4-BE49-F238E27FC236}">
-                <a16:creationId xmlns:a16="http://schemas.microsoft.com/office/drawing/2014/main" id="{A07B63EE-3B35-4F8A-BDA3-E778BFE14CA1}"/>
+                <a16:creationId xmlns:a16="http://schemas.microsoft.com/office/drawing/2014/main" id="{7DC7CCB0-6725-4761-8AB4-EF738252E4CD}"/>
               </a:ext>
             </a:extLst>
           </p:cNvPr>
@@ -1019,15 +1292,7 @@
         <p:spPr/>
         <p:txBody>
           <a:bodyPr/>
-          <a:lstStyle>
-            <a:lvl1pPr>
-              <a:defRPr>
-                <a:solidFill>
-                  <a:schemeClr val="tx2"/>
-                </a:solidFill>
-              </a:defRPr>
-            </a:lvl1pPr>
-          </a:lstStyle>
+          <a:lstStyle/>
           <a:p>
             <a:r>
               <a:rPr lang="en-US"/>
@@ -1041,7 +1306,7 @@
           <p:cNvPr id="6" name="Slide Number Placeholder 5">
             <a:extLst>
               <a:ext uri="{FF2B5EF4-FFF2-40B4-BE49-F238E27FC236}">
-                <a16:creationId xmlns:a16="http://schemas.microsoft.com/office/drawing/2014/main" id="{C8339EF2-7937-4C30-A883-7F7BD02802BC}"/>
+                <a16:creationId xmlns:a16="http://schemas.microsoft.com/office/drawing/2014/main" id="{76573F48-8F62-42AC-866A-8F7B55F70691}"/>
               </a:ext>
             </a:extLst>
           </p:cNvPr>
@@ -1055,15 +1320,7 @@
         <p:spPr/>
         <p:txBody>
           <a:bodyPr/>
-          <a:lstStyle>
-            <a:lvl1pPr algn="ctr">
-              <a:defRPr>
-                <a:solidFill>
-                  <a:schemeClr val="tx2"/>
-                </a:solidFill>
-              </a:defRPr>
-            </a:lvl1pPr>
-          </a:lstStyle>
+          <a:lstStyle/>
           <a:p>
             <a:fld id="{3A4F6043-7A67-491B-98BC-F933DED7226D}" type="slidenum">
               <a:rPr lang="en-US" smtClean="0"/>
@@ -1077,7 +1334,7 @@
     </p:spTree>
     <p:extLst>
       <p:ext uri="{BB962C8B-B14F-4D97-AF65-F5344CB8AC3E}">
-        <p14:creationId xmlns:p14="http://schemas.microsoft.com/office/powerpoint/2010/main" val="1587281761"/>
+        <p14:creationId xmlns:p14="http://schemas.microsoft.com/office/powerpoint/2010/main" val="4255242374"/>
       </p:ext>
     </p:extLst>
   </p:cSld>
@@ -1109,7 +1366,7 @@
           <p:cNvPr id="2" name="Title 1">
             <a:extLst>
               <a:ext uri="{FF2B5EF4-FFF2-40B4-BE49-F238E27FC236}">
-                <a16:creationId xmlns:a16="http://schemas.microsoft.com/office/drawing/2014/main" id="{84CAF4BC-D1E9-40F0-A26B-9EA9B6B69755}"/>
+                <a16:creationId xmlns:a16="http://schemas.microsoft.com/office/drawing/2014/main" id="{076D0D60-1976-4F0C-82F4-1A5A046D61F9}"/>
               </a:ext>
             </a:extLst>
           </p:cNvPr>
@@ -1122,17 +1379,15 @@
         </p:nvSpPr>
         <p:spPr>
           <a:xfrm>
-            <a:off x="420624" y="1081941"/>
-            <a:ext cx="10543032" cy="2852737"/>
+            <a:off x="831850" y="1709738"/>
+            <a:ext cx="10515600" cy="2852737"/>
           </a:xfrm>
         </p:spPr>
         <p:txBody>
-          <a:bodyPr anchor="b">
-            <a:normAutofit/>
-          </a:bodyPr>
+          <a:bodyPr anchor="b"/>
           <a:lstStyle>
             <a:lvl1pPr>
-              <a:defRPr sz="4400"/>
+              <a:defRPr sz="6000"/>
             </a:lvl1pPr>
           </a:lstStyle>
           <a:p>
@@ -1140,7 +1395,6 @@
               <a:rPr lang="en-US"/>
               <a:t>Click to edit Master title style</a:t>
             </a:r>
-            <a:endParaRPr lang="en-US" dirty="0"/>
           </a:p>
         </p:txBody>
       </p:sp>
@@ -1149,7 +1403,7 @@
           <p:cNvPr id="3" name="Text Placeholder 2">
             <a:extLst>
               <a:ext uri="{FF2B5EF4-FFF2-40B4-BE49-F238E27FC236}">
-                <a16:creationId xmlns:a16="http://schemas.microsoft.com/office/drawing/2014/main" id="{FF7974A6-FAB9-47DA-8F1A-701DFC8DF327}"/>
+                <a16:creationId xmlns:a16="http://schemas.microsoft.com/office/drawing/2014/main" id="{78F1CF47-836F-4A63-8B97-CB7CFB24ED92}"/>
               </a:ext>
             </a:extLst>
           </p:cNvPr>
@@ -1162,18 +1416,16 @@
         </p:nvSpPr>
         <p:spPr>
           <a:xfrm>
-            <a:off x="420624" y="3961666"/>
-            <a:ext cx="10543032" cy="1500187"/>
+            <a:off x="831850" y="4589463"/>
+            <a:ext cx="10515600" cy="1500187"/>
           </a:xfrm>
         </p:spPr>
         <p:txBody>
-          <a:bodyPr>
-            <a:noAutofit/>
-          </a:bodyPr>
+          <a:bodyPr/>
           <a:lstStyle>
             <a:lvl1pPr marL="0" indent="0">
               <a:buNone/>
-              <a:defRPr sz="2200">
+              <a:defRPr sz="2400">
                 <a:solidFill>
                   <a:schemeClr val="tx1">
                     <a:tint val="75000"/>
@@ -1276,7 +1528,7 @@
           <p:cNvPr id="4" name="Date Placeholder 3">
             <a:extLst>
               <a:ext uri="{FF2B5EF4-FFF2-40B4-BE49-F238E27FC236}">
-                <a16:creationId xmlns:a16="http://schemas.microsoft.com/office/drawing/2014/main" id="{A564E2B4-314C-4D4F-8938-E437A2EF527B}"/>
+                <a16:creationId xmlns:a16="http://schemas.microsoft.com/office/drawing/2014/main" id="{CF6C3723-B478-40BC-B89E-535640A9BA7C}"/>
               </a:ext>
             </a:extLst>
           </p:cNvPr>
@@ -1292,9 +1544,9 @@
           <a:bodyPr/>
           <a:lstStyle/>
           <a:p>
-            <a:fld id="{76760CDE-A6F1-4138-AF12-ED09E8E5FB6B}" type="datetime2">
+            <a:fld id="{918A4647-A7DD-49C4-BD05-3BA01939EEE2}" type="datetime2">
               <a:rPr lang="en-US" smtClean="0"/>
-              <a:t>Friday, December 9, 2022</a:t>
+              <a:t>Monday, December 12, 2022</a:t>
             </a:fld>
             <a:endParaRPr lang="en-US"/>
           </a:p>
@@ -1305,7 +1557,7 @@
           <p:cNvPr id="5" name="Footer Placeholder 4">
             <a:extLst>
               <a:ext uri="{FF2B5EF4-FFF2-40B4-BE49-F238E27FC236}">
-                <a16:creationId xmlns:a16="http://schemas.microsoft.com/office/drawing/2014/main" id="{72442F23-6986-4A36-97F0-13F305A2DEBF}"/>
+                <a16:creationId xmlns:a16="http://schemas.microsoft.com/office/drawing/2014/main" id="{74F63B9E-4885-444B-9B89-3095A85777F0}"/>
               </a:ext>
             </a:extLst>
           </p:cNvPr>
@@ -1333,7 +1585,7 @@
           <p:cNvPr id="6" name="Slide Number Placeholder 5">
             <a:extLst>
               <a:ext uri="{FF2B5EF4-FFF2-40B4-BE49-F238E27FC236}">
-                <a16:creationId xmlns:a16="http://schemas.microsoft.com/office/drawing/2014/main" id="{494BA1B9-2423-42BD-A553-DC5703F6243F}"/>
+                <a16:creationId xmlns:a16="http://schemas.microsoft.com/office/drawing/2014/main" id="{094F4845-85A0-4D63-B413-9C89A2D61580}"/>
               </a:ext>
             </a:extLst>
           </p:cNvPr>
@@ -1361,7 +1613,7 @@
     </p:spTree>
     <p:extLst>
       <p:ext uri="{BB962C8B-B14F-4D97-AF65-F5344CB8AC3E}">
-        <p14:creationId xmlns:p14="http://schemas.microsoft.com/office/powerpoint/2010/main" val="3719606640"/>
+        <p14:creationId xmlns:p14="http://schemas.microsoft.com/office/powerpoint/2010/main" val="116824524"/>
       </p:ext>
     </p:extLst>
   </p:cSld>
@@ -1393,7 +1645,7 @@
           <p:cNvPr id="2" name="Title 1">
             <a:extLst>
               <a:ext uri="{FF2B5EF4-FFF2-40B4-BE49-F238E27FC236}">
-                <a16:creationId xmlns:a16="http://schemas.microsoft.com/office/drawing/2014/main" id="{8E264F76-994F-4AB5-B17B-46C0C2FA5AE5}"/>
+                <a16:creationId xmlns:a16="http://schemas.microsoft.com/office/drawing/2014/main" id="{CB2BCC18-91A2-4894-B575-FD6786364228}"/>
               </a:ext>
             </a:extLst>
           </p:cNvPr>
@@ -1402,83 +1654,45 @@
           </p:cNvSpPr>
           <p:nvPr>
             <p:ph type="title"/>
+          </p:nvPr>
+        </p:nvSpPr>
+        <p:spPr/>
+        <p:txBody>
+          <a:bodyPr/>
+          <a:lstStyle/>
+          <a:p>
+            <a:r>
+              <a:rPr lang="en-US"/>
+              <a:t>Click to edit Master title style</a:t>
+            </a:r>
+          </a:p>
+        </p:txBody>
+      </p:sp>
+      <p:sp>
+        <p:nvSpPr>
+          <p:cNvPr id="3" name="Content Placeholder 2">
+            <a:extLst>
+              <a:ext uri="{FF2B5EF4-FFF2-40B4-BE49-F238E27FC236}">
+                <a16:creationId xmlns:a16="http://schemas.microsoft.com/office/drawing/2014/main" id="{6E1452D7-056D-4EA0-92C8-742732B1A3C9}"/>
+              </a:ext>
+            </a:extLst>
+          </p:cNvPr>
+          <p:cNvSpPr>
+            <a:spLocks noGrp="1"/>
+          </p:cNvSpPr>
+          <p:nvPr>
+            <p:ph sz="half" idx="1"/>
           </p:nvPr>
         </p:nvSpPr>
         <p:spPr>
           <a:xfrm>
-            <a:off x="420624" y="365125"/>
-            <a:ext cx="10543032" cy="1325563"/>
+            <a:off x="838200" y="1825625"/>
+            <a:ext cx="5181600" cy="4351338"/>
           </a:xfrm>
         </p:spPr>
         <p:txBody>
-          <a:bodyPr>
-            <a:normAutofit/>
-          </a:bodyPr>
-          <a:lstStyle>
-            <a:lvl1pPr>
-              <a:defRPr sz="5200"/>
-            </a:lvl1pPr>
-          </a:lstStyle>
-          <a:p>
-            <a:r>
-              <a:rPr lang="en-US"/>
-              <a:t>Click to edit Master title style</a:t>
-            </a:r>
-            <a:endParaRPr lang="en-US" dirty="0"/>
-          </a:p>
-        </p:txBody>
-      </p:sp>
-      <p:sp>
-        <p:nvSpPr>
-          <p:cNvPr id="3" name="Content Placeholder 2">
-            <a:extLst>
-              <a:ext uri="{FF2B5EF4-FFF2-40B4-BE49-F238E27FC236}">
-                <a16:creationId xmlns:a16="http://schemas.microsoft.com/office/drawing/2014/main" id="{55A69B3B-A540-4556-98C8-1F49704A794E}"/>
-              </a:ext>
-            </a:extLst>
-          </p:cNvPr>
-          <p:cNvSpPr>
-            <a:spLocks noGrp="1"/>
-          </p:cNvSpPr>
-          <p:nvPr>
-            <p:ph sz="half" idx="1"/>
-          </p:nvPr>
-        </p:nvSpPr>
-        <p:spPr>
-          <a:xfrm>
-            <a:off x="420624" y="1825625"/>
-            <a:ext cx="5599176" cy="4206382"/>
-          </a:xfrm>
-        </p:spPr>
-        <p:txBody>
           <a:bodyPr/>
-          <a:lstStyle>
-            <a:lvl1pPr marL="457200" indent="-457200">
-              <a:buFont typeface="Wingdings 2" panose="05020102010507070707" pitchFamily="18" charset="2"/>
-              <a:buChar char="¬"/>
-              <a:defRPr/>
-            </a:lvl1pPr>
-            <a:lvl2pPr marL="800100" indent="-342900">
-              <a:buFont typeface="Wingdings 2" panose="05020102010507070707" pitchFamily="18" charset="2"/>
-              <a:buChar char="¬"/>
-              <a:defRPr/>
-            </a:lvl2pPr>
-            <a:lvl3pPr marL="1257300" indent="-342900">
-              <a:buFont typeface="Wingdings 2" panose="05020102010507070707" pitchFamily="18" charset="2"/>
-              <a:buChar char="¬"/>
-              <a:defRPr/>
-            </a:lvl3pPr>
-            <a:lvl4pPr marL="1657350" indent="-285750">
-              <a:buFont typeface="Wingdings 2" panose="05020102010507070707" pitchFamily="18" charset="2"/>
-              <a:buChar char="¬"/>
-              <a:defRPr/>
-            </a:lvl4pPr>
-            <a:lvl5pPr marL="2114550" indent="-285750">
-              <a:buFont typeface="Wingdings 2" panose="05020102010507070707" pitchFamily="18" charset="2"/>
-              <a:buChar char="¬"/>
-              <a:defRPr/>
-            </a:lvl5pPr>
-          </a:lstStyle>
+          <a:lstStyle/>
           <a:p>
             <a:pPr lvl="0"/>
             <a:r>
@@ -1513,7 +1727,6 @@
               <a:rPr lang="en-US"/>
               <a:t>Fifth level</a:t>
             </a:r>
-            <a:endParaRPr lang="en-US" dirty="0"/>
           </a:p>
         </p:txBody>
       </p:sp>
@@ -1522,7 +1735,7 @@
           <p:cNvPr id="4" name="Content Placeholder 3">
             <a:extLst>
               <a:ext uri="{FF2B5EF4-FFF2-40B4-BE49-F238E27FC236}">
-                <a16:creationId xmlns:a16="http://schemas.microsoft.com/office/drawing/2014/main" id="{DEC72438-7C63-48F2-9D6F-2461BFD6D5E5}"/>
+                <a16:creationId xmlns:a16="http://schemas.microsoft.com/office/drawing/2014/main" id="{001622EB-AB56-4173-B6CA-99E0D8582D3C}"/>
               </a:ext>
             </a:extLst>
           </p:cNvPr>
@@ -1536,38 +1749,12 @@
         <p:spPr>
           <a:xfrm>
             <a:off x="6172200" y="1825625"/>
-            <a:ext cx="4791456" cy="4206382"/>
+            <a:ext cx="5181600" cy="4351338"/>
           </a:xfrm>
         </p:spPr>
         <p:txBody>
           <a:bodyPr/>
-          <a:lstStyle>
-            <a:lvl1pPr marL="228600" indent="-228600">
-              <a:buFont typeface="Wingdings 2" panose="05020102010507070707" pitchFamily="18" charset="2"/>
-              <a:buChar char="¬"/>
-              <a:defRPr/>
-            </a:lvl1pPr>
-            <a:lvl2pPr marL="685800" indent="-228600">
-              <a:buFont typeface="Wingdings 2" panose="05020102010507070707" pitchFamily="18" charset="2"/>
-              <a:buChar char="¬"/>
-              <a:defRPr/>
-            </a:lvl2pPr>
-            <a:lvl3pPr marL="1143000" indent="-228600">
-              <a:buFont typeface="Wingdings 2" panose="05020102010507070707" pitchFamily="18" charset="2"/>
-              <a:buChar char="¬"/>
-              <a:defRPr/>
-            </a:lvl3pPr>
-            <a:lvl4pPr marL="1600200" indent="-228600">
-              <a:buFont typeface="Wingdings 2" panose="05020102010507070707" pitchFamily="18" charset="2"/>
-              <a:buChar char="¬"/>
-              <a:defRPr/>
-            </a:lvl4pPr>
-            <a:lvl5pPr marL="2057400" indent="-228600">
-              <a:buFont typeface="Wingdings 2" panose="05020102010507070707" pitchFamily="18" charset="2"/>
-              <a:buChar char="¬"/>
-              <a:defRPr/>
-            </a:lvl5pPr>
-          </a:lstStyle>
+          <a:lstStyle/>
           <a:p>
             <a:pPr lvl="0"/>
             <a:r>
@@ -1610,7 +1797,7 @@
           <p:cNvPr id="5" name="Date Placeholder 4">
             <a:extLst>
               <a:ext uri="{FF2B5EF4-FFF2-40B4-BE49-F238E27FC236}">
-                <a16:creationId xmlns:a16="http://schemas.microsoft.com/office/drawing/2014/main" id="{C3FA1B49-6AAA-4DA7-970F-B75899F1AB51}"/>
+                <a16:creationId xmlns:a16="http://schemas.microsoft.com/office/drawing/2014/main" id="{C00F32ED-9CC3-492C-AD3E-04AF573A1ECB}"/>
               </a:ext>
             </a:extLst>
           </p:cNvPr>
@@ -1626,9 +1813,9 @@
           <a:bodyPr/>
           <a:lstStyle/>
           <a:p>
-            <a:fld id="{DB15F8B1-DB7B-4D28-A97D-40FB2DD1EF78}" type="datetime2">
+            <a:fld id="{5D8D1679-716F-4BE5-B81C-881DDD6376E2}" type="datetime2">
               <a:rPr lang="en-US" smtClean="0"/>
-              <a:t>Friday, December 9, 2022</a:t>
+              <a:t>Monday, December 12, 2022</a:t>
             </a:fld>
             <a:endParaRPr lang="en-US"/>
           </a:p>
@@ -1639,7 +1826,7 @@
           <p:cNvPr id="6" name="Footer Placeholder 5">
             <a:extLst>
               <a:ext uri="{FF2B5EF4-FFF2-40B4-BE49-F238E27FC236}">
-                <a16:creationId xmlns:a16="http://schemas.microsoft.com/office/drawing/2014/main" id="{DEE3649A-B9A2-4737-B47E-758DC140688B}"/>
+                <a16:creationId xmlns:a16="http://schemas.microsoft.com/office/drawing/2014/main" id="{1FA5CDB9-A4B9-4C79-944A-828FB46EF714}"/>
               </a:ext>
             </a:extLst>
           </p:cNvPr>
@@ -1667,7 +1854,7 @@
           <p:cNvPr id="7" name="Slide Number Placeholder 6">
             <a:extLst>
               <a:ext uri="{FF2B5EF4-FFF2-40B4-BE49-F238E27FC236}">
-                <a16:creationId xmlns:a16="http://schemas.microsoft.com/office/drawing/2014/main" id="{250C1407-C705-451C-878E-8175DCCD500D}"/>
+                <a16:creationId xmlns:a16="http://schemas.microsoft.com/office/drawing/2014/main" id="{659A5C91-4D15-4F40-B469-3BE09D7107C2}"/>
               </a:ext>
             </a:extLst>
           </p:cNvPr>
@@ -1695,7 +1882,7 @@
     </p:spTree>
     <p:extLst>
       <p:ext uri="{BB962C8B-B14F-4D97-AF65-F5344CB8AC3E}">
-        <p14:creationId xmlns:p14="http://schemas.microsoft.com/office/powerpoint/2010/main" val="1893197462"/>
+        <p14:creationId xmlns:p14="http://schemas.microsoft.com/office/powerpoint/2010/main" val="365032077"/>
       </p:ext>
     </p:extLst>
   </p:cSld>
@@ -1727,7 +1914,7 @@
           <p:cNvPr id="2" name="Title 1">
             <a:extLst>
               <a:ext uri="{FF2B5EF4-FFF2-40B4-BE49-F238E27FC236}">
-                <a16:creationId xmlns:a16="http://schemas.microsoft.com/office/drawing/2014/main" id="{472F9955-0460-4A20-8FC6-300595560010}"/>
+                <a16:creationId xmlns:a16="http://schemas.microsoft.com/office/drawing/2014/main" id="{72F6F33A-0EBF-4BF0-819C-6B4CBBC58754}"/>
               </a:ext>
             </a:extLst>
           </p:cNvPr>
@@ -1740,25 +1927,18 @@
         </p:nvSpPr>
         <p:spPr>
           <a:xfrm>
-            <a:off x="420624" y="365125"/>
-            <a:ext cx="10543032" cy="1325563"/>
+            <a:off x="839788" y="365125"/>
+            <a:ext cx="10515600" cy="1325563"/>
           </a:xfrm>
         </p:spPr>
         <p:txBody>
-          <a:bodyPr>
-            <a:normAutofit/>
-          </a:bodyPr>
-          <a:lstStyle>
-            <a:lvl1pPr>
-              <a:defRPr sz="5200"/>
-            </a:lvl1pPr>
-          </a:lstStyle>
+          <a:bodyPr/>
+          <a:lstStyle/>
           <a:p>
             <a:r>
               <a:rPr lang="en-US"/>
               <a:t>Click to edit Master title style</a:t>
             </a:r>
-            <a:endParaRPr lang="en-US" dirty="0"/>
           </a:p>
         </p:txBody>
       </p:sp>
@@ -1767,7 +1947,7 @@
           <p:cNvPr id="3" name="Text Placeholder 2">
             <a:extLst>
               <a:ext uri="{FF2B5EF4-FFF2-40B4-BE49-F238E27FC236}">
-                <a16:creationId xmlns:a16="http://schemas.microsoft.com/office/drawing/2014/main" id="{BF95DDA7-4AAD-4EBE-880C-200E5F10A6C4}"/>
+                <a16:creationId xmlns:a16="http://schemas.microsoft.com/office/drawing/2014/main" id="{178B5D31-4DB9-4D0F-A79B-9AC0171DD0B6}"/>
               </a:ext>
             </a:extLst>
           </p:cNvPr>
@@ -1780,18 +1960,16 @@
         </p:nvSpPr>
         <p:spPr>
           <a:xfrm>
-            <a:off x="420624" y="1681163"/>
-            <a:ext cx="5549697" cy="823912"/>
+            <a:off x="839788" y="1681163"/>
+            <a:ext cx="5157787" cy="823912"/>
           </a:xfrm>
         </p:spPr>
         <p:txBody>
-          <a:bodyPr anchor="b">
-            <a:normAutofit/>
-          </a:bodyPr>
+          <a:bodyPr anchor="b"/>
           <a:lstStyle>
             <a:lvl1pPr marL="0" indent="0">
               <a:buNone/>
-              <a:defRPr sz="3200" b="0"/>
+              <a:defRPr sz="2400" b="1"/>
             </a:lvl1pPr>
             <a:lvl2pPr marL="457200" indent="0">
               <a:buNone/>
@@ -1840,7 +2018,7 @@
           <p:cNvPr id="4" name="Content Placeholder 3">
             <a:extLst>
               <a:ext uri="{FF2B5EF4-FFF2-40B4-BE49-F238E27FC236}">
-                <a16:creationId xmlns:a16="http://schemas.microsoft.com/office/drawing/2014/main" id="{F9717496-E470-4CF6-884C-F07390A4688A}"/>
+                <a16:creationId xmlns:a16="http://schemas.microsoft.com/office/drawing/2014/main" id="{DF3AA18B-4389-48CA-84B4-AE6BF71A5ACA}"/>
               </a:ext>
             </a:extLst>
           </p:cNvPr>
@@ -1853,20 +2031,13 @@
         </p:nvSpPr>
         <p:spPr>
           <a:xfrm>
-            <a:off x="420624" y="2505075"/>
-            <a:ext cx="5549697" cy="3526932"/>
+            <a:off x="839788" y="2505075"/>
+            <a:ext cx="5157787" cy="3684588"/>
           </a:xfrm>
         </p:spPr>
         <p:txBody>
           <a:bodyPr/>
-          <a:lstStyle>
-            <a:lvl1pPr>
-              <a:defRPr sz="2400"/>
-            </a:lvl1pPr>
-            <a:lvl2pPr>
-              <a:defRPr sz="2200"/>
-            </a:lvl2pPr>
-          </a:lstStyle>
+          <a:lstStyle/>
           <a:p>
             <a:pPr lvl="0"/>
             <a:r>
@@ -1901,7 +2072,6 @@
               <a:rPr lang="en-US"/>
               <a:t>Fifth level</a:t>
             </a:r>
-            <a:endParaRPr lang="en-US" dirty="0"/>
           </a:p>
         </p:txBody>
       </p:sp>
@@ -1910,7 +2080,7 @@
           <p:cNvPr id="5" name="Text Placeholder 4">
             <a:extLst>
               <a:ext uri="{FF2B5EF4-FFF2-40B4-BE49-F238E27FC236}">
-                <a16:creationId xmlns:a16="http://schemas.microsoft.com/office/drawing/2014/main" id="{F8C438EA-D381-4F22-A911-ECDD6D04FB33}"/>
+                <a16:creationId xmlns:a16="http://schemas.microsoft.com/office/drawing/2014/main" id="{1858125A-92A8-4073-9E12-80560CD606BE}"/>
               </a:ext>
             </a:extLst>
           </p:cNvPr>
@@ -1923,18 +2093,16 @@
         </p:nvSpPr>
         <p:spPr>
           <a:xfrm>
-            <a:off x="5970321" y="1681163"/>
-            <a:ext cx="4993335" cy="823912"/>
+            <a:off x="6172200" y="1681163"/>
+            <a:ext cx="5183188" cy="823912"/>
           </a:xfrm>
         </p:spPr>
         <p:txBody>
-          <a:bodyPr anchor="b">
-            <a:normAutofit/>
-          </a:bodyPr>
+          <a:bodyPr anchor="b"/>
           <a:lstStyle>
             <a:lvl1pPr marL="0" indent="0">
               <a:buNone/>
-              <a:defRPr sz="3200" b="0"/>
+              <a:defRPr sz="2400" b="1"/>
             </a:lvl1pPr>
             <a:lvl2pPr marL="457200" indent="0">
               <a:buNone/>
@@ -1983,7 +2151,7 @@
           <p:cNvPr id="6" name="Content Placeholder 5">
             <a:extLst>
               <a:ext uri="{FF2B5EF4-FFF2-40B4-BE49-F238E27FC236}">
-                <a16:creationId xmlns:a16="http://schemas.microsoft.com/office/drawing/2014/main" id="{93F255FA-A04D-49F2-8DB4-3CC082D0DBC8}"/>
+                <a16:creationId xmlns:a16="http://schemas.microsoft.com/office/drawing/2014/main" id="{D4E5D941-1041-434A-8667-7BD2C22AE8AF}"/>
               </a:ext>
             </a:extLst>
           </p:cNvPr>
@@ -1996,20 +2164,13 @@
         </p:nvSpPr>
         <p:spPr>
           <a:xfrm>
-            <a:off x="5970321" y="2505075"/>
-            <a:ext cx="4993335" cy="3526932"/>
+            <a:off x="6172200" y="2505075"/>
+            <a:ext cx="5183188" cy="3684588"/>
           </a:xfrm>
         </p:spPr>
         <p:txBody>
           <a:bodyPr/>
-          <a:lstStyle>
-            <a:lvl1pPr>
-              <a:defRPr sz="2400"/>
-            </a:lvl1pPr>
-            <a:lvl2pPr>
-              <a:defRPr sz="2200"/>
-            </a:lvl2pPr>
-          </a:lstStyle>
+          <a:lstStyle/>
           <a:p>
             <a:pPr lvl="0"/>
             <a:r>
@@ -2044,7 +2205,6 @@
               <a:rPr lang="en-US"/>
               <a:t>Fifth level</a:t>
             </a:r>
-            <a:endParaRPr lang="en-US" dirty="0"/>
           </a:p>
         </p:txBody>
       </p:sp>
@@ -2053,7 +2213,7 @@
           <p:cNvPr id="7" name="Date Placeholder 6">
             <a:extLst>
               <a:ext uri="{FF2B5EF4-FFF2-40B4-BE49-F238E27FC236}">
-                <a16:creationId xmlns:a16="http://schemas.microsoft.com/office/drawing/2014/main" id="{6A6298F3-0AEC-4811-99A4-B78AE3A70B1E}"/>
+                <a16:creationId xmlns:a16="http://schemas.microsoft.com/office/drawing/2014/main" id="{0919520C-D35B-4476-A76A-F7ADF62B2FD8}"/>
               </a:ext>
             </a:extLst>
           </p:cNvPr>
@@ -2064,19 +2224,14 @@
             <p:ph type="dt" sz="half" idx="10"/>
           </p:nvPr>
         </p:nvSpPr>
-        <p:spPr>
-          <a:xfrm>
-            <a:off x="420624" y="6217920"/>
-            <a:ext cx="2743200" cy="640080"/>
-          </a:xfrm>
-        </p:spPr>
+        <p:spPr/>
         <p:txBody>
           <a:bodyPr/>
           <a:lstStyle/>
           <a:p>
-            <a:fld id="{14039161-23B8-4738-9069-73EBE8884FDD}" type="datetime2">
+            <a:fld id="{FDE80533-656E-4891-9545-3586D281E1CC}" type="datetime2">
               <a:rPr lang="en-US" smtClean="0"/>
-              <a:t>Friday, December 9, 2022</a:t>
+              <a:t>Monday, December 12, 2022</a:t>
             </a:fld>
             <a:endParaRPr lang="en-US"/>
           </a:p>
@@ -2087,7 +2242,7 @@
           <p:cNvPr id="8" name="Footer Placeholder 7">
             <a:extLst>
               <a:ext uri="{FF2B5EF4-FFF2-40B4-BE49-F238E27FC236}">
-                <a16:creationId xmlns:a16="http://schemas.microsoft.com/office/drawing/2014/main" id="{AA7690B4-8A9A-4717-8B0B-2C921292656C}"/>
+                <a16:creationId xmlns:a16="http://schemas.microsoft.com/office/drawing/2014/main" id="{C3AF09E5-40CC-4C51-8EE0-42E332C97162}"/>
               </a:ext>
             </a:extLst>
           </p:cNvPr>
@@ -2115,7 +2270,7 @@
           <p:cNvPr id="9" name="Slide Number Placeholder 8">
             <a:extLst>
               <a:ext uri="{FF2B5EF4-FFF2-40B4-BE49-F238E27FC236}">
-                <a16:creationId xmlns:a16="http://schemas.microsoft.com/office/drawing/2014/main" id="{5328F00A-44BE-4E0A-B1CE-1FC489654F71}"/>
+                <a16:creationId xmlns:a16="http://schemas.microsoft.com/office/drawing/2014/main" id="{EB7497DF-2C2E-40DE-9A09-13A4FA1F1EC3}"/>
               </a:ext>
             </a:extLst>
           </p:cNvPr>
@@ -2143,7 +2298,7 @@
     </p:spTree>
     <p:extLst>
       <p:ext uri="{BB962C8B-B14F-4D97-AF65-F5344CB8AC3E}">
-        <p14:creationId xmlns:p14="http://schemas.microsoft.com/office/powerpoint/2010/main" val="4191478689"/>
+        <p14:creationId xmlns:p14="http://schemas.microsoft.com/office/powerpoint/2010/main" val="4111728476"/>
       </p:ext>
     </p:extLst>
   </p:cSld>
@@ -2175,7 +2330,7 @@
           <p:cNvPr id="2" name="Title 1">
             <a:extLst>
               <a:ext uri="{FF2B5EF4-FFF2-40B4-BE49-F238E27FC236}">
-                <a16:creationId xmlns:a16="http://schemas.microsoft.com/office/drawing/2014/main" id="{7791F235-FBFF-453E-B90A-5758ED47C7B0}"/>
+                <a16:creationId xmlns:a16="http://schemas.microsoft.com/office/drawing/2014/main" id="{1975FBC5-2654-480B-97ED-BCFDC08E85CE}"/>
               </a:ext>
             </a:extLst>
           </p:cNvPr>
@@ -2184,46 +2339,6 @@
           </p:cNvSpPr>
           <p:nvPr>
             <p:ph type="title"/>
-          </p:nvPr>
-        </p:nvSpPr>
-        <p:spPr>
-          <a:xfrm>
-            <a:off x="420624" y="938306"/>
-            <a:ext cx="10543032" cy="1325563"/>
-          </a:xfrm>
-        </p:spPr>
-        <p:txBody>
-          <a:bodyPr>
-            <a:normAutofit/>
-          </a:bodyPr>
-          <a:lstStyle>
-            <a:lvl1pPr>
-              <a:defRPr sz="5200"/>
-            </a:lvl1pPr>
-          </a:lstStyle>
-          <a:p>
-            <a:r>
-              <a:rPr lang="en-US"/>
-              <a:t>Click to edit Master title style</a:t>
-            </a:r>
-            <a:endParaRPr lang="en-US" dirty="0"/>
-          </a:p>
-        </p:txBody>
-      </p:sp>
-      <p:sp>
-        <p:nvSpPr>
-          <p:cNvPr id="3" name="Date Placeholder 2">
-            <a:extLst>
-              <a:ext uri="{FF2B5EF4-FFF2-40B4-BE49-F238E27FC236}">
-                <a16:creationId xmlns:a16="http://schemas.microsoft.com/office/drawing/2014/main" id="{D443A871-5A76-4349-99F0-C46C77380477}"/>
-              </a:ext>
-            </a:extLst>
-          </p:cNvPr>
-          <p:cNvSpPr>
-            <a:spLocks noGrp="1"/>
-          </p:cNvSpPr>
-          <p:nvPr>
-            <p:ph type="dt" sz="half" idx="10"/>
           </p:nvPr>
         </p:nvSpPr>
         <p:spPr/>
@@ -2231,9 +2346,37 @@
           <a:bodyPr/>
           <a:lstStyle/>
           <a:p>
-            <a:fld id="{FA994D44-7693-499F-AC6C-11696134FE3F}" type="datetime2">
+            <a:r>
+              <a:rPr lang="en-US"/>
+              <a:t>Click to edit Master title style</a:t>
+            </a:r>
+          </a:p>
+        </p:txBody>
+      </p:sp>
+      <p:sp>
+        <p:nvSpPr>
+          <p:cNvPr id="3" name="Date Placeholder 2">
+            <a:extLst>
+              <a:ext uri="{FF2B5EF4-FFF2-40B4-BE49-F238E27FC236}">
+                <a16:creationId xmlns:a16="http://schemas.microsoft.com/office/drawing/2014/main" id="{A0B1C375-1954-4121-94C2-E6429841E27B}"/>
+              </a:ext>
+            </a:extLst>
+          </p:cNvPr>
+          <p:cNvSpPr>
+            <a:spLocks noGrp="1"/>
+          </p:cNvSpPr>
+          <p:nvPr>
+            <p:ph type="dt" sz="half" idx="10"/>
+          </p:nvPr>
+        </p:nvSpPr>
+        <p:spPr/>
+        <p:txBody>
+          <a:bodyPr/>
+          <a:lstStyle/>
+          <a:p>
+            <a:fld id="{499BA307-1A9D-428C-BACF-E3E3D7738A09}" type="datetime2">
               <a:rPr lang="en-US" smtClean="0"/>
-              <a:t>Friday, December 9, 2022</a:t>
+              <a:t>Monday, December 12, 2022</a:t>
             </a:fld>
             <a:endParaRPr lang="en-US"/>
           </a:p>
@@ -2244,7 +2387,7 @@
           <p:cNvPr id="4" name="Footer Placeholder 3">
             <a:extLst>
               <a:ext uri="{FF2B5EF4-FFF2-40B4-BE49-F238E27FC236}">
-                <a16:creationId xmlns:a16="http://schemas.microsoft.com/office/drawing/2014/main" id="{F472E803-8BD9-40A2-8389-C19DA11480ED}"/>
+                <a16:creationId xmlns:a16="http://schemas.microsoft.com/office/drawing/2014/main" id="{CDF748F4-E041-4ABB-A6CE-8E47410E5496}"/>
               </a:ext>
             </a:extLst>
           </p:cNvPr>
@@ -2272,7 +2415,7 @@
           <p:cNvPr id="5" name="Slide Number Placeholder 4">
             <a:extLst>
               <a:ext uri="{FF2B5EF4-FFF2-40B4-BE49-F238E27FC236}">
-                <a16:creationId xmlns:a16="http://schemas.microsoft.com/office/drawing/2014/main" id="{F05414ED-B772-4B84-813E-E34C9A97C053}"/>
+                <a16:creationId xmlns:a16="http://schemas.microsoft.com/office/drawing/2014/main" id="{4EBAC27B-5838-421C-B6B2-12F458A5CF81}"/>
               </a:ext>
             </a:extLst>
           </p:cNvPr>
@@ -2300,7 +2443,7 @@
     </p:spTree>
     <p:extLst>
       <p:ext uri="{BB962C8B-B14F-4D97-AF65-F5344CB8AC3E}">
-        <p14:creationId xmlns:p14="http://schemas.microsoft.com/office/powerpoint/2010/main" val="3891336684"/>
+        <p14:creationId xmlns:p14="http://schemas.microsoft.com/office/powerpoint/2010/main" val="2422647181"/>
       </p:ext>
     </p:extLst>
   </p:cSld>
@@ -2332,7 +2475,7 @@
           <p:cNvPr id="2" name="Date Placeholder 1">
             <a:extLst>
               <a:ext uri="{FF2B5EF4-FFF2-40B4-BE49-F238E27FC236}">
-                <a16:creationId xmlns:a16="http://schemas.microsoft.com/office/drawing/2014/main" id="{EE562BDD-CBFF-4046-A6B2-A9ECCB7EA144}"/>
+                <a16:creationId xmlns:a16="http://schemas.microsoft.com/office/drawing/2014/main" id="{FD3D4CAF-6F58-4079-B50C-F8F8D5AD0A53}"/>
               </a:ext>
             </a:extLst>
           </p:cNvPr>
@@ -2348,9 +2491,9 @@
           <a:bodyPr/>
           <a:lstStyle/>
           <a:p>
-            <a:fld id="{363AF2AE-472C-4EF3-ABB2-24BAA9AE3CF7}" type="datetime2">
+            <a:fld id="{CF9E8AAA-FD9E-4736-A44E-3616B29A0275}" type="datetime2">
               <a:rPr lang="en-US" smtClean="0"/>
-              <a:t>Friday, December 9, 2022</a:t>
+              <a:t>Monday, December 12, 2022</a:t>
             </a:fld>
             <a:endParaRPr lang="en-US"/>
           </a:p>
@@ -2361,7 +2504,7 @@
           <p:cNvPr id="3" name="Footer Placeholder 2">
             <a:extLst>
               <a:ext uri="{FF2B5EF4-FFF2-40B4-BE49-F238E27FC236}">
-                <a16:creationId xmlns:a16="http://schemas.microsoft.com/office/drawing/2014/main" id="{4690B5F6-6C28-4A86-AFD0-D7F93D461945}"/>
+                <a16:creationId xmlns:a16="http://schemas.microsoft.com/office/drawing/2014/main" id="{8B2428DE-91A7-43CB-801F-654C54764763}"/>
               </a:ext>
             </a:extLst>
           </p:cNvPr>
@@ -2389,7 +2532,7 @@
           <p:cNvPr id="4" name="Slide Number Placeholder 3">
             <a:extLst>
               <a:ext uri="{FF2B5EF4-FFF2-40B4-BE49-F238E27FC236}">
-                <a16:creationId xmlns:a16="http://schemas.microsoft.com/office/drawing/2014/main" id="{75910D5C-1634-451B-8D99-4D47EB3A11E7}"/>
+                <a16:creationId xmlns:a16="http://schemas.microsoft.com/office/drawing/2014/main" id="{27AB36F7-E231-4288-8641-413EBEA45EB4}"/>
               </a:ext>
             </a:extLst>
           </p:cNvPr>
@@ -2417,7 +2560,7 @@
     </p:spTree>
     <p:extLst>
       <p:ext uri="{BB962C8B-B14F-4D97-AF65-F5344CB8AC3E}">
-        <p14:creationId xmlns:p14="http://schemas.microsoft.com/office/powerpoint/2010/main" val="3629900078"/>
+        <p14:creationId xmlns:p14="http://schemas.microsoft.com/office/powerpoint/2010/main" val="727997441"/>
       </p:ext>
     </p:extLst>
   </p:cSld>
@@ -2449,7 +2592,7 @@
           <p:cNvPr id="2" name="Title 1">
             <a:extLst>
               <a:ext uri="{FF2B5EF4-FFF2-40B4-BE49-F238E27FC236}">
-                <a16:creationId xmlns:a16="http://schemas.microsoft.com/office/drawing/2014/main" id="{AB712261-8522-4437-B612-7C7100D18896}"/>
+                <a16:creationId xmlns:a16="http://schemas.microsoft.com/office/drawing/2014/main" id="{0D5D5E9C-4223-4EEB-85EB-EEA3BB9E59B3}"/>
               </a:ext>
             </a:extLst>
           </p:cNvPr>
@@ -2462,19 +2605,15 @@
         </p:nvSpPr>
         <p:spPr>
           <a:xfrm>
-            <a:off x="420624" y="457200"/>
-            <a:ext cx="10543032" cy="1600200"/>
+            <a:off x="839788" y="457200"/>
+            <a:ext cx="3932237" cy="1600200"/>
           </a:xfrm>
         </p:spPr>
         <p:txBody>
-          <a:bodyPr anchor="b">
-            <a:noAutofit/>
-          </a:bodyPr>
+          <a:bodyPr anchor="b"/>
           <a:lstStyle>
             <a:lvl1pPr>
-              <a:defRPr sz="5200">
-                <a:latin typeface="Dante (Headings)2"/>
-              </a:defRPr>
+              <a:defRPr sz="3200"/>
             </a:lvl1pPr>
           </a:lstStyle>
           <a:p>
@@ -2482,7 +2621,6 @@
               <a:rPr lang="en-US"/>
               <a:t>Click to edit Master title style</a:t>
             </a:r>
-            <a:endParaRPr lang="en-US" dirty="0"/>
           </a:p>
         </p:txBody>
       </p:sp>
@@ -2491,7 +2629,7 @@
           <p:cNvPr id="3" name="Content Placeholder 2">
             <a:extLst>
               <a:ext uri="{FF2B5EF4-FFF2-40B4-BE49-F238E27FC236}">
-                <a16:creationId xmlns:a16="http://schemas.microsoft.com/office/drawing/2014/main" id="{91BAA0AF-3F50-42BD-84B4-E70C3D004FB2}"/>
+                <a16:creationId xmlns:a16="http://schemas.microsoft.com/office/drawing/2014/main" id="{AB5BA7EE-D1D4-4422-8DDD-9A0F9EFDFD49}"/>
               </a:ext>
             </a:extLst>
           </p:cNvPr>
@@ -2504,27 +2642,27 @@
         </p:nvSpPr>
         <p:spPr>
           <a:xfrm>
-            <a:off x="5183188" y="2199340"/>
-            <a:ext cx="5780468" cy="3661710"/>
+            <a:off x="5183188" y="987425"/>
+            <a:ext cx="6172200" cy="4873625"/>
           </a:xfrm>
         </p:spPr>
         <p:txBody>
           <a:bodyPr/>
           <a:lstStyle>
             <a:lvl1pPr>
-              <a:defRPr sz="2400"/>
+              <a:defRPr sz="3200"/>
             </a:lvl1pPr>
             <a:lvl2pPr>
-              <a:defRPr sz="2200"/>
+              <a:defRPr sz="2800"/>
             </a:lvl2pPr>
             <a:lvl3pPr>
-              <a:defRPr sz="2000"/>
+              <a:defRPr sz="2400"/>
             </a:lvl3pPr>
             <a:lvl4pPr>
-              <a:defRPr sz="1800"/>
+              <a:defRPr sz="2000"/>
             </a:lvl4pPr>
             <a:lvl5pPr>
-              <a:defRPr sz="1600"/>
+              <a:defRPr sz="2000"/>
             </a:lvl5pPr>
             <a:lvl6pPr>
               <a:defRPr sz="2000"/>
@@ -2573,7 +2711,6 @@
               <a:rPr lang="en-US"/>
               <a:t>Fifth level</a:t>
             </a:r>
-            <a:endParaRPr lang="en-US" dirty="0"/>
           </a:p>
         </p:txBody>
       </p:sp>
@@ -2582,7 +2719,7 @@
           <p:cNvPr id="4" name="Text Placeholder 3">
             <a:extLst>
               <a:ext uri="{FF2B5EF4-FFF2-40B4-BE49-F238E27FC236}">
-                <a16:creationId xmlns:a16="http://schemas.microsoft.com/office/drawing/2014/main" id="{699C702B-2C4D-4590-8BEE-31940145C77A}"/>
+                <a16:creationId xmlns:a16="http://schemas.microsoft.com/office/drawing/2014/main" id="{E6F64DD4-D442-416B-A690-B59EEE70AB0A}"/>
               </a:ext>
             </a:extLst>
           </p:cNvPr>
@@ -2595,18 +2732,16 @@
         </p:nvSpPr>
         <p:spPr>
           <a:xfrm>
-            <a:off x="420624" y="2199340"/>
-            <a:ext cx="4489180" cy="3669647"/>
+            <a:off x="839788" y="2057400"/>
+            <a:ext cx="3932237" cy="3811588"/>
           </a:xfrm>
         </p:spPr>
         <p:txBody>
-          <a:bodyPr>
-            <a:normAutofit/>
-          </a:bodyPr>
+          <a:bodyPr/>
           <a:lstStyle>
             <a:lvl1pPr marL="0" indent="0">
               <a:buNone/>
-              <a:defRPr sz="2200"/>
+              <a:defRPr sz="1600"/>
             </a:lvl1pPr>
             <a:lvl2pPr marL="457200" indent="0">
               <a:buNone/>
@@ -2655,7 +2790,7 @@
           <p:cNvPr id="5" name="Date Placeholder 4">
             <a:extLst>
               <a:ext uri="{FF2B5EF4-FFF2-40B4-BE49-F238E27FC236}">
-                <a16:creationId xmlns:a16="http://schemas.microsoft.com/office/drawing/2014/main" id="{2794813E-250B-4422-AE46-5E1AB964A417}"/>
+                <a16:creationId xmlns:a16="http://schemas.microsoft.com/office/drawing/2014/main" id="{4B5B9C20-ED35-4D5A-9964-6AF6A57AAF3F}"/>
               </a:ext>
             </a:extLst>
           </p:cNvPr>
@@ -2666,19 +2801,14 @@
             <p:ph type="dt" sz="half" idx="10"/>
           </p:nvPr>
         </p:nvSpPr>
-        <p:spPr>
-          <a:xfrm>
-            <a:off x="420624" y="6217920"/>
-            <a:ext cx="2743200" cy="640080"/>
-          </a:xfrm>
-        </p:spPr>
+        <p:spPr/>
         <p:txBody>
           <a:bodyPr/>
           <a:lstStyle/>
           <a:p>
-            <a:fld id="{EAEA162C-A7C1-4263-9453-1BAFF8C39559}" type="datetime2">
+            <a:fld id="{FEFBCE05-5CAA-4C18-8D54-67361AFEA3AD}" type="datetime2">
               <a:rPr lang="en-US" smtClean="0"/>
-              <a:t>Friday, December 9, 2022</a:t>
+              <a:t>Monday, December 12, 2022</a:t>
             </a:fld>
             <a:endParaRPr lang="en-US"/>
           </a:p>
@@ -2689,7 +2819,7 @@
           <p:cNvPr id="6" name="Footer Placeholder 5">
             <a:extLst>
               <a:ext uri="{FF2B5EF4-FFF2-40B4-BE49-F238E27FC236}">
-                <a16:creationId xmlns:a16="http://schemas.microsoft.com/office/drawing/2014/main" id="{61CB5B81-E9CC-45F3-8EF1-35D2C8FF1550}"/>
+                <a16:creationId xmlns:a16="http://schemas.microsoft.com/office/drawing/2014/main" id="{5D5E3C7C-0A66-46C9-92F5-F85B571C2FCA}"/>
               </a:ext>
             </a:extLst>
           </p:cNvPr>
@@ -2717,7 +2847,7 @@
           <p:cNvPr id="7" name="Slide Number Placeholder 6">
             <a:extLst>
               <a:ext uri="{FF2B5EF4-FFF2-40B4-BE49-F238E27FC236}">
-                <a16:creationId xmlns:a16="http://schemas.microsoft.com/office/drawing/2014/main" id="{F5DA7E97-5A73-4602-9582-6CDACB9185F3}"/>
+                <a16:creationId xmlns:a16="http://schemas.microsoft.com/office/drawing/2014/main" id="{E6124E40-6B69-4098-A660-5492FF8D6587}"/>
               </a:ext>
             </a:extLst>
           </p:cNvPr>
@@ -2745,7 +2875,7 @@
     </p:spTree>
     <p:extLst>
       <p:ext uri="{BB962C8B-B14F-4D97-AF65-F5344CB8AC3E}">
-        <p14:creationId xmlns:p14="http://schemas.microsoft.com/office/powerpoint/2010/main" val="1758513325"/>
+        <p14:creationId xmlns:p14="http://schemas.microsoft.com/office/powerpoint/2010/main" val="1362023569"/>
       </p:ext>
     </p:extLst>
   </p:cSld>
@@ -2777,7 +2907,7 @@
           <p:cNvPr id="2" name="Title 1">
             <a:extLst>
               <a:ext uri="{FF2B5EF4-FFF2-40B4-BE49-F238E27FC236}">
-                <a16:creationId xmlns:a16="http://schemas.microsoft.com/office/drawing/2014/main" id="{E195334B-3019-4CA1-B658-779001922412}"/>
+                <a16:creationId xmlns:a16="http://schemas.microsoft.com/office/drawing/2014/main" id="{5849C44E-D169-4A77-9569-3537A77E0101}"/>
               </a:ext>
             </a:extLst>
           </p:cNvPr>
@@ -2790,17 +2920,15 @@
         </p:nvSpPr>
         <p:spPr>
           <a:xfrm>
-            <a:off x="420624" y="457200"/>
-            <a:ext cx="4489180" cy="1600200"/>
+            <a:off x="839788" y="457200"/>
+            <a:ext cx="3932237" cy="1600200"/>
           </a:xfrm>
         </p:spPr>
         <p:txBody>
-          <a:bodyPr anchor="b">
-            <a:normAutofit/>
-          </a:bodyPr>
+          <a:bodyPr anchor="b"/>
           <a:lstStyle>
             <a:lvl1pPr>
-              <a:defRPr sz="4400"/>
+              <a:defRPr sz="3200"/>
             </a:lvl1pPr>
           </a:lstStyle>
           <a:p>
@@ -2808,7 +2936,6 @@
               <a:rPr lang="en-US"/>
               <a:t>Click to edit Master title style</a:t>
             </a:r>
-            <a:endParaRPr lang="en-US" dirty="0"/>
           </a:p>
         </p:txBody>
       </p:sp>
@@ -2817,7 +2944,7 @@
           <p:cNvPr id="3" name="Picture Placeholder 2">
             <a:extLst>
               <a:ext uri="{FF2B5EF4-FFF2-40B4-BE49-F238E27FC236}">
-                <a16:creationId xmlns:a16="http://schemas.microsoft.com/office/drawing/2014/main" id="{AFD3CC12-FD6B-41A3-BF67-D600CC4383A3}"/>
+                <a16:creationId xmlns:a16="http://schemas.microsoft.com/office/drawing/2014/main" id="{BFA14DB7-FE1E-4F01-87E5-317B71610EFE}"/>
               </a:ext>
             </a:extLst>
           </p:cNvPr>
@@ -2835,13 +2962,11 @@
           </a:xfrm>
         </p:spPr>
         <p:txBody>
-          <a:bodyPr>
-            <a:normAutofit/>
-          </a:bodyPr>
+          <a:bodyPr/>
           <a:lstStyle>
             <a:lvl1pPr marL="0" indent="0">
               <a:buNone/>
-              <a:defRPr sz="2400"/>
+              <a:defRPr sz="3200"/>
             </a:lvl1pPr>
             <a:lvl2pPr marL="457200" indent="0">
               <a:buNone/>
@@ -2877,10 +3002,7 @@
             </a:lvl9pPr>
           </a:lstStyle>
           <a:p>
-            <a:r>
-              <a:rPr lang="en-US"/>
-              <a:t>Click icon to add picture</a:t>
-            </a:r>
+            <a:endParaRPr lang="en-US"/>
           </a:p>
         </p:txBody>
       </p:sp>
@@ -2889,7 +3011,7 @@
           <p:cNvPr id="4" name="Text Placeholder 3">
             <a:extLst>
               <a:ext uri="{FF2B5EF4-FFF2-40B4-BE49-F238E27FC236}">
-                <a16:creationId xmlns:a16="http://schemas.microsoft.com/office/drawing/2014/main" id="{0DDB2BD5-DC18-460B-BFCC-5B2447D2B094}"/>
+                <a16:creationId xmlns:a16="http://schemas.microsoft.com/office/drawing/2014/main" id="{01F5DC59-92A0-4417-BCE5-942F86772314}"/>
               </a:ext>
             </a:extLst>
           </p:cNvPr>
@@ -2902,18 +3024,16 @@
         </p:nvSpPr>
         <p:spPr>
           <a:xfrm>
-            <a:off x="420624" y="2199340"/>
-            <a:ext cx="4489180" cy="3669647"/>
+            <a:off x="839788" y="2057400"/>
+            <a:ext cx="3932237" cy="3811588"/>
           </a:xfrm>
         </p:spPr>
         <p:txBody>
-          <a:bodyPr>
-            <a:normAutofit/>
-          </a:bodyPr>
+          <a:bodyPr/>
           <a:lstStyle>
             <a:lvl1pPr marL="0" indent="0">
               <a:buNone/>
-              <a:defRPr sz="2200"/>
+              <a:defRPr sz="1600"/>
             </a:lvl1pPr>
             <a:lvl2pPr marL="457200" indent="0">
               <a:buNone/>
@@ -2962,7 +3082,7 @@
           <p:cNvPr id="5" name="Date Placeholder 4">
             <a:extLst>
               <a:ext uri="{FF2B5EF4-FFF2-40B4-BE49-F238E27FC236}">
-                <a16:creationId xmlns:a16="http://schemas.microsoft.com/office/drawing/2014/main" id="{8BAF6305-9768-4792-866C-91238D45695D}"/>
+                <a16:creationId xmlns:a16="http://schemas.microsoft.com/office/drawing/2014/main" id="{C1921617-CED6-4AD4-BF16-C344E2711171}"/>
               </a:ext>
             </a:extLst>
           </p:cNvPr>
@@ -2973,19 +3093,14 @@
             <p:ph type="dt" sz="half" idx="10"/>
           </p:nvPr>
         </p:nvSpPr>
-        <p:spPr>
-          <a:xfrm>
-            <a:off x="420624" y="6217920"/>
-            <a:ext cx="2743200" cy="640080"/>
-          </a:xfrm>
-        </p:spPr>
+        <p:spPr/>
         <p:txBody>
           <a:bodyPr/>
           <a:lstStyle/>
           <a:p>
-            <a:fld id="{64DF6793-3458-4587-8168-65F0C37A92D2}" type="datetime2">
+            <a:fld id="{247E749F-1397-49D5-ADE8-AABB097826A8}" type="datetime2">
               <a:rPr lang="en-US" smtClean="0"/>
-              <a:t>Friday, December 9, 2022</a:t>
+              <a:t>Monday, December 12, 2022</a:t>
             </a:fld>
             <a:endParaRPr lang="en-US"/>
           </a:p>
@@ -2996,7 +3111,7 @@
           <p:cNvPr id="6" name="Footer Placeholder 5">
             <a:extLst>
               <a:ext uri="{FF2B5EF4-FFF2-40B4-BE49-F238E27FC236}">
-                <a16:creationId xmlns:a16="http://schemas.microsoft.com/office/drawing/2014/main" id="{2CDBF050-0FF1-499F-936E-FAAE50DC3D3E}"/>
+                <a16:creationId xmlns:a16="http://schemas.microsoft.com/office/drawing/2014/main" id="{DD63B5FB-B1B7-4342-9472-C78A6010FA42}"/>
               </a:ext>
             </a:extLst>
           </p:cNvPr>
@@ -3024,7 +3139,7 @@
           <p:cNvPr id="7" name="Slide Number Placeholder 6">
             <a:extLst>
               <a:ext uri="{FF2B5EF4-FFF2-40B4-BE49-F238E27FC236}">
-                <a16:creationId xmlns:a16="http://schemas.microsoft.com/office/drawing/2014/main" id="{08902C2E-1542-46B4-85B1-7A4B3F7724FC}"/>
+                <a16:creationId xmlns:a16="http://schemas.microsoft.com/office/drawing/2014/main" id="{27E1C5D2-D3CD-49CD-8713-DDDBDFC8E2EF}"/>
               </a:ext>
             </a:extLst>
           </p:cNvPr>
@@ -3052,7 +3167,7 @@
     </p:spTree>
     <p:extLst>
       <p:ext uri="{BB962C8B-B14F-4D97-AF65-F5344CB8AC3E}">
-        <p14:creationId xmlns:p14="http://schemas.microsoft.com/office/powerpoint/2010/main" val="581698850"/>
+        <p14:creationId xmlns:p14="http://schemas.microsoft.com/office/powerpoint/2010/main" val="2423237477"/>
       </p:ext>
     </p:extLst>
   </p:cSld>
@@ -3066,12 +3181,9 @@
 <p:sldMaster xmlns:a="http://schemas.openxmlformats.org/drawingml/2006/main" xmlns:r="http://schemas.openxmlformats.org/officeDocument/2006/relationships" xmlns:p="http://schemas.openxmlformats.org/presentationml/2006/main">
   <p:cSld>
     <p:bg>
-      <p:bgPr>
-        <a:solidFill>
-          <a:schemeClr val="bg1"/>
-        </a:solidFill>
-        <a:effectLst/>
-      </p:bgPr>
+      <p:bgRef idx="1001">
+        <a:schemeClr val="bg1"/>
+      </p:bgRef>
     </p:bg>
     <p:spTree>
       <p:nvGrpSpPr>
@@ -3089,130 +3201,24 @@
       </p:grpSpPr>
       <p:sp>
         <p:nvSpPr>
-          <p:cNvPr id="7" name="Rectangle 6">
-            <a:extLst>
-              <a:ext uri="{FF2B5EF4-FFF2-40B4-BE49-F238E27FC236}">
-                <a16:creationId xmlns:a16="http://schemas.microsoft.com/office/drawing/2014/main" id="{4586836B-C327-49CB-ADF2-2E730C4A91BF}"/>
-              </a:ext>
-            </a:extLst>
-          </p:cNvPr>
-          <p:cNvSpPr/>
-          <p:nvPr/>
+          <p:cNvPr id="2" name="Title Placeholder 1">
+            <a:extLst>
+              <a:ext uri="{FF2B5EF4-FFF2-40B4-BE49-F238E27FC236}">
+                <a16:creationId xmlns:a16="http://schemas.microsoft.com/office/drawing/2014/main" id="{933F3549-8D87-4B0B-9EE6-1B8087EFA892}"/>
+              </a:ext>
+            </a:extLst>
+          </p:cNvPr>
+          <p:cNvSpPr>
+            <a:spLocks noGrp="1"/>
+          </p:cNvSpPr>
+          <p:nvPr>
+            <p:ph type="title"/>
+          </p:nvPr>
         </p:nvSpPr>
         <p:spPr>
           <a:xfrm>
-            <a:off x="0" y="0"/>
-            <a:ext cx="12188952" cy="6858000"/>
-          </a:xfrm>
-          <a:prstGeom prst="rect">
-            <a:avLst/>
-          </a:prstGeom>
-          <a:solidFill>
-            <a:schemeClr val="bg2">
-              <a:alpha val="35000"/>
-            </a:schemeClr>
-          </a:solidFill>
-          <a:ln>
-            <a:noFill/>
-          </a:ln>
-        </p:spPr>
-        <p:style>
-          <a:lnRef idx="2">
-            <a:schemeClr val="accent1">
-              <a:shade val="50000"/>
-            </a:schemeClr>
-          </a:lnRef>
-          <a:fillRef idx="1">
-            <a:schemeClr val="accent1"/>
-          </a:fillRef>
-          <a:effectRef idx="0">
-            <a:schemeClr val="accent1"/>
-          </a:effectRef>
-          <a:fontRef idx="minor">
-            <a:schemeClr val="lt1"/>
-          </a:fontRef>
-        </p:style>
-        <p:txBody>
-          <a:bodyPr rtlCol="0" anchor="ctr"/>
-          <a:lstStyle/>
-          <a:p>
-            <a:pPr algn="ctr"/>
-            <a:endParaRPr lang="en-US"/>
-          </a:p>
-        </p:txBody>
-      </p:sp>
-      <p:sp>
-        <p:nvSpPr>
-          <p:cNvPr id="9" name="Rectangle 8">
-            <a:extLst>
-              <a:ext uri="{FF2B5EF4-FFF2-40B4-BE49-F238E27FC236}">
-                <a16:creationId xmlns:a16="http://schemas.microsoft.com/office/drawing/2014/main" id="{88310F61-136C-42B3-981B-FDE3DD0A8135}"/>
-              </a:ext>
-            </a:extLst>
-          </p:cNvPr>
-          <p:cNvSpPr/>
-          <p:nvPr/>
-        </p:nvSpPr>
-        <p:spPr>
-          <a:xfrm>
-            <a:off x="1478322" y="709375"/>
-            <a:ext cx="10713675" cy="5419400"/>
-          </a:xfrm>
-          <a:prstGeom prst="rect">
-            <a:avLst/>
-          </a:prstGeom>
-          <a:solidFill>
-            <a:schemeClr val="bg1"/>
-          </a:solidFill>
-          <a:ln>
-            <a:noFill/>
-          </a:ln>
-        </p:spPr>
-        <p:style>
-          <a:lnRef idx="2">
-            <a:schemeClr val="accent1">
-              <a:shade val="50000"/>
-            </a:schemeClr>
-          </a:lnRef>
-          <a:fillRef idx="1">
-            <a:schemeClr val="accent1"/>
-          </a:fillRef>
-          <a:effectRef idx="0">
-            <a:schemeClr val="accent1"/>
-          </a:effectRef>
-          <a:fontRef idx="minor">
-            <a:schemeClr val="lt1"/>
-          </a:fontRef>
-        </p:style>
-        <p:txBody>
-          <a:bodyPr rtlCol="0" anchor="ctr"/>
-          <a:lstStyle/>
-          <a:p>
-            <a:pPr algn="ctr"/>
-            <a:endParaRPr lang="en-US"/>
-          </a:p>
-        </p:txBody>
-      </p:sp>
-      <p:sp>
-        <p:nvSpPr>
-          <p:cNvPr id="2" name="Title Placeholder 1">
-            <a:extLst>
-              <a:ext uri="{FF2B5EF4-FFF2-40B4-BE49-F238E27FC236}">
-                <a16:creationId xmlns:a16="http://schemas.microsoft.com/office/drawing/2014/main" id="{392AF870-601F-4570-A8A9-1003F8939C55}"/>
-              </a:ext>
-            </a:extLst>
-          </p:cNvPr>
-          <p:cNvSpPr>
-            <a:spLocks noGrp="1"/>
-          </p:cNvSpPr>
-          <p:nvPr>
-            <p:ph type="title"/>
-          </p:nvPr>
-        </p:nvSpPr>
-        <p:spPr>
-          <a:xfrm>
-            <a:off x="420624" y="365125"/>
-            <a:ext cx="10543032" cy="1325563"/>
+            <a:off x="838200" y="365125"/>
+            <a:ext cx="10515600" cy="1325563"/>
           </a:xfrm>
           <a:prstGeom prst="rect">
             <a:avLst/>
@@ -3228,7 +3234,6 @@
               <a:rPr lang="en-US"/>
               <a:t>Click to edit Master title style</a:t>
             </a:r>
-            <a:endParaRPr lang="en-US" dirty="0"/>
           </a:p>
         </p:txBody>
       </p:sp>
@@ -3237,7 +3242,7 @@
           <p:cNvPr id="3" name="Text Placeholder 2">
             <a:extLst>
               <a:ext uri="{FF2B5EF4-FFF2-40B4-BE49-F238E27FC236}">
-                <a16:creationId xmlns:a16="http://schemas.microsoft.com/office/drawing/2014/main" id="{EBCCCECD-B6E7-4C40-8A84-65FD5A3F0AE2}"/>
+                <a16:creationId xmlns:a16="http://schemas.microsoft.com/office/drawing/2014/main" id="{39DA03FF-AD0E-4ACA-9114-C1FF2B34B85A}"/>
               </a:ext>
             </a:extLst>
           </p:cNvPr>
@@ -3250,8 +3255,8 @@
         </p:nvSpPr>
         <p:spPr>
           <a:xfrm>
-            <a:off x="420624" y="1825625"/>
-            <a:ext cx="10543032" cy="4351338"/>
+            <a:off x="838200" y="1825625"/>
+            <a:ext cx="10515600" cy="4351338"/>
           </a:xfrm>
           <a:prstGeom prst="rect">
             <a:avLst/>
@@ -3296,7 +3301,6 @@
               <a:rPr lang="en-US"/>
               <a:t>Fifth level</a:t>
             </a:r>
-            <a:endParaRPr lang="en-US" dirty="0"/>
           </a:p>
         </p:txBody>
       </p:sp>
@@ -3305,7 +3309,7 @@
           <p:cNvPr id="4" name="Date Placeholder 3">
             <a:extLst>
               <a:ext uri="{FF2B5EF4-FFF2-40B4-BE49-F238E27FC236}">
-                <a16:creationId xmlns:a16="http://schemas.microsoft.com/office/drawing/2014/main" id="{C43EFA4D-0E39-4E26-B43C-5D1084B3BAE2}"/>
+                <a16:creationId xmlns:a16="http://schemas.microsoft.com/office/drawing/2014/main" id="{79EEAA66-1960-4A2E-8594-977A75DA1EF4}"/>
               </a:ext>
             </a:extLst>
           </p:cNvPr>
@@ -3318,8 +3322,8 @@
         </p:nvSpPr>
         <p:spPr>
           <a:xfrm>
-            <a:off x="420624" y="6217920"/>
-            <a:ext cx="2743200" cy="640080"/>
+            <a:off x="838200" y="6356350"/>
+            <a:ext cx="2743200" cy="365125"/>
           </a:xfrm>
           <a:prstGeom prst="rect">
             <a:avLst/>
@@ -3331,16 +3335,17 @@
             <a:lvl1pPr algn="l">
               <a:defRPr sz="1200">
                 <a:solidFill>
-                  <a:schemeClr val="tx2"/>
+                  <a:schemeClr val="tx1">
+                    <a:tint val="75000"/>
+                  </a:schemeClr>
                 </a:solidFill>
               </a:defRPr>
             </a:lvl1pPr>
           </a:lstStyle>
           <a:p>
-            <a:fld id="{E8352ED3-3C46-4C9A-9738-67B2D875E7E2}" type="datetime2">
+            <a:fld id="{180F886D-A45E-4947-AF79-A0017FDAAB3F}" type="datetime2">
               <a:rPr lang="en-US" smtClean="0"/>
-              <a:pPr/>
-              <a:t>Friday, December 9, 2022</a:t>
+              <a:t>Monday, December 12, 2022</a:t>
             </a:fld>
             <a:endParaRPr lang="en-US"/>
           </a:p>
@@ -3351,7 +3356,7 @@
           <p:cNvPr id="5" name="Footer Placeholder 4">
             <a:extLst>
               <a:ext uri="{FF2B5EF4-FFF2-40B4-BE49-F238E27FC236}">
-                <a16:creationId xmlns:a16="http://schemas.microsoft.com/office/drawing/2014/main" id="{AE8851EA-2F2C-4012-8B96-51179BDD11B7}"/>
+                <a16:creationId xmlns:a16="http://schemas.microsoft.com/office/drawing/2014/main" id="{31F74D04-EA19-4257-80CF-E3C274E66ADB}"/>
               </a:ext>
             </a:extLst>
           </p:cNvPr>
@@ -3364,8 +3369,8 @@
         </p:nvSpPr>
         <p:spPr>
           <a:xfrm>
-            <a:off x="3767328" y="6217920"/>
-            <a:ext cx="7196328" cy="640080"/>
+            <a:off x="4038600" y="6356350"/>
+            <a:ext cx="4114800" cy="365125"/>
           </a:xfrm>
           <a:prstGeom prst="rect">
             <a:avLst/>
@@ -3374,10 +3379,12 @@
         <p:txBody>
           <a:bodyPr vert="horz" lIns="91440" tIns="45720" rIns="91440" bIns="45720" rtlCol="0" anchor="ctr"/>
           <a:lstStyle>
-            <a:lvl1pPr algn="r">
+            <a:lvl1pPr algn="ctr">
               <a:defRPr sz="1200">
                 <a:solidFill>
-                  <a:schemeClr val="tx2"/>
+                  <a:schemeClr val="tx1">
+                    <a:tint val="75000"/>
+                  </a:schemeClr>
                 </a:solidFill>
               </a:defRPr>
             </a:lvl1pPr>
@@ -3395,7 +3402,7 @@
           <p:cNvPr id="6" name="Slide Number Placeholder 5">
             <a:extLst>
               <a:ext uri="{FF2B5EF4-FFF2-40B4-BE49-F238E27FC236}">
-                <a16:creationId xmlns:a16="http://schemas.microsoft.com/office/drawing/2014/main" id="{17BB8ACB-7A60-4D76-A149-0C57A30E0161}"/>
+                <a16:creationId xmlns:a16="http://schemas.microsoft.com/office/drawing/2014/main" id="{4994EA7F-B979-4F3E-AD97-6E1DBC213978}"/>
               </a:ext>
             </a:extLst>
           </p:cNvPr>
@@ -3408,8 +3415,8 @@
         </p:nvSpPr>
         <p:spPr>
           <a:xfrm>
-            <a:off x="11503152" y="0"/>
-            <a:ext cx="685800" cy="685800"/>
+            <a:off x="8610600" y="6356350"/>
+            <a:ext cx="2743200" cy="365125"/>
           </a:xfrm>
           <a:prstGeom prst="rect">
             <a:avLst/>
@@ -3418,10 +3425,12 @@
         <p:txBody>
           <a:bodyPr vert="horz" lIns="91440" tIns="45720" rIns="91440" bIns="45720" rtlCol="0" anchor="ctr"/>
           <a:lstStyle>
-            <a:lvl1pPr algn="ctr">
+            <a:lvl1pPr algn="r">
               <a:defRPr sz="1200">
                 <a:solidFill>
-                  <a:schemeClr val="tx2"/>
+                  <a:schemeClr val="tx1">
+                    <a:tint val="75000"/>
+                  </a:schemeClr>
                 </a:solidFill>
               </a:defRPr>
             </a:lvl1pPr>
@@ -3439,23 +3448,23 @@
     </p:spTree>
     <p:extLst>
       <p:ext uri="{BB962C8B-B14F-4D97-AF65-F5344CB8AC3E}">
-        <p14:creationId xmlns:p14="http://schemas.microsoft.com/office/powerpoint/2010/main" val="813505422"/>
+        <p14:creationId xmlns:p14="http://schemas.microsoft.com/office/powerpoint/2010/main" val="808743904"/>
       </p:ext>
     </p:extLst>
   </p:cSld>
   <p:clrMap bg1="lt1" tx1="dk1" bg2="lt2" tx2="dk2" accent1="accent1" accent2="accent2" accent3="accent3" accent4="accent4" accent5="accent5" accent6="accent6" hlink="hlink" folHlink="folHlink"/>
   <p:sldLayoutIdLst>
-    <p:sldLayoutId id="2147483794" r:id="rId1"/>
-    <p:sldLayoutId id="2147483795" r:id="rId2"/>
-    <p:sldLayoutId id="2147483796" r:id="rId3"/>
-    <p:sldLayoutId id="2147483797" r:id="rId4"/>
-    <p:sldLayoutId id="2147483798" r:id="rId5"/>
-    <p:sldLayoutId id="2147483799" r:id="rId6"/>
-    <p:sldLayoutId id="2147483800" r:id="rId7"/>
-    <p:sldLayoutId id="2147483801" r:id="rId8"/>
-    <p:sldLayoutId id="2147483802" r:id="rId9"/>
-    <p:sldLayoutId id="2147483803" r:id="rId10"/>
-    <p:sldLayoutId id="2147483804" r:id="rId11"/>
+    <p:sldLayoutId id="2147483806" r:id="rId1"/>
+    <p:sldLayoutId id="2147483807" r:id="rId2"/>
+    <p:sldLayoutId id="2147483808" r:id="rId3"/>
+    <p:sldLayoutId id="2147483809" r:id="rId4"/>
+    <p:sldLayoutId id="2147483810" r:id="rId5"/>
+    <p:sldLayoutId id="2147483811" r:id="rId6"/>
+    <p:sldLayoutId id="2147483812" r:id="rId7"/>
+    <p:sldLayoutId id="2147483813" r:id="rId8"/>
+    <p:sldLayoutId id="2147483814" r:id="rId9"/>
+    <p:sldLayoutId id="2147483815" r:id="rId10"/>
+    <p:sldLayoutId id="2147483816" r:id="rId11"/>
   </p:sldLayoutIdLst>
   <p:hf sldNum="0" hdr="0" ftr="0" dt="0"/>
   <p:txStyles>
@@ -3470,7 +3479,7 @@
         <a:buNone/>
         <a:defRPr sz="4400" kern="1200">
           <a:solidFill>
-            <a:schemeClr val="tx2"/>
+            <a:schemeClr val="tx1"/>
           </a:solidFill>
           <a:latin typeface="+mj-lt"/>
           <a:ea typeface="+mj-ea"/>
@@ -3481,19 +3490,16 @@
     <p:bodyStyle>
       <a:lvl1pPr marL="228600" indent="-228600" algn="l" defTabSz="914400" rtl="0" eaLnBrk="1" latinLnBrk="0" hangingPunct="1">
         <a:lnSpc>
-          <a:spcPts val="2800"/>
+          <a:spcPct val="90000"/>
         </a:lnSpc>
         <a:spcBef>
           <a:spcPts val="1000"/>
         </a:spcBef>
-        <a:buClr>
-          <a:schemeClr val="accent2"/>
-        </a:buClr>
-        <a:buFont typeface="Wingdings 2" panose="05020102010507070707" pitchFamily="18" charset="2"/>
-        <a:buChar char=""/>
-        <a:defRPr sz="2400" kern="1200">
+        <a:buFont typeface="Arial" panose="020B0604020202020204" pitchFamily="34" charset="0"/>
+        <a:buChar char="•"/>
+        <a:defRPr sz="2800" kern="1200">
           <a:solidFill>
-            <a:schemeClr val="tx2"/>
+            <a:schemeClr val="tx1"/>
           </a:solidFill>
           <a:latin typeface="+mn-lt"/>
           <a:ea typeface="+mn-ea"/>
@@ -3502,19 +3508,16 @@
       </a:lvl1pPr>
       <a:lvl2pPr marL="685800" indent="-228600" algn="l" defTabSz="914400" rtl="0" eaLnBrk="1" latinLnBrk="0" hangingPunct="1">
         <a:lnSpc>
-          <a:spcPts val="2800"/>
+          <a:spcPct val="90000"/>
         </a:lnSpc>
         <a:spcBef>
           <a:spcPts val="500"/>
         </a:spcBef>
-        <a:buClr>
-          <a:schemeClr val="accent2"/>
-        </a:buClr>
-        <a:buFont typeface="Wingdings 2" panose="05020102010507070707" pitchFamily="18" charset="2"/>
-        <a:buChar char=""/>
-        <a:defRPr sz="2000" kern="1200">
+        <a:buFont typeface="Arial" panose="020B0604020202020204" pitchFamily="34" charset="0"/>
+        <a:buChar char="•"/>
+        <a:defRPr sz="2400" kern="1200">
           <a:solidFill>
-            <a:schemeClr val="tx2"/>
+            <a:schemeClr val="tx1"/>
           </a:solidFill>
           <a:latin typeface="+mn-lt"/>
           <a:ea typeface="+mn-ea"/>
@@ -3523,19 +3526,16 @@
       </a:lvl2pPr>
       <a:lvl3pPr marL="1143000" indent="-228600" algn="l" defTabSz="914400" rtl="0" eaLnBrk="1" latinLnBrk="0" hangingPunct="1">
         <a:lnSpc>
-          <a:spcPts val="2800"/>
+          <a:spcPct val="90000"/>
         </a:lnSpc>
         <a:spcBef>
           <a:spcPts val="500"/>
         </a:spcBef>
-        <a:buClr>
-          <a:schemeClr val="accent2"/>
-        </a:buClr>
-        <a:buFont typeface="Wingdings 2" panose="05020102010507070707" pitchFamily="18" charset="2"/>
-        <a:buChar char=""/>
-        <a:defRPr sz="1800" kern="1200">
+        <a:buFont typeface="Arial" panose="020B0604020202020204" pitchFamily="34" charset="0"/>
+        <a:buChar char="•"/>
+        <a:defRPr sz="2000" kern="1200">
           <a:solidFill>
-            <a:schemeClr val="tx2"/>
+            <a:schemeClr val="tx1"/>
           </a:solidFill>
           <a:latin typeface="+mn-lt"/>
           <a:ea typeface="+mn-ea"/>
@@ -3544,19 +3544,16 @@
       </a:lvl3pPr>
       <a:lvl4pPr marL="1600200" indent="-228600" algn="l" defTabSz="914400" rtl="0" eaLnBrk="1" latinLnBrk="0" hangingPunct="1">
         <a:lnSpc>
-          <a:spcPts val="2800"/>
+          <a:spcPct val="90000"/>
         </a:lnSpc>
         <a:spcBef>
           <a:spcPts val="500"/>
         </a:spcBef>
-        <a:buClr>
-          <a:schemeClr val="accent2"/>
-        </a:buClr>
-        <a:buFont typeface="Wingdings 2" panose="05020102010507070707" pitchFamily="18" charset="2"/>
-        <a:buChar char=""/>
-        <a:defRPr sz="1600" kern="1200">
+        <a:buFont typeface="Arial" panose="020B0604020202020204" pitchFamily="34" charset="0"/>
+        <a:buChar char="•"/>
+        <a:defRPr sz="1800" kern="1200">
           <a:solidFill>
-            <a:schemeClr val="tx2"/>
+            <a:schemeClr val="tx1"/>
           </a:solidFill>
           <a:latin typeface="+mn-lt"/>
           <a:ea typeface="+mn-ea"/>
@@ -3565,19 +3562,16 @@
       </a:lvl4pPr>
       <a:lvl5pPr marL="2057400" indent="-228600" algn="l" defTabSz="914400" rtl="0" eaLnBrk="1" latinLnBrk="0" hangingPunct="1">
         <a:lnSpc>
-          <a:spcPts val="2800"/>
+          <a:spcPct val="90000"/>
         </a:lnSpc>
         <a:spcBef>
           <a:spcPts val="500"/>
         </a:spcBef>
-        <a:buClr>
-          <a:schemeClr val="accent2"/>
-        </a:buClr>
-        <a:buFont typeface="Wingdings 2" panose="05020102010507070707" pitchFamily="18" charset="2"/>
-        <a:buChar char=""/>
-        <a:defRPr sz="1400" kern="1200">
+        <a:buFont typeface="Arial" panose="020B0604020202020204" pitchFamily="34" charset="0"/>
+        <a:buChar char="•"/>
+        <a:defRPr sz="1800" kern="1200">
           <a:solidFill>
-            <a:schemeClr val="tx2"/>
+            <a:schemeClr val="tx1"/>
           </a:solidFill>
           <a:latin typeface="+mn-lt"/>
           <a:ea typeface="+mn-ea"/>
@@ -3789,7 +3783,12 @@
             <p:ph type="ctrTitle"/>
           </p:nvPr>
         </p:nvSpPr>
-        <p:spPr/>
+        <p:spPr>
+          <a:xfrm>
+            <a:off x="1524000" y="109056"/>
+            <a:ext cx="9144000" cy="856287"/>
+          </a:xfrm>
+        </p:spPr>
         <p:txBody>
           <a:bodyPr>
             <a:normAutofit fontScale="90000"/>
@@ -3797,22 +3796,12 @@
           <a:lstStyle/>
           <a:p>
             <a:r>
-              <a:rPr lang="en-US"/>
+              <a:rPr lang="en-US" dirty="0">
+                <a:latin typeface="Times New Roman" panose="02020603050405020304" pitchFamily="18" charset="0"/>
+                <a:cs typeface="Times New Roman" panose="02020603050405020304" pitchFamily="18" charset="0"/>
+              </a:rPr>
               <a:t>Battery Cell parameter parsing</a:t>
             </a:r>
-            <a:br>
-              <a:rPr lang="en-US"/>
-            </a:br>
-            <a:br>
-              <a:rPr lang="en-US"/>
-            </a:br>
-            <a:br>
-              <a:rPr lang="en-US"/>
-            </a:br>
-            <a:br>
-              <a:rPr lang="en-US"/>
-            </a:br>
-            <a:endParaRPr lang="en-US"/>
           </a:p>
         </p:txBody>
       </p:sp>
@@ -3834,8 +3823,8 @@
         </p:nvSpPr>
         <p:spPr>
           <a:xfrm>
-            <a:off x="2481843" y="5579635"/>
-            <a:ext cx="6535271" cy="1655762"/>
+            <a:off x="2540566" y="5587176"/>
+            <a:ext cx="6535271" cy="1161768"/>
           </a:xfrm>
         </p:spPr>
         <p:txBody>
@@ -3843,38 +3832,34 @@
           <a:lstStyle/>
           <a:p>
             <a:r>
-              <a:rPr lang="en-US" err="1"/>
-              <a:t>Prezentacija</a:t>
-            </a:r>
-            <a:r>
-              <a:rPr lang="en-US"/>
-              <a:t> </a:t>
-            </a:r>
-            <a:r>
-              <a:rPr lang="en-US" err="1"/>
-              <a:t>napravljena</a:t>
-            </a:r>
-            <a:r>
-              <a:rPr lang="en-US"/>
-              <a:t> 11.12.2022.</a:t>
-            </a:r>
-          </a:p>
-          <a:p>
-            <a:r>
-              <a:rPr lang="en-US" err="1"/>
-              <a:t>Projekat</a:t>
-            </a:r>
-            <a:r>
-              <a:rPr lang="en-US"/>
-              <a:t> </a:t>
-            </a:r>
-            <a:r>
-              <a:rPr lang="en-US" err="1"/>
-              <a:t>zapocet</a:t>
-            </a:r>
-            <a:r>
-              <a:rPr lang="en-US"/>
-              <a:t> 10.2021.</a:t>
+              <a:rPr lang="en-US" dirty="0">
+                <a:latin typeface="Times New Roman" panose="02020603050405020304" pitchFamily="18" charset="0"/>
+                <a:cs typeface="Times New Roman" panose="02020603050405020304" pitchFamily="18" charset="0"/>
+              </a:rPr>
+              <a:t>Presentation made in </a:t>
+            </a:r>
+            <a:r>
+              <a:rPr lang="en-US" b="1" dirty="0">
+                <a:latin typeface="Times New Roman" panose="02020603050405020304" pitchFamily="18" charset="0"/>
+                <a:cs typeface="Times New Roman" panose="02020603050405020304" pitchFamily="18" charset="0"/>
+              </a:rPr>
+              <a:t>11.12.2022.</a:t>
+            </a:r>
+          </a:p>
+          <a:p>
+            <a:r>
+              <a:rPr lang="en-US" dirty="0">
+                <a:latin typeface="Times New Roman" panose="02020603050405020304" pitchFamily="18" charset="0"/>
+                <a:cs typeface="Times New Roman" panose="02020603050405020304" pitchFamily="18" charset="0"/>
+              </a:rPr>
+              <a:t>Project originally began in </a:t>
+            </a:r>
+            <a:r>
+              <a:rPr lang="en-US" b="1" dirty="0">
+                <a:latin typeface="Times New Roman" panose="02020603050405020304" pitchFamily="18" charset="0"/>
+                <a:cs typeface="Times New Roman" panose="02020603050405020304" pitchFamily="18" charset="0"/>
+              </a:rPr>
+              <a:t>10.2021.</a:t>
             </a:r>
           </a:p>
         </p:txBody>
@@ -3900,19 +3885,57 @@
         </p:blipFill>
         <p:spPr>
           <a:xfrm>
-            <a:off x="3184959" y="1652040"/>
+            <a:off x="3113653" y="1656234"/>
             <a:ext cx="5385300" cy="3834360"/>
           </a:xfrm>
           <a:prstGeom prst="rect">
             <a:avLst/>
           </a:prstGeom>
-          <a:ln>
+          <a:ln w="57150">
             <a:solidFill>
               <a:schemeClr val="accent1"/>
             </a:solidFill>
           </a:ln>
         </p:spPr>
       </p:pic>
+      <p:sp>
+        <p:nvSpPr>
+          <p:cNvPr id="4" name="TextBox 3">
+            <a:extLst>
+              <a:ext uri="{FF2B5EF4-FFF2-40B4-BE49-F238E27FC236}">
+                <a16:creationId xmlns:a16="http://schemas.microsoft.com/office/drawing/2014/main" id="{045C3C5D-AC86-4244-8519-5D9A96B5D6AB}"/>
+              </a:ext>
+            </a:extLst>
+          </p:cNvPr>
+          <p:cNvSpPr txBox="1"/>
+          <p:nvPr/>
+        </p:nvSpPr>
+        <p:spPr>
+          <a:xfrm>
+            <a:off x="4608670" y="965343"/>
+            <a:ext cx="3071675" cy="492443"/>
+          </a:xfrm>
+          <a:prstGeom prst="rect">
+            <a:avLst/>
+          </a:prstGeom>
+          <a:noFill/>
+        </p:spPr>
+        <p:txBody>
+          <a:bodyPr wrap="none" rtlCol="0">
+            <a:spAutoFit/>
+          </a:bodyPr>
+          <a:lstStyle/>
+          <a:p>
+            <a:r>
+              <a:rPr lang="en-US" sz="2600" dirty="0">
+                <a:latin typeface="Times New Roman" panose="02020603050405020304" pitchFamily="18" charset="0"/>
+                <a:cs typeface="Times New Roman" panose="02020603050405020304" pitchFamily="18" charset="0"/>
+              </a:rPr>
+              <a:t>Project results review</a:t>
+            </a:r>
+          </a:p>
+        </p:txBody>
+      </p:sp>
     </p:spTree>
     <p:extLst>
       <p:ext uri="{BB962C8B-B14F-4D97-AF65-F5344CB8AC3E}">
@@ -3943,41 +3966,6 @@
           <a:chExt cx="0" cy="0"/>
         </a:xfrm>
       </p:grpSpPr>
-      <p:sp>
-        <p:nvSpPr>
-          <p:cNvPr id="2" name="Title 1">
-            <a:extLst>
-              <a:ext uri="{FF2B5EF4-FFF2-40B4-BE49-F238E27FC236}">
-                <a16:creationId xmlns:a16="http://schemas.microsoft.com/office/drawing/2014/main" id="{94299182-22E5-7E09-9E2B-1B46B9C82288}"/>
-              </a:ext>
-            </a:extLst>
-          </p:cNvPr>
-          <p:cNvSpPr>
-            <a:spLocks noGrp="1"/>
-          </p:cNvSpPr>
-          <p:nvPr>
-            <p:ph type="title"/>
-          </p:nvPr>
-        </p:nvSpPr>
-        <p:spPr>
-          <a:xfrm>
-            <a:off x="420624" y="66186"/>
-            <a:ext cx="10543032" cy="1325563"/>
-          </a:xfrm>
-        </p:spPr>
-        <p:txBody>
-          <a:bodyPr>
-            <a:normAutofit fontScale="90000"/>
-          </a:bodyPr>
-          <a:lstStyle/>
-          <a:p>
-            <a:r>
-              <a:rPr lang="en-US"/>
-              <a:t>Sa histerezisom izmena otpornost (R1 i R0 = 8e-3 oma):</a:t>
-            </a:r>
-          </a:p>
-        </p:txBody>
-      </p:sp>
       <p:pic>
         <p:nvPicPr>
           <p:cNvPr id="5" name="Content Placeholder 4">
@@ -4002,11 +3990,209 @@
         </p:blipFill>
         <p:spPr>
           <a:xfrm>
-            <a:off x="803487" y="1295033"/>
-            <a:ext cx="10585026" cy="5256213"/>
+            <a:off x="833628" y="1454667"/>
+            <a:ext cx="10524744" cy="5226279"/>
           </a:xfrm>
         </p:spPr>
       </p:pic>
+      <mc:AlternateContent xmlns:mc="http://schemas.openxmlformats.org/markup-compatibility/2006">
+        <mc:Choice xmlns:a14="http://schemas.microsoft.com/office/drawing/2010/main" Requires="a14">
+          <p:sp>
+            <p:nvSpPr>
+              <p:cNvPr id="6" name="Title 1">
+                <a:extLst>
+                  <a:ext uri="{FF2B5EF4-FFF2-40B4-BE49-F238E27FC236}">
+                    <a16:creationId xmlns:a16="http://schemas.microsoft.com/office/drawing/2014/main" id="{10F39B68-4B02-4A01-BFC1-757508D65D70}"/>
+                  </a:ext>
+                </a:extLst>
+              </p:cNvPr>
+              <p:cNvSpPr txBox="1">
+                <a:spLocks/>
+              </p:cNvSpPr>
+              <p:nvPr/>
+            </p:nvSpPr>
+            <p:spPr>
+              <a:xfrm>
+                <a:off x="815340" y="177054"/>
+                <a:ext cx="10543032" cy="1325563"/>
+              </a:xfrm>
+              <a:prstGeom prst="rect">
+                <a:avLst/>
+              </a:prstGeom>
+            </p:spPr>
+            <p:txBody>
+              <a:bodyPr vert="horz" lIns="91440" tIns="45720" rIns="91440" bIns="45720" rtlCol="0" anchor="ctr">
+                <a:normAutofit/>
+              </a:bodyPr>
+              <a:lstStyle>
+                <a:lvl1pPr algn="l" defTabSz="914400" rtl="0" eaLnBrk="1" latinLnBrk="0" hangingPunct="1">
+                  <a:lnSpc>
+                    <a:spcPct val="90000"/>
+                  </a:lnSpc>
+                  <a:spcBef>
+                    <a:spcPct val="0"/>
+                  </a:spcBef>
+                  <a:buNone/>
+                  <a:defRPr sz="4400" kern="1200">
+                    <a:solidFill>
+                      <a:schemeClr val="tx1"/>
+                    </a:solidFill>
+                    <a:latin typeface="+mj-lt"/>
+                    <a:ea typeface="+mj-ea"/>
+                    <a:cs typeface="+mj-cs"/>
+                  </a:defRPr>
+                </a:lvl1pPr>
+              </a:lstStyle>
+              <a:p>
+                <a:pPr algn="ctr"/>
+                <a:r>
+                  <a:rPr lang="en-US" u="sng" dirty="0">
+                    <a:latin typeface="Times New Roman" panose="02020603050405020304" pitchFamily="18" charset="0"/>
+                    <a:cs typeface="Times New Roman" panose="02020603050405020304" pitchFamily="18" charset="0"/>
+                  </a:rPr>
+                  <a:t>With hysteresis (R1 = 8</a:t>
+                </a:r>
+                <a14:m>
+                  <m:oMath xmlns:m="http://schemas.openxmlformats.org/officeDocument/2006/math">
+                    <m:sSup>
+                      <m:sSupPr>
+                        <m:ctrlPr>
+                          <a:rPr lang="en-US" i="1" u="sng" dirty="0" smtClean="0">
+                            <a:latin typeface="Cambria Math" panose="02040503050406030204" pitchFamily="18" charset="0"/>
+                            <a:cs typeface="Times New Roman" panose="02020603050405020304" pitchFamily="18" charset="0"/>
+                          </a:rPr>
+                        </m:ctrlPr>
+                      </m:sSupPr>
+                      <m:e>
+                        <m:r>
+                          <a:rPr lang="en-US" b="0" i="1" u="sng" dirty="0" smtClean="0">
+                            <a:latin typeface="Cambria Math" panose="02040503050406030204" pitchFamily="18" charset="0"/>
+                            <a:cs typeface="Times New Roman" panose="02020603050405020304" pitchFamily="18" charset="0"/>
+                          </a:rPr>
+                          <m:t>𝑒</m:t>
+                        </m:r>
+                      </m:e>
+                      <m:sup>
+                        <m:r>
+                          <a:rPr lang="en-US" b="0" i="1" u="sng" dirty="0" smtClean="0">
+                            <a:latin typeface="Cambria Math" panose="02040503050406030204" pitchFamily="18" charset="0"/>
+                            <a:cs typeface="Times New Roman" panose="02020603050405020304" pitchFamily="18" charset="0"/>
+                          </a:rPr>
+                          <m:t>−3</m:t>
+                        </m:r>
+                      </m:sup>
+                    </m:sSup>
+                  </m:oMath>
+                </a14:m>
+                <a:r>
+                  <a:rPr lang="el-GR" u="sng" dirty="0">
+                    <a:latin typeface="Times New Roman" panose="02020603050405020304" pitchFamily="18" charset="0"/>
+                    <a:cs typeface="Times New Roman" panose="02020603050405020304" pitchFamily="18" charset="0"/>
+                  </a:rPr>
+                  <a:t>Ω</a:t>
+                </a:r>
+                <a:r>
+                  <a:rPr lang="en-US" u="sng" dirty="0">
+                    <a:latin typeface="Times New Roman" panose="02020603050405020304" pitchFamily="18" charset="0"/>
+                    <a:cs typeface="Times New Roman" panose="02020603050405020304" pitchFamily="18" charset="0"/>
+                  </a:rPr>
+                  <a:t> ; R0 = 8</a:t>
+                </a:r>
+                <a14:m>
+                  <m:oMath xmlns:m="http://schemas.openxmlformats.org/officeDocument/2006/math">
+                    <m:sSup>
+                      <m:sSupPr>
+                        <m:ctrlPr>
+                          <a:rPr lang="en-US" i="1" u="sng" dirty="0" smtClean="0">
+                            <a:latin typeface="Cambria Math" panose="02040503050406030204" pitchFamily="18" charset="0"/>
+                            <a:cs typeface="Times New Roman" panose="02020603050405020304" pitchFamily="18" charset="0"/>
+                          </a:rPr>
+                        </m:ctrlPr>
+                      </m:sSupPr>
+                      <m:e>
+                        <m:r>
+                          <a:rPr lang="en-US" b="0" i="1" u="sng" dirty="0" smtClean="0">
+                            <a:latin typeface="Cambria Math" panose="02040503050406030204" pitchFamily="18" charset="0"/>
+                            <a:cs typeface="Times New Roman" panose="02020603050405020304" pitchFamily="18" charset="0"/>
+                          </a:rPr>
+                          <m:t>𝑒</m:t>
+                        </m:r>
+                      </m:e>
+                      <m:sup>
+                        <m:r>
+                          <a:rPr lang="en-US" b="0" i="1" u="sng" dirty="0" smtClean="0">
+                            <a:latin typeface="Cambria Math" panose="02040503050406030204" pitchFamily="18" charset="0"/>
+                            <a:cs typeface="Times New Roman" panose="02020603050405020304" pitchFamily="18" charset="0"/>
+                          </a:rPr>
+                          <m:t>−3</m:t>
+                        </m:r>
+                      </m:sup>
+                    </m:sSup>
+                  </m:oMath>
+                </a14:m>
+                <a:r>
+                  <a:rPr lang="el-GR" u="sng" dirty="0">
+                    <a:latin typeface="Times New Roman" panose="02020603050405020304" pitchFamily="18" charset="0"/>
+                    <a:cs typeface="Times New Roman" panose="02020603050405020304" pitchFamily="18" charset="0"/>
+                  </a:rPr>
+                  <a:t>Ω</a:t>
+                </a:r>
+                <a:r>
+                  <a:rPr lang="en-US" u="sng" dirty="0">
+                    <a:latin typeface="Times New Roman" panose="02020603050405020304" pitchFamily="18" charset="0"/>
+                    <a:cs typeface="Times New Roman" panose="02020603050405020304" pitchFamily="18" charset="0"/>
+                  </a:rPr>
+                  <a:t> ):</a:t>
+                </a:r>
+              </a:p>
+            </p:txBody>
+          </p:sp>
+        </mc:Choice>
+        <mc:Fallback>
+          <p:sp>
+            <p:nvSpPr>
+              <p:cNvPr id="6" name="Title 1">
+                <a:extLst>
+                  <a:ext uri="{FF2B5EF4-FFF2-40B4-BE49-F238E27FC236}">
+                    <a16:creationId xmlns:a16="http://schemas.microsoft.com/office/drawing/2014/main" id="{10F39B68-4B02-4A01-BFC1-757508D65D70}"/>
+                  </a:ext>
+                </a:extLst>
+              </p:cNvPr>
+              <p:cNvSpPr txBox="1">
+                <a:spLocks noRot="1" noChangeAspect="1" noMove="1" noResize="1" noEditPoints="1" noAdjustHandles="1" noChangeArrowheads="1" noChangeShapeType="1" noTextEdit="1"/>
+              </p:cNvSpPr>
+              <p:nvPr/>
+            </p:nvSpPr>
+            <p:spPr>
+              <a:xfrm>
+                <a:off x="815340" y="177054"/>
+                <a:ext cx="10543032" cy="1325563"/>
+              </a:xfrm>
+              <a:prstGeom prst="rect">
+                <a:avLst/>
+              </a:prstGeom>
+              <a:blipFill>
+                <a:blip r:embed="rId3"/>
+                <a:stretch>
+                  <a:fillRect l="-2140" r="-2024"/>
+                </a:stretch>
+              </a:blipFill>
+            </p:spPr>
+            <p:txBody>
+              <a:bodyPr/>
+              <a:lstStyle/>
+              <a:p>
+                <a:r>
+                  <a:rPr lang="en-US">
+                    <a:noFill/>
+                  </a:rPr>
+                  <a:t> </a:t>
+                </a:r>
+              </a:p>
+            </p:txBody>
+          </p:sp>
+        </mc:Fallback>
+      </mc:AlternateContent>
     </p:spTree>
     <p:extLst>
       <p:ext uri="{BB962C8B-B14F-4D97-AF65-F5344CB8AC3E}">
@@ -4037,41 +4223,6 @@
           <a:chExt cx="0" cy="0"/>
         </a:xfrm>
       </p:grpSpPr>
-      <p:sp>
-        <p:nvSpPr>
-          <p:cNvPr id="2" name="Title 1">
-            <a:extLst>
-              <a:ext uri="{FF2B5EF4-FFF2-40B4-BE49-F238E27FC236}">
-                <a16:creationId xmlns:a16="http://schemas.microsoft.com/office/drawing/2014/main" id="{94299182-22E5-7E09-9E2B-1B46B9C82288}"/>
-              </a:ext>
-            </a:extLst>
-          </p:cNvPr>
-          <p:cNvSpPr>
-            <a:spLocks noGrp="1"/>
-          </p:cNvSpPr>
-          <p:nvPr>
-            <p:ph type="title"/>
-          </p:nvPr>
-        </p:nvSpPr>
-        <p:spPr>
-          <a:xfrm>
-            <a:off x="420624" y="66186"/>
-            <a:ext cx="10543032" cy="1325563"/>
-          </a:xfrm>
-        </p:spPr>
-        <p:txBody>
-          <a:bodyPr>
-            <a:normAutofit fontScale="90000"/>
-          </a:bodyPr>
-          <a:lstStyle/>
-          <a:p>
-            <a:r>
-              <a:rPr lang="en-US"/>
-              <a:t>Bez histerezisa izmena otpornost (R1 = 12 i R0 = 2e-3 oma):</a:t>
-            </a:r>
-          </a:p>
-        </p:txBody>
-      </p:sp>
       <p:pic>
         <p:nvPicPr>
           <p:cNvPr id="7" name="Content Placeholder 6">
@@ -4096,11 +4247,216 @@
         </p:blipFill>
         <p:spPr>
           <a:xfrm>
-            <a:off x="952383" y="1391749"/>
-            <a:ext cx="9479514" cy="4855806"/>
+            <a:off x="833628" y="1391749"/>
+            <a:ext cx="10524744" cy="5391217"/>
           </a:xfrm>
         </p:spPr>
       </p:pic>
+      <mc:AlternateContent xmlns:mc="http://schemas.openxmlformats.org/markup-compatibility/2006">
+        <mc:Choice xmlns:a14="http://schemas.microsoft.com/office/drawing/2010/main" Requires="a14">
+          <p:sp>
+            <p:nvSpPr>
+              <p:cNvPr id="6" name="Title 1">
+                <a:extLst>
+                  <a:ext uri="{FF2B5EF4-FFF2-40B4-BE49-F238E27FC236}">
+                    <a16:creationId xmlns:a16="http://schemas.microsoft.com/office/drawing/2014/main" id="{B9AC2DC3-736D-4D24-B876-6E485B02BD96}"/>
+                  </a:ext>
+                </a:extLst>
+              </p:cNvPr>
+              <p:cNvSpPr txBox="1">
+                <a:spLocks/>
+              </p:cNvSpPr>
+              <p:nvPr/>
+            </p:nvSpPr>
+            <p:spPr>
+              <a:xfrm>
+                <a:off x="824484" y="192021"/>
+                <a:ext cx="10543032" cy="1325563"/>
+              </a:xfrm>
+              <a:prstGeom prst="rect">
+                <a:avLst/>
+              </a:prstGeom>
+            </p:spPr>
+            <p:txBody>
+              <a:bodyPr vert="horz" lIns="91440" tIns="45720" rIns="91440" bIns="45720" rtlCol="0" anchor="ctr">
+                <a:normAutofit/>
+              </a:bodyPr>
+              <a:lstStyle>
+                <a:lvl1pPr algn="l" defTabSz="914400" rtl="0" eaLnBrk="1" latinLnBrk="0" hangingPunct="1">
+                  <a:lnSpc>
+                    <a:spcPct val="90000"/>
+                  </a:lnSpc>
+                  <a:spcBef>
+                    <a:spcPct val="0"/>
+                  </a:spcBef>
+                  <a:buNone/>
+                  <a:defRPr sz="4400" kern="1200">
+                    <a:solidFill>
+                      <a:schemeClr val="tx1"/>
+                    </a:solidFill>
+                    <a:latin typeface="+mj-lt"/>
+                    <a:ea typeface="+mj-ea"/>
+                    <a:cs typeface="+mj-cs"/>
+                  </a:defRPr>
+                </a:lvl1pPr>
+              </a:lstStyle>
+              <a:p>
+                <a:pPr algn="ctr"/>
+                <a:r>
+                  <a:rPr lang="en-US" u="sng" dirty="0">
+                    <a:latin typeface="Times New Roman" panose="02020603050405020304" pitchFamily="18" charset="0"/>
+                    <a:cs typeface="Times New Roman" panose="02020603050405020304" pitchFamily="18" charset="0"/>
+                  </a:rPr>
+                  <a:t>No hysteresis (R1 = 1</a:t>
+                </a:r>
+                <a14:m>
+                  <m:oMath xmlns:m="http://schemas.openxmlformats.org/officeDocument/2006/math">
+                    <m:r>
+                      <a:rPr lang="en-US" b="0" i="0" u="sng" dirty="0" smtClean="0">
+                        <a:latin typeface="Cambria Math" panose="02040503050406030204" pitchFamily="18" charset="0"/>
+                        <a:cs typeface="Times New Roman" panose="02020603050405020304" pitchFamily="18" charset="0"/>
+                      </a:rPr>
+                      <m:t>2</m:t>
+                    </m:r>
+                    <m:sSup>
+                      <m:sSupPr>
+                        <m:ctrlPr>
+                          <a:rPr lang="en-US" i="1" u="sng" dirty="0">
+                            <a:latin typeface="Cambria Math" panose="02040503050406030204" pitchFamily="18" charset="0"/>
+                            <a:cs typeface="Times New Roman" panose="02020603050405020304" pitchFamily="18" charset="0"/>
+                          </a:rPr>
+                        </m:ctrlPr>
+                      </m:sSupPr>
+                      <m:e>
+                        <m:r>
+                          <a:rPr lang="en-US" i="1" u="sng" dirty="0">
+                            <a:latin typeface="Cambria Math" panose="02040503050406030204" pitchFamily="18" charset="0"/>
+                            <a:cs typeface="Times New Roman" panose="02020603050405020304" pitchFamily="18" charset="0"/>
+                          </a:rPr>
+                          <m:t>𝑒</m:t>
+                        </m:r>
+                      </m:e>
+                      <m:sup>
+                        <m:r>
+                          <a:rPr lang="en-US" i="1" u="sng" dirty="0">
+                            <a:latin typeface="Cambria Math" panose="02040503050406030204" pitchFamily="18" charset="0"/>
+                            <a:cs typeface="Times New Roman" panose="02020603050405020304" pitchFamily="18" charset="0"/>
+                          </a:rPr>
+                          <m:t>−3</m:t>
+                        </m:r>
+                      </m:sup>
+                    </m:sSup>
+                  </m:oMath>
+                </a14:m>
+                <a:r>
+                  <a:rPr lang="el-GR" u="sng" dirty="0">
+                    <a:latin typeface="Times New Roman" panose="02020603050405020304" pitchFamily="18" charset="0"/>
+                    <a:cs typeface="Times New Roman" panose="02020603050405020304" pitchFamily="18" charset="0"/>
+                  </a:rPr>
+                  <a:t>Ω</a:t>
+                </a:r>
+                <a:r>
+                  <a:rPr lang="en-US" u="sng" dirty="0">
+                    <a:latin typeface="Times New Roman" panose="02020603050405020304" pitchFamily="18" charset="0"/>
+                    <a:cs typeface="Times New Roman" panose="02020603050405020304" pitchFamily="18" charset="0"/>
+                  </a:rPr>
+                  <a:t> ; R0 = 2</a:t>
+                </a:r>
+                <a14:m>
+                  <m:oMath xmlns:m="http://schemas.openxmlformats.org/officeDocument/2006/math">
+                    <m:sSup>
+                      <m:sSupPr>
+                        <m:ctrlPr>
+                          <a:rPr lang="en-US" i="1" u="sng" dirty="0">
+                            <a:latin typeface="Cambria Math" panose="02040503050406030204" pitchFamily="18" charset="0"/>
+                            <a:cs typeface="Times New Roman" panose="02020603050405020304" pitchFamily="18" charset="0"/>
+                          </a:rPr>
+                        </m:ctrlPr>
+                      </m:sSupPr>
+                      <m:e>
+                        <m:r>
+                          <a:rPr lang="en-US" i="1" u="sng" dirty="0">
+                            <a:latin typeface="Cambria Math" panose="02040503050406030204" pitchFamily="18" charset="0"/>
+                            <a:cs typeface="Times New Roman" panose="02020603050405020304" pitchFamily="18" charset="0"/>
+                          </a:rPr>
+                          <m:t>𝑒</m:t>
+                        </m:r>
+                      </m:e>
+                      <m:sup>
+                        <m:r>
+                          <a:rPr lang="en-US" i="1" u="sng" dirty="0">
+                            <a:latin typeface="Cambria Math" panose="02040503050406030204" pitchFamily="18" charset="0"/>
+                            <a:cs typeface="Times New Roman" panose="02020603050405020304" pitchFamily="18" charset="0"/>
+                          </a:rPr>
+                          <m:t>−3</m:t>
+                        </m:r>
+                      </m:sup>
+                    </m:sSup>
+                  </m:oMath>
+                </a14:m>
+                <a:r>
+                  <a:rPr lang="el-GR" u="sng" dirty="0">
+                    <a:latin typeface="Times New Roman" panose="02020603050405020304" pitchFamily="18" charset="0"/>
+                    <a:cs typeface="Times New Roman" panose="02020603050405020304" pitchFamily="18" charset="0"/>
+                  </a:rPr>
+                  <a:t>Ω</a:t>
+                </a:r>
+                <a:r>
+                  <a:rPr lang="en-US" u="sng" dirty="0">
+                    <a:latin typeface="Times New Roman" panose="02020603050405020304" pitchFamily="18" charset="0"/>
+                    <a:cs typeface="Times New Roman" panose="02020603050405020304" pitchFamily="18" charset="0"/>
+                  </a:rPr>
+                  <a:t> ):</a:t>
+                </a:r>
+              </a:p>
+            </p:txBody>
+          </p:sp>
+        </mc:Choice>
+        <mc:Fallback>
+          <p:sp>
+            <p:nvSpPr>
+              <p:cNvPr id="6" name="Title 1">
+                <a:extLst>
+                  <a:ext uri="{FF2B5EF4-FFF2-40B4-BE49-F238E27FC236}">
+                    <a16:creationId xmlns:a16="http://schemas.microsoft.com/office/drawing/2014/main" id="{B9AC2DC3-736D-4D24-B876-6E485B02BD96}"/>
+                  </a:ext>
+                </a:extLst>
+              </p:cNvPr>
+              <p:cNvSpPr txBox="1">
+                <a:spLocks noRot="1" noChangeAspect="1" noMove="1" noResize="1" noEditPoints="1" noAdjustHandles="1" noChangeArrowheads="1" noChangeShapeType="1" noTextEdit="1"/>
+              </p:cNvSpPr>
+              <p:nvPr/>
+            </p:nvSpPr>
+            <p:spPr>
+              <a:xfrm>
+                <a:off x="824484" y="192021"/>
+                <a:ext cx="10543032" cy="1325563"/>
+              </a:xfrm>
+              <a:prstGeom prst="rect">
+                <a:avLst/>
+              </a:prstGeom>
+              <a:blipFill>
+                <a:blip r:embed="rId3"/>
+                <a:stretch>
+                  <a:fillRect l="-1618" r="-1561"/>
+                </a:stretch>
+              </a:blipFill>
+            </p:spPr>
+            <p:txBody>
+              <a:bodyPr/>
+              <a:lstStyle/>
+              <a:p>
+                <a:r>
+                  <a:rPr lang="en-US">
+                    <a:noFill/>
+                  </a:rPr>
+                  <a:t> </a:t>
+                </a:r>
+              </a:p>
+            </p:txBody>
+          </p:sp>
+        </mc:Fallback>
+      </mc:AlternateContent>
     </p:spTree>
     <p:extLst>
       <p:ext uri="{BB962C8B-B14F-4D97-AF65-F5344CB8AC3E}">
@@ -4131,41 +4487,6 @@
           <a:chExt cx="0" cy="0"/>
         </a:xfrm>
       </p:grpSpPr>
-      <p:sp>
-        <p:nvSpPr>
-          <p:cNvPr id="2" name="Title 1">
-            <a:extLst>
-              <a:ext uri="{FF2B5EF4-FFF2-40B4-BE49-F238E27FC236}">
-                <a16:creationId xmlns:a16="http://schemas.microsoft.com/office/drawing/2014/main" id="{94299182-22E5-7E09-9E2B-1B46B9C82288}"/>
-              </a:ext>
-            </a:extLst>
-          </p:cNvPr>
-          <p:cNvSpPr>
-            <a:spLocks noGrp="1"/>
-          </p:cNvSpPr>
-          <p:nvPr>
-            <p:ph type="title"/>
-          </p:nvPr>
-        </p:nvSpPr>
-        <p:spPr>
-          <a:xfrm>
-            <a:off x="420624" y="66186"/>
-            <a:ext cx="10543032" cy="1325563"/>
-          </a:xfrm>
-        </p:spPr>
-        <p:txBody>
-          <a:bodyPr>
-            <a:normAutofit fontScale="90000"/>
-          </a:bodyPr>
-          <a:lstStyle/>
-          <a:p>
-            <a:r>
-              <a:rPr lang="en-US"/>
-              <a:t>Sa histerezisom izmena otpornost (R1 = 12 i R0 = 2e-3 oma):</a:t>
-            </a:r>
-          </a:p>
-        </p:txBody>
-      </p:sp>
       <p:pic>
         <p:nvPicPr>
           <p:cNvPr id="5" name="Content Placeholder 4">
@@ -4190,11 +4511,216 @@
         </p:blipFill>
         <p:spPr>
           <a:xfrm>
-            <a:off x="420624" y="1415755"/>
-            <a:ext cx="11352276" cy="5082738"/>
+            <a:off x="833628" y="1527816"/>
+            <a:ext cx="10524744" cy="4712228"/>
           </a:xfrm>
         </p:spPr>
       </p:pic>
+      <mc:AlternateContent xmlns:mc="http://schemas.openxmlformats.org/markup-compatibility/2006">
+        <mc:Choice xmlns:a14="http://schemas.microsoft.com/office/drawing/2010/main" Requires="a14">
+          <p:sp>
+            <p:nvSpPr>
+              <p:cNvPr id="6" name="Title 1">
+                <a:extLst>
+                  <a:ext uri="{FF2B5EF4-FFF2-40B4-BE49-F238E27FC236}">
+                    <a16:creationId xmlns:a16="http://schemas.microsoft.com/office/drawing/2014/main" id="{9F8A4311-ED87-4CCB-B240-D00CF6EE4E40}"/>
+                  </a:ext>
+                </a:extLst>
+              </p:cNvPr>
+              <p:cNvSpPr txBox="1">
+                <a:spLocks/>
+              </p:cNvSpPr>
+              <p:nvPr/>
+            </p:nvSpPr>
+            <p:spPr>
+              <a:xfrm>
+                <a:off x="620785" y="177054"/>
+                <a:ext cx="10830187" cy="1325563"/>
+              </a:xfrm>
+              <a:prstGeom prst="rect">
+                <a:avLst/>
+              </a:prstGeom>
+            </p:spPr>
+            <p:txBody>
+              <a:bodyPr vert="horz" lIns="91440" tIns="45720" rIns="91440" bIns="45720" rtlCol="0" anchor="ctr">
+                <a:normAutofit/>
+              </a:bodyPr>
+              <a:lstStyle>
+                <a:lvl1pPr algn="l" defTabSz="914400" rtl="0" eaLnBrk="1" latinLnBrk="0" hangingPunct="1">
+                  <a:lnSpc>
+                    <a:spcPct val="90000"/>
+                  </a:lnSpc>
+                  <a:spcBef>
+                    <a:spcPct val="0"/>
+                  </a:spcBef>
+                  <a:buNone/>
+                  <a:defRPr sz="4400" kern="1200">
+                    <a:solidFill>
+                      <a:schemeClr val="tx1"/>
+                    </a:solidFill>
+                    <a:latin typeface="+mj-lt"/>
+                    <a:ea typeface="+mj-ea"/>
+                    <a:cs typeface="+mj-cs"/>
+                  </a:defRPr>
+                </a:lvl1pPr>
+              </a:lstStyle>
+              <a:p>
+                <a:pPr algn="ctr"/>
+                <a:r>
+                  <a:rPr lang="en-US" u="sng" dirty="0">
+                    <a:latin typeface="Times New Roman" panose="02020603050405020304" pitchFamily="18" charset="0"/>
+                    <a:cs typeface="Times New Roman" panose="02020603050405020304" pitchFamily="18" charset="0"/>
+                  </a:rPr>
+                  <a:t>With hysteresis (R1 = 1</a:t>
+                </a:r>
+                <a14:m>
+                  <m:oMath xmlns:m="http://schemas.openxmlformats.org/officeDocument/2006/math">
+                    <m:r>
+                      <a:rPr lang="en-US" b="0" i="0" u="sng" dirty="0" smtClean="0">
+                        <a:latin typeface="Cambria Math" panose="02040503050406030204" pitchFamily="18" charset="0"/>
+                        <a:cs typeface="Times New Roman" panose="02020603050405020304" pitchFamily="18" charset="0"/>
+                      </a:rPr>
+                      <m:t>2</m:t>
+                    </m:r>
+                    <m:sSup>
+                      <m:sSupPr>
+                        <m:ctrlPr>
+                          <a:rPr lang="en-US" i="1" u="sng" dirty="0" smtClean="0">
+                            <a:latin typeface="Cambria Math" panose="02040503050406030204" pitchFamily="18" charset="0"/>
+                            <a:cs typeface="Times New Roman" panose="02020603050405020304" pitchFamily="18" charset="0"/>
+                          </a:rPr>
+                        </m:ctrlPr>
+                      </m:sSupPr>
+                      <m:e>
+                        <m:r>
+                          <a:rPr lang="en-US" b="0" i="1" u="sng" dirty="0" smtClean="0">
+                            <a:latin typeface="Cambria Math" panose="02040503050406030204" pitchFamily="18" charset="0"/>
+                            <a:cs typeface="Times New Roman" panose="02020603050405020304" pitchFamily="18" charset="0"/>
+                          </a:rPr>
+                          <m:t>𝑒</m:t>
+                        </m:r>
+                      </m:e>
+                      <m:sup>
+                        <m:r>
+                          <a:rPr lang="en-US" b="0" i="1" u="sng" dirty="0" smtClean="0">
+                            <a:latin typeface="Cambria Math" panose="02040503050406030204" pitchFamily="18" charset="0"/>
+                            <a:cs typeface="Times New Roman" panose="02020603050405020304" pitchFamily="18" charset="0"/>
+                          </a:rPr>
+                          <m:t>−3</m:t>
+                        </m:r>
+                      </m:sup>
+                    </m:sSup>
+                  </m:oMath>
+                </a14:m>
+                <a:r>
+                  <a:rPr lang="el-GR" u="sng" dirty="0">
+                    <a:latin typeface="Times New Roman" panose="02020603050405020304" pitchFamily="18" charset="0"/>
+                    <a:cs typeface="Times New Roman" panose="02020603050405020304" pitchFamily="18" charset="0"/>
+                  </a:rPr>
+                  <a:t>Ω</a:t>
+                </a:r>
+                <a:r>
+                  <a:rPr lang="en-US" u="sng" dirty="0">
+                    <a:latin typeface="Times New Roman" panose="02020603050405020304" pitchFamily="18" charset="0"/>
+                    <a:cs typeface="Times New Roman" panose="02020603050405020304" pitchFamily="18" charset="0"/>
+                  </a:rPr>
+                  <a:t> ; R0 = 2</a:t>
+                </a:r>
+                <a14:m>
+                  <m:oMath xmlns:m="http://schemas.openxmlformats.org/officeDocument/2006/math">
+                    <m:sSup>
+                      <m:sSupPr>
+                        <m:ctrlPr>
+                          <a:rPr lang="en-US" i="1" u="sng" dirty="0" smtClean="0">
+                            <a:latin typeface="Cambria Math" panose="02040503050406030204" pitchFamily="18" charset="0"/>
+                            <a:cs typeface="Times New Roman" panose="02020603050405020304" pitchFamily="18" charset="0"/>
+                          </a:rPr>
+                        </m:ctrlPr>
+                      </m:sSupPr>
+                      <m:e>
+                        <m:r>
+                          <a:rPr lang="en-US" b="0" i="1" u="sng" dirty="0" smtClean="0">
+                            <a:latin typeface="Cambria Math" panose="02040503050406030204" pitchFamily="18" charset="0"/>
+                            <a:cs typeface="Times New Roman" panose="02020603050405020304" pitchFamily="18" charset="0"/>
+                          </a:rPr>
+                          <m:t>𝑒</m:t>
+                        </m:r>
+                      </m:e>
+                      <m:sup>
+                        <m:r>
+                          <a:rPr lang="en-US" b="0" i="1" u="sng" dirty="0" smtClean="0">
+                            <a:latin typeface="Cambria Math" panose="02040503050406030204" pitchFamily="18" charset="0"/>
+                            <a:cs typeface="Times New Roman" panose="02020603050405020304" pitchFamily="18" charset="0"/>
+                          </a:rPr>
+                          <m:t>−3</m:t>
+                        </m:r>
+                      </m:sup>
+                    </m:sSup>
+                  </m:oMath>
+                </a14:m>
+                <a:r>
+                  <a:rPr lang="el-GR" u="sng" dirty="0">
+                    <a:latin typeface="Times New Roman" panose="02020603050405020304" pitchFamily="18" charset="0"/>
+                    <a:cs typeface="Times New Roman" panose="02020603050405020304" pitchFamily="18" charset="0"/>
+                  </a:rPr>
+                  <a:t>Ω</a:t>
+                </a:r>
+                <a:r>
+                  <a:rPr lang="en-US" u="sng" dirty="0">
+                    <a:latin typeface="Times New Roman" panose="02020603050405020304" pitchFamily="18" charset="0"/>
+                    <a:cs typeface="Times New Roman" panose="02020603050405020304" pitchFamily="18" charset="0"/>
+                  </a:rPr>
+                  <a:t> ):</a:t>
+                </a:r>
+              </a:p>
+            </p:txBody>
+          </p:sp>
+        </mc:Choice>
+        <mc:Fallback>
+          <p:sp>
+            <p:nvSpPr>
+              <p:cNvPr id="6" name="Title 1">
+                <a:extLst>
+                  <a:ext uri="{FF2B5EF4-FFF2-40B4-BE49-F238E27FC236}">
+                    <a16:creationId xmlns:a16="http://schemas.microsoft.com/office/drawing/2014/main" id="{9F8A4311-ED87-4CCB-B240-D00CF6EE4E40}"/>
+                  </a:ext>
+                </a:extLst>
+              </p:cNvPr>
+              <p:cNvSpPr txBox="1">
+                <a:spLocks noRot="1" noChangeAspect="1" noMove="1" noResize="1" noEditPoints="1" noAdjustHandles="1" noChangeArrowheads="1" noChangeShapeType="1" noTextEdit="1"/>
+              </p:cNvSpPr>
+              <p:nvPr/>
+            </p:nvSpPr>
+            <p:spPr>
+              <a:xfrm>
+                <a:off x="620785" y="177054"/>
+                <a:ext cx="10830187" cy="1325563"/>
+              </a:xfrm>
+              <a:prstGeom prst="rect">
+                <a:avLst/>
+              </a:prstGeom>
+              <a:blipFill>
+                <a:blip r:embed="rId3"/>
+                <a:stretch>
+                  <a:fillRect l="-2196" r="-2083"/>
+                </a:stretch>
+              </a:blipFill>
+            </p:spPr>
+            <p:txBody>
+              <a:bodyPr/>
+              <a:lstStyle/>
+              <a:p>
+                <a:r>
+                  <a:rPr lang="en-US">
+                    <a:noFill/>
+                  </a:rPr>
+                  <a:t> </a:t>
+                </a:r>
+              </a:p>
+            </p:txBody>
+          </p:sp>
+        </mc:Fallback>
+      </mc:AlternateContent>
     </p:spTree>
     <p:extLst>
       <p:ext uri="{BB962C8B-B14F-4D97-AF65-F5344CB8AC3E}">
@@ -4246,7 +4772,13 @@
           <a:bodyPr/>
           <a:lstStyle/>
           <a:p>
-            <a:endParaRPr lang="en-US"/>
+            <a:r>
+              <a:rPr lang="en-US" dirty="0">
+                <a:latin typeface="Times New Roman" panose="02020603050405020304" pitchFamily="18" charset="0"/>
+                <a:cs typeface="Times New Roman" panose="02020603050405020304" pitchFamily="18" charset="0"/>
+              </a:rPr>
+              <a:t>Next steps:</a:t>
+            </a:r>
           </a:p>
         </p:txBody>
       </p:sp>
@@ -4272,21 +4804,53 @@
           <a:lstStyle/>
           <a:p>
             <a:r>
-              <a:rPr lang="en-US"/>
-              <a:t>Veci broj polova ce maksimalno popraviti rezultate</a:t>
-            </a:r>
-          </a:p>
-          <a:p>
-            <a:r>
-              <a:rPr lang="en-US"/>
-              <a:t>Inicijalni pokusaj za algoritam pomaze rezultate</a:t>
-            </a:r>
-          </a:p>
-          <a:p>
-            <a:r>
-              <a:rPr lang="en-US"/>
-              <a:t>Tacke 5,6,7..</a:t>
-            </a:r>
+              <a:rPr lang="en-US" dirty="0">
+                <a:latin typeface="Times New Roman" panose="02020603050405020304" pitchFamily="18" charset="0"/>
+                <a:cs typeface="Times New Roman" panose="02020603050405020304" pitchFamily="18" charset="0"/>
+              </a:rPr>
+              <a:t>If higher fidelity is needed there are two options:</a:t>
+            </a:r>
+          </a:p>
+          <a:p>
+            <a:pPr lvl="1"/>
+            <a:r>
+              <a:rPr lang="en-US" dirty="0">
+                <a:latin typeface="Times New Roman" panose="02020603050405020304" pitchFamily="18" charset="0"/>
+                <a:cs typeface="Times New Roman" panose="02020603050405020304" pitchFamily="18" charset="0"/>
+              </a:rPr>
+              <a:t>increase in the number of RC poles will always reduce RMS error</a:t>
+            </a:r>
+          </a:p>
+          <a:p>
+            <a:pPr lvl="1"/>
+            <a:r>
+              <a:rPr lang="en-US" dirty="0">
+                <a:latin typeface="Times New Roman" panose="02020603050405020304" pitchFamily="18" charset="0"/>
+                <a:cs typeface="Times New Roman" panose="02020603050405020304" pitchFamily="18" charset="0"/>
+              </a:rPr>
+              <a:t>Introducing better initial guess</a:t>
+            </a:r>
+          </a:p>
+          <a:p>
+            <a:r>
+              <a:rPr lang="en-US" dirty="0">
+                <a:latin typeface="Times New Roman" panose="02020603050405020304" pitchFamily="18" charset="0"/>
+                <a:cs typeface="Times New Roman" panose="02020603050405020304" pitchFamily="18" charset="0"/>
+              </a:rPr>
+              <a:t>Real laboratory test need to be compiled for proper marketing potential (steps 5, 6 and 7)</a:t>
+            </a:r>
+          </a:p>
+          <a:p>
+            <a:r>
+              <a:rPr lang="en-US" dirty="0">
+                <a:latin typeface="Times New Roman" panose="02020603050405020304" pitchFamily="18" charset="0"/>
+                <a:cs typeface="Times New Roman" panose="02020603050405020304" pitchFamily="18" charset="0"/>
+              </a:rPr>
+              <a:t>With new parametrized battery cells, experiment on some BMS hardware and prove the fidelity of the virtual system with the real system</a:t>
+            </a:r>
+          </a:p>
+          <a:p>
+            <a:endParaRPr lang="en-US" dirty="0"/>
           </a:p>
         </p:txBody>
       </p:sp>
@@ -4347,86 +4911,42 @@
           <a:lstStyle/>
           <a:p>
             <a:r>
-              <a:rPr lang="en-US" err="1"/>
-              <a:t>Ideja</a:t>
-            </a:r>
-            <a:r>
-              <a:rPr lang="en-US"/>
-              <a:t> se </a:t>
-            </a:r>
-            <a:r>
-              <a:rPr lang="en-US" err="1"/>
-              <a:t>zasniva</a:t>
-            </a:r>
-            <a:r>
-              <a:rPr lang="en-US"/>
-              <a:t> </a:t>
-            </a:r>
-            <a:r>
-              <a:rPr lang="en-US" err="1"/>
-              <a:t>na</a:t>
-            </a:r>
-            <a:r>
-              <a:rPr lang="en-US"/>
-              <a:t> tome da se </a:t>
-            </a:r>
-            <a:r>
-              <a:rPr lang="en-US" err="1"/>
-              <a:t>estimira</a:t>
-            </a:r>
-            <a:r>
-              <a:rPr lang="en-US"/>
-              <a:t> model </a:t>
-            </a:r>
-            <a:r>
-              <a:rPr lang="en-US" err="1"/>
-              <a:t>baterije</a:t>
-            </a:r>
-            <a:r>
-              <a:rPr lang="en-US"/>
-              <a:t> </a:t>
-            </a:r>
-            <a:r>
-              <a:rPr lang="en-US" err="1"/>
-              <a:t>na</a:t>
-            </a:r>
-            <a:r>
-              <a:rPr lang="en-US"/>
-              <a:t> </a:t>
-            </a:r>
-            <a:r>
-              <a:rPr lang="en-US" err="1"/>
-              <a:t>osnovu</a:t>
-            </a:r>
-            <a:r>
-              <a:rPr lang="en-US"/>
-              <a:t> merenja ulaza I izlaza u fizickoj bateriji.</a:t>
-            </a:r>
-          </a:p>
-          <a:p>
-            <a:r>
-              <a:rPr lang="en-US"/>
-              <a:t>Ovaj projekat je baziran na jednacinama prezentovanim u kursevima Boulder Colorado univerziteta (</a:t>
-            </a:r>
-            <a:r>
-              <a:rPr lang="en-US">
+              <a:rPr lang="en-US" dirty="0">
+                <a:latin typeface="Times New Roman" panose="02020603050405020304" pitchFamily="18" charset="0"/>
+                <a:cs typeface="Times New Roman" panose="02020603050405020304" pitchFamily="18" charset="0"/>
+              </a:rPr>
+              <a:t>Key results: To estimate cell parameters based on the predefined scripts</a:t>
+            </a:r>
+          </a:p>
+          <a:p>
+            <a:r>
+              <a:rPr lang="en-US" dirty="0">
+                <a:latin typeface="Times New Roman" panose="02020603050405020304" pitchFamily="18" charset="0"/>
+                <a:cs typeface="Times New Roman" panose="02020603050405020304" pitchFamily="18" charset="0"/>
+              </a:rPr>
+              <a:t>Research origins for this project is publicly available on Colorado Boulder University </a:t>
+            </a:r>
+            <a:r>
+              <a:rPr lang="en-US" dirty="0">
+                <a:latin typeface="Times New Roman" panose="02020603050405020304" pitchFamily="18" charset="0"/>
+                <a:cs typeface="Times New Roman" panose="02020603050405020304" pitchFamily="18" charset="0"/>
                 <a:hlinkClick r:id="rId2"/>
               </a:rPr>
-              <a:t>ovde</a:t>
-            </a:r>
-            <a:r>
-              <a:rPr lang="en-US"/>
-              <a:t>)</a:t>
-            </a:r>
+              <a:t>website</a:t>
+            </a:r>
+            <a:endParaRPr lang="en-US" dirty="0">
+              <a:latin typeface="Times New Roman" panose="02020603050405020304" pitchFamily="18" charset="0"/>
+              <a:cs typeface="Times New Roman" panose="02020603050405020304" pitchFamily="18" charset="0"/>
+            </a:endParaRPr>
           </a:p>
         </p:txBody>
       </p:sp>
       <p:pic>
         <p:nvPicPr>
-          <p:cNvPr id="7" name="Picture 6">
-            <a:extLst>
-              <a:ext uri="{FF2B5EF4-FFF2-40B4-BE49-F238E27FC236}">
-                <a16:creationId xmlns:a16="http://schemas.microsoft.com/office/drawing/2014/main" id="{F8AD4918-6B9C-85E0-E217-649819D1F1D9}"/>
+          <p:cNvPr id="8" name="Content Placeholder 3">
+            <a:extLst>
+              <a:ext uri="{FF2B5EF4-FFF2-40B4-BE49-F238E27FC236}">
+                <a16:creationId xmlns:a16="http://schemas.microsoft.com/office/drawing/2014/main" id="{0B9FDE94-A7E1-9631-B195-AC94669F4601}"/>
               </a:ext>
             </a:extLst>
           </p:cNvPr>
@@ -4436,37 +4956,7 @@
           <p:nvPr/>
         </p:nvPicPr>
         <p:blipFill>
-          <a:blip r:embed="rId3"/>
-          <a:stretch>
-            <a:fillRect/>
-          </a:stretch>
-        </p:blipFill>
-        <p:spPr>
-          <a:xfrm>
-            <a:off x="5988277" y="1961914"/>
-            <a:ext cx="4572638" cy="1600423"/>
-          </a:xfrm>
-          <a:prstGeom prst="rect">
-            <a:avLst/>
-          </a:prstGeom>
-        </p:spPr>
-      </p:pic>
-      <p:pic>
-        <p:nvPicPr>
-          <p:cNvPr id="8" name="Content Placeholder 3">
-            <a:extLst>
-              <a:ext uri="{FF2B5EF4-FFF2-40B4-BE49-F238E27FC236}">
-                <a16:creationId xmlns:a16="http://schemas.microsoft.com/office/drawing/2014/main" id="{0B9FDE94-A7E1-9631-B195-AC94669F4601}"/>
-              </a:ext>
-            </a:extLst>
-          </p:cNvPr>
-          <p:cNvPicPr>
-            <a:picLocks noChangeAspect="1"/>
-          </p:cNvPicPr>
-          <p:nvPr/>
-        </p:nvPicPr>
-        <p:blipFill>
-          <a:blip r:embed="rId4">
+          <a:blip r:embed="rId3">
             <a:extLst>
               <a:ext uri="{28A0092B-C50C-407E-A947-70E740481C1C}">
                 <a14:useLocalDpi xmlns:a14="http://schemas.microsoft.com/office/drawing/2010/main" val="0"/>
@@ -4478,7 +4968,7 @@
         </p:blipFill>
         <p:spPr>
           <a:xfrm>
-            <a:off x="853570" y="3807070"/>
+            <a:off x="1154678" y="3005407"/>
             <a:ext cx="8839337" cy="2634043"/>
           </a:xfrm>
           <a:prstGeom prst="rect">
@@ -4486,6 +4976,47 @@
           </a:prstGeom>
         </p:spPr>
       </p:pic>
+      <p:sp>
+        <p:nvSpPr>
+          <p:cNvPr id="2" name="TextBox 1">
+            <a:extLst>
+              <a:ext uri="{FF2B5EF4-FFF2-40B4-BE49-F238E27FC236}">
+                <a16:creationId xmlns:a16="http://schemas.microsoft.com/office/drawing/2014/main" id="{9D5056A2-9012-45DC-9DF7-AE8714698B7B}"/>
+              </a:ext>
+            </a:extLst>
+          </p:cNvPr>
+          <p:cNvSpPr txBox="1"/>
+          <p:nvPr/>
+        </p:nvSpPr>
+        <p:spPr>
+          <a:xfrm>
+            <a:off x="4189035" y="5454784"/>
+            <a:ext cx="3813929" cy="369332"/>
+          </a:xfrm>
+          <a:prstGeom prst="rect">
+            <a:avLst/>
+          </a:prstGeom>
+          <a:noFill/>
+        </p:spPr>
+        <p:txBody>
+          <a:bodyPr wrap="none" rtlCol="0">
+            <a:spAutoFit/>
+          </a:bodyPr>
+          <a:lstStyle/>
+          <a:p>
+            <a:r>
+              <a:rPr lang="en-US" i="1" dirty="0">
+                <a:solidFill>
+                  <a:schemeClr val="bg1">
+                    <a:lumMod val="65000"/>
+                  </a:schemeClr>
+                </a:solidFill>
+              </a:rPr>
+              <a:t>Battery cell equivalent electrical circuit</a:t>
+            </a:r>
+          </a:p>
+        </p:txBody>
+      </p:sp>
     </p:spTree>
     <p:extLst>
       <p:ext uri="{BB962C8B-B14F-4D97-AF65-F5344CB8AC3E}">
@@ -4518,10 +5049,41 @@
       </p:grpSpPr>
       <p:sp>
         <p:nvSpPr>
-          <p:cNvPr id="6" name="Content Placeholder 5">
-            <a:extLst>
-              <a:ext uri="{FF2B5EF4-FFF2-40B4-BE49-F238E27FC236}">
-                <a16:creationId xmlns:a16="http://schemas.microsoft.com/office/drawing/2014/main" id="{1B3FEB64-137E-AB10-6D60-8260BA5D29F6}"/>
+          <p:cNvPr id="2" name="Title 1">
+            <a:extLst>
+              <a:ext uri="{FF2B5EF4-FFF2-40B4-BE49-F238E27FC236}">
+                <a16:creationId xmlns:a16="http://schemas.microsoft.com/office/drawing/2014/main" id="{18524034-A23B-45B6-9933-9416C990D3D8}"/>
+              </a:ext>
+            </a:extLst>
+          </p:cNvPr>
+          <p:cNvSpPr>
+            <a:spLocks noGrp="1"/>
+          </p:cNvSpPr>
+          <p:nvPr>
+            <p:ph type="title"/>
+          </p:nvPr>
+        </p:nvSpPr>
+        <p:spPr/>
+        <p:txBody>
+          <a:bodyPr/>
+          <a:lstStyle/>
+          <a:p>
+            <a:r>
+              <a:rPr lang="en-US" dirty="0">
+                <a:latin typeface="Times New Roman" panose="02020603050405020304" pitchFamily="18" charset="0"/>
+                <a:cs typeface="Times New Roman" panose="02020603050405020304" pitchFamily="18" charset="0"/>
+              </a:rPr>
+              <a:t>STEPS:</a:t>
+            </a:r>
+          </a:p>
+        </p:txBody>
+      </p:sp>
+      <p:sp>
+        <p:nvSpPr>
+          <p:cNvPr id="3" name="Content Placeholder 2">
+            <a:extLst>
+              <a:ext uri="{FF2B5EF4-FFF2-40B4-BE49-F238E27FC236}">
+                <a16:creationId xmlns:a16="http://schemas.microsoft.com/office/drawing/2014/main" id="{C77B0670-AD99-4519-B5F3-884EA8701082}"/>
               </a:ext>
             </a:extLst>
           </p:cNvPr>
@@ -4534,87 +5096,242 @@
         </p:nvSpPr>
         <p:spPr>
           <a:xfrm>
-            <a:off x="420625" y="404447"/>
-            <a:ext cx="10543031" cy="5627562"/>
+            <a:off x="838200" y="1490065"/>
+            <a:ext cx="10515600" cy="4351338"/>
           </a:xfrm>
         </p:spPr>
         <p:txBody>
           <a:bodyPr>
-            <a:normAutofit/>
+            <a:normAutofit fontScale="70000" lnSpcReduction="20000"/>
           </a:bodyPr>
           <a:lstStyle/>
           <a:p>
-            <a:r>
-              <a:rPr lang="en-US"/>
-              <a:t>1. Sve skripte iz kursa je trebalo prilagoditi python okruzenju i postici isto ponasanje za Colorado Boulder podatke</a:t>
-            </a:r>
-          </a:p>
-          <a:p>
-            <a:r>
-              <a:rPr lang="en-US"/>
-              <a:t>2. Napraviti Tajfun Hil model koji moze da generise novu bazu podataka</a:t>
-            </a:r>
-          </a:p>
-          <a:p>
-            <a:pPr lvl="1"/>
-            <a:r>
-              <a:rPr lang="en-US"/>
-              <a:t>Mora da se napravi simulacija koja radi sa virtualnim modelom i veoma brzo (originalno testovi traju po par dana)</a:t>
-            </a:r>
-          </a:p>
-          <a:p>
-            <a:pPr lvl="1"/>
-            <a:r>
-              <a:rPr lang="en-US"/>
-              <a:t>Iterativno doci do podataka u format koji je prikladan za dalje operacije</a:t>
-            </a:r>
-          </a:p>
-          <a:p>
-            <a:r>
-              <a:rPr lang="en-US"/>
-              <a:t>3. Napraviti skripte koje obradjuju podatke i generisu parametre (static i dynamic)</a:t>
-            </a:r>
-          </a:p>
-          <a:p>
-            <a:r>
-              <a:rPr lang="en-US"/>
-              <a:t>4. Prikazati i Uporediti rezultate iterativno dok se ne dobiju objektivno najbolji rezultate</a:t>
-            </a:r>
-          </a:p>
-          <a:p>
-            <a:r>
-              <a:rPr lang="en-US">
+            <a:pPr marL="514350" indent="-514350" algn="just">
+              <a:buFont typeface="+mj-lt"/>
+              <a:buAutoNum type="arabicPeriod"/>
+            </a:pPr>
+            <a:r>
+              <a:rPr lang="en-US" dirty="0">
+                <a:latin typeface="Times New Roman" panose="02020603050405020304" pitchFamily="18" charset="0"/>
+                <a:cs typeface="Times New Roman" panose="02020603050405020304" pitchFamily="18" charset="0"/>
+              </a:rPr>
+              <a:t>Create Typhoon model containing cell and charger models that will supply the scripts with the appropriate data</a:t>
+            </a:r>
+          </a:p>
+          <a:p>
+            <a:pPr marL="914400" lvl="1" indent="-457200" algn="just">
+              <a:buFont typeface="+mj-lt"/>
+              <a:buAutoNum type="alphaLcPeriod"/>
+            </a:pPr>
+            <a:r>
+              <a:rPr lang="en-US" sz="2900" dirty="0">
+                <a:latin typeface="Times New Roman" panose="02020603050405020304" pitchFamily="18" charset="0"/>
+                <a:cs typeface="Times New Roman" panose="02020603050405020304" pitchFamily="18" charset="0"/>
+              </a:rPr>
+              <a:t>Real tests last for days; model simulation speed up (down to 5 minutes of </a:t>
+            </a:r>
+            <a:r>
+              <a:rPr lang="en-US" sz="2900" dirty="0" err="1">
+                <a:latin typeface="Times New Roman" panose="02020603050405020304" pitchFamily="18" charset="0"/>
+                <a:cs typeface="Times New Roman" panose="02020603050405020304" pitchFamily="18" charset="0"/>
+              </a:rPr>
+              <a:t>simulationfor</a:t>
+            </a:r>
+            <a:r>
+              <a:rPr lang="en-US" sz="2900" dirty="0">
+                <a:latin typeface="Times New Roman" panose="02020603050405020304" pitchFamily="18" charset="0"/>
+                <a:cs typeface="Times New Roman" panose="02020603050405020304" pitchFamily="18" charset="0"/>
+              </a:rPr>
+              <a:t> complete data)</a:t>
+            </a:r>
+          </a:p>
+          <a:p>
+            <a:pPr marL="514350" indent="-514350" algn="just">
+              <a:buFont typeface="+mj-lt"/>
+              <a:buAutoNum type="arabicPeriod"/>
+            </a:pPr>
+            <a:r>
+              <a:rPr lang="en-US" dirty="0">
+                <a:latin typeface="Times New Roman" panose="02020603050405020304" pitchFamily="18" charset="0"/>
+                <a:cs typeface="Times New Roman" panose="02020603050405020304" pitchFamily="18" charset="0"/>
+              </a:rPr>
+              <a:t>Static script that estimates: </a:t>
+            </a:r>
+            <a:r>
+              <a:rPr lang="en-US" dirty="0">
                 <a:solidFill>
-                  <a:schemeClr val="accent1">
-                    <a:lumMod val="75000"/>
-                  </a:schemeClr>
+                  <a:srgbClr val="FF0000"/>
                 </a:solidFill>
+                <a:latin typeface="Times New Roman" panose="02020603050405020304" pitchFamily="18" charset="0"/>
+                <a:cs typeface="Times New Roman" panose="02020603050405020304" pitchFamily="18" charset="0"/>
               </a:rPr>
-              <a:t>5. Prebaciti schematic model iz VHIL-a u PHIL (1h)</a:t>
-            </a:r>
-          </a:p>
-          <a:p>
-            <a:r>
-              <a:rPr lang="en-US">
+              <a:t>Open Circuit Voltage</a:t>
+            </a:r>
+            <a:r>
+              <a:rPr lang="en-US" dirty="0">
+                <a:latin typeface="Times New Roman" panose="02020603050405020304" pitchFamily="18" charset="0"/>
+                <a:cs typeface="Times New Roman" panose="02020603050405020304" pitchFamily="18" charset="0"/>
+              </a:rPr>
+              <a:t>, </a:t>
+            </a:r>
+            <a:r>
+              <a:rPr lang="en-US" dirty="0">
                 <a:solidFill>
-                  <a:schemeClr val="accent1">
-                    <a:lumMod val="75000"/>
-                  </a:schemeClr>
+                  <a:srgbClr val="FF0000"/>
                 </a:solidFill>
+                <a:latin typeface="Times New Roman" panose="02020603050405020304" pitchFamily="18" charset="0"/>
+                <a:cs typeface="Times New Roman" panose="02020603050405020304" pitchFamily="18" charset="0"/>
               </a:rPr>
-              <a:t>6. Pripremiti hardware setup (baterije, interface ploca, temperaturna komora)</a:t>
-            </a:r>
-          </a:p>
-          <a:p>
-            <a:r>
-              <a:rPr lang="en-US">
+              <a:t>capacity</a:t>
+            </a:r>
+            <a:r>
+              <a:rPr lang="en-US" dirty="0">
+                <a:latin typeface="Times New Roman" panose="02020603050405020304" pitchFamily="18" charset="0"/>
+                <a:cs typeface="Times New Roman" panose="02020603050405020304" pitchFamily="18" charset="0"/>
+              </a:rPr>
+              <a:t> and </a:t>
+            </a:r>
+            <a:r>
+              <a:rPr lang="en-US" dirty="0">
                 <a:solidFill>
-                  <a:schemeClr val="accent1">
-                    <a:lumMod val="75000"/>
-                  </a:schemeClr>
+                  <a:srgbClr val="FF0000"/>
                 </a:solidFill>
+                <a:latin typeface="Times New Roman" panose="02020603050405020304" pitchFamily="18" charset="0"/>
+                <a:cs typeface="Times New Roman" panose="02020603050405020304" pitchFamily="18" charset="0"/>
               </a:rPr>
-              <a:t>7. Iterativno popravljati skripte usled razlike izmedju virtualnih rezultata i stvarno dobijenih rezultata</a:t>
+              <a:t>coulombic efficiency </a:t>
+            </a:r>
+            <a:r>
+              <a:rPr lang="en-US" dirty="0">
+                <a:latin typeface="Times New Roman" panose="02020603050405020304" pitchFamily="18" charset="0"/>
+                <a:cs typeface="Times New Roman" panose="02020603050405020304" pitchFamily="18" charset="0"/>
+              </a:rPr>
+              <a:t>as functions of temperature</a:t>
+            </a:r>
+          </a:p>
+          <a:p>
+            <a:pPr marL="514350" indent="-514350" algn="just">
+              <a:buFont typeface="+mj-lt"/>
+              <a:buAutoNum type="arabicPeriod"/>
+            </a:pPr>
+            <a:r>
+              <a:rPr lang="en-US" dirty="0">
+                <a:latin typeface="Times New Roman" panose="02020603050405020304" pitchFamily="18" charset="0"/>
+                <a:cs typeface="Times New Roman" panose="02020603050405020304" pitchFamily="18" charset="0"/>
+              </a:rPr>
+              <a:t>Dynamic script; estimates </a:t>
+            </a:r>
+            <a:r>
+              <a:rPr lang="en-US" dirty="0">
+                <a:solidFill>
+                  <a:srgbClr val="FF0000"/>
+                </a:solidFill>
+                <a:latin typeface="Times New Roman" panose="02020603050405020304" pitchFamily="18" charset="0"/>
+                <a:cs typeface="Times New Roman" panose="02020603050405020304" pitchFamily="18" charset="0"/>
+              </a:rPr>
+              <a:t>internal resistance</a:t>
+            </a:r>
+            <a:r>
+              <a:rPr lang="en-US" dirty="0">
+                <a:latin typeface="Times New Roman" panose="02020603050405020304" pitchFamily="18" charset="0"/>
+                <a:cs typeface="Times New Roman" panose="02020603050405020304" pitchFamily="18" charset="0"/>
+              </a:rPr>
+              <a:t>, diffusion </a:t>
+            </a:r>
+            <a:r>
+              <a:rPr lang="en-US" dirty="0">
+                <a:solidFill>
+                  <a:srgbClr val="FF0000"/>
+                </a:solidFill>
+                <a:latin typeface="Times New Roman" panose="02020603050405020304" pitchFamily="18" charset="0"/>
+                <a:cs typeface="Times New Roman" panose="02020603050405020304" pitchFamily="18" charset="0"/>
+              </a:rPr>
+              <a:t>R and C parameters </a:t>
+            </a:r>
+            <a:r>
+              <a:rPr lang="en-US" dirty="0">
+                <a:latin typeface="Times New Roman" panose="02020603050405020304" pitchFamily="18" charset="0"/>
+                <a:cs typeface="Times New Roman" panose="02020603050405020304" pitchFamily="18" charset="0"/>
+              </a:rPr>
+              <a:t>and hysteresis parameters (</a:t>
+            </a:r>
+            <a:r>
+              <a:rPr lang="en-US" dirty="0">
+                <a:solidFill>
+                  <a:srgbClr val="FF0000"/>
+                </a:solidFill>
+                <a:latin typeface="Times New Roman" panose="02020603050405020304" pitchFamily="18" charset="0"/>
+                <a:cs typeface="Times New Roman" panose="02020603050405020304" pitchFamily="18" charset="0"/>
+              </a:rPr>
+              <a:t>G, M, M0</a:t>
+            </a:r>
+            <a:r>
+              <a:rPr lang="en-US" dirty="0">
+                <a:latin typeface="Times New Roman" panose="02020603050405020304" pitchFamily="18" charset="0"/>
+                <a:cs typeface="Times New Roman" panose="02020603050405020304" pitchFamily="18" charset="0"/>
+              </a:rPr>
+              <a:t>) also as functions of temperature</a:t>
+            </a:r>
+          </a:p>
+          <a:p>
+            <a:pPr marL="514350" indent="-514350" algn="just">
+              <a:buFont typeface="+mj-lt"/>
+              <a:buAutoNum type="arabicPeriod"/>
+            </a:pPr>
+            <a:r>
+              <a:rPr lang="en-US" dirty="0">
+                <a:latin typeface="Times New Roman" panose="02020603050405020304" pitchFamily="18" charset="0"/>
+                <a:cs typeface="Times New Roman" panose="02020603050405020304" pitchFamily="18" charset="0"/>
+              </a:rPr>
+              <a:t>Iteratively modify model and scripts, including optimization algorithms to get smaller total RMS error for dynamic range of data</a:t>
+            </a:r>
+          </a:p>
+          <a:p>
+            <a:pPr marL="514350" indent="-514350" algn="just">
+              <a:buFont typeface="+mj-lt"/>
+              <a:buAutoNum type="arabicPeriod"/>
+            </a:pPr>
+            <a:r>
+              <a:rPr lang="en-US" dirty="0">
+                <a:solidFill>
+                  <a:srgbClr val="0070C0"/>
+                </a:solidFill>
+                <a:latin typeface="Times New Roman" panose="02020603050405020304" pitchFamily="18" charset="0"/>
+                <a:cs typeface="Times New Roman" panose="02020603050405020304" pitchFamily="18" charset="0"/>
+              </a:rPr>
+              <a:t>Schematic model should support PHIL setup (1h)</a:t>
+            </a:r>
+          </a:p>
+          <a:p>
+            <a:pPr marL="514350" indent="-514350" algn="just">
+              <a:buFont typeface="+mj-lt"/>
+              <a:buAutoNum type="arabicPeriod"/>
+            </a:pPr>
+            <a:r>
+              <a:rPr lang="en-US" dirty="0">
+                <a:solidFill>
+                  <a:srgbClr val="0070C0"/>
+                </a:solidFill>
+                <a:latin typeface="Times New Roman" panose="02020603050405020304" pitchFamily="18" charset="0"/>
+                <a:cs typeface="Times New Roman" panose="02020603050405020304" pitchFamily="18" charset="0"/>
+              </a:rPr>
+              <a:t>Setup the hardware (batteries, interface PCB with current sources and voltage sensors, temperature chamber)</a:t>
+            </a:r>
+          </a:p>
+          <a:p>
+            <a:pPr marL="514350" indent="-514350" algn="just">
+              <a:buFont typeface="+mj-lt"/>
+              <a:buAutoNum type="arabicPeriod"/>
+            </a:pPr>
+            <a:r>
+              <a:rPr lang="en-US" dirty="0">
+                <a:solidFill>
+                  <a:srgbClr val="0070C0"/>
+                </a:solidFill>
+                <a:latin typeface="Times New Roman" panose="02020603050405020304" pitchFamily="18" charset="0"/>
+                <a:cs typeface="Times New Roman" panose="02020603050405020304" pitchFamily="18" charset="0"/>
+              </a:rPr>
+              <a:t>Iteratively modify model and scripts, including optimization algorithms to get smaller total RMS error for dynamic range of data</a:t>
             </a:r>
           </a:p>
         </p:txBody>
@@ -4622,7 +5339,7 @@
     </p:spTree>
     <p:extLst>
       <p:ext uri="{BB962C8B-B14F-4D97-AF65-F5344CB8AC3E}">
-        <p14:creationId xmlns:p14="http://schemas.microsoft.com/office/powerpoint/2010/main" val="575114805"/>
+        <p14:creationId xmlns:p14="http://schemas.microsoft.com/office/powerpoint/2010/main" val="1081359980"/>
       </p:ext>
     </p:extLst>
   </p:cSld>
@@ -4673,8 +5390,11 @@
           <a:lstStyle/>
           <a:p>
             <a:r>
-              <a:rPr lang="en-US"/>
-              <a:t>Model:</a:t>
+              <a:rPr lang="en-US" dirty="0">
+                <a:latin typeface="Times New Roman" panose="02020603050405020304" pitchFamily="18" charset="0"/>
+                <a:cs typeface="Times New Roman" panose="02020603050405020304" pitchFamily="18" charset="0"/>
+              </a:rPr>
+              <a:t>  Model for VHIL and PHIL:</a:t>
             </a:r>
           </a:p>
         </p:txBody>
@@ -4703,13 +5423,11 @@
         </p:blipFill>
         <p:spPr>
           <a:xfrm>
-            <a:off x="351370" y="1690688"/>
-            <a:ext cx="11489260" cy="4443959"/>
+            <a:off x="1151392" y="1296406"/>
+            <a:ext cx="9889215" cy="3971880"/>
           </a:xfrm>
           <a:ln>
-            <a:solidFill>
-              <a:schemeClr val="accent1"/>
-            </a:solidFill>
+            <a:noFill/>
           </a:ln>
         </p:spPr>
       </p:pic>
@@ -4761,19 +5479,23 @@
         </p:nvSpPr>
         <p:spPr>
           <a:xfrm>
-            <a:off x="420624" y="66186"/>
-            <a:ext cx="10543032" cy="1325563"/>
+            <a:off x="465476" y="78769"/>
+            <a:ext cx="11261046" cy="1325563"/>
           </a:xfrm>
         </p:spPr>
         <p:txBody>
           <a:bodyPr>
-            <a:normAutofit fontScale="90000"/>
+            <a:normAutofit/>
           </a:bodyPr>
           <a:lstStyle/>
           <a:p>
-            <a:r>
-              <a:rPr lang="en-US"/>
-              <a:t>Bez histerezisa (Dobar inicijalni pokusaj):</a:t>
+            <a:pPr algn="ctr"/>
+            <a:r>
+              <a:rPr lang="en-US" u="sng" dirty="0">
+                <a:latin typeface="Times New Roman" panose="02020603050405020304" pitchFamily="18" charset="0"/>
+                <a:cs typeface="Times New Roman" panose="02020603050405020304" pitchFamily="18" charset="0"/>
+              </a:rPr>
+              <a:t>No hysteresis (Good initial guess):</a:t>
             </a:r>
           </a:p>
         </p:txBody>
@@ -4802,8 +5524,8 @@
         </p:blipFill>
         <p:spPr>
           <a:xfrm>
-            <a:off x="420624" y="1169377"/>
-            <a:ext cx="10945489" cy="5622437"/>
+            <a:off x="833627" y="1372921"/>
+            <a:ext cx="10524744" cy="5406310"/>
           </a:xfrm>
         </p:spPr>
       </p:pic>
@@ -4855,17 +5577,21 @@
         </p:nvSpPr>
         <p:spPr>
           <a:xfrm>
-            <a:off x="420624" y="66186"/>
-            <a:ext cx="10543032" cy="1325563"/>
+            <a:off x="824482" y="275912"/>
+            <a:ext cx="10543032" cy="940493"/>
           </a:xfrm>
         </p:spPr>
         <p:txBody>
           <a:bodyPr/>
           <a:lstStyle/>
           <a:p>
-            <a:r>
-              <a:rPr lang="en-US"/>
-              <a:t>Bez histerezisa:</a:t>
+            <a:pPr algn="ctr"/>
+            <a:r>
+              <a:rPr lang="en-US" u="sng" dirty="0">
+                <a:latin typeface="Times New Roman" panose="02020603050405020304" pitchFamily="18" charset="0"/>
+                <a:cs typeface="Times New Roman" panose="02020603050405020304" pitchFamily="18" charset="0"/>
+              </a:rPr>
+              <a:t>No hysteresis (random initial guess):</a:t>
             </a:r>
           </a:p>
         </p:txBody>
@@ -4894,8 +5620,8 @@
         </p:blipFill>
         <p:spPr>
           <a:xfrm>
-            <a:off x="649053" y="1063870"/>
-            <a:ext cx="10893893" cy="5513753"/>
+            <a:off x="835516" y="1413545"/>
+            <a:ext cx="10520963" cy="5325001"/>
           </a:xfrm>
         </p:spPr>
       </p:pic>
@@ -4929,39 +5655,6 @@
           <a:chExt cx="0" cy="0"/>
         </a:xfrm>
       </p:grpSpPr>
-      <p:sp>
-        <p:nvSpPr>
-          <p:cNvPr id="2" name="Title 1">
-            <a:extLst>
-              <a:ext uri="{FF2B5EF4-FFF2-40B4-BE49-F238E27FC236}">
-                <a16:creationId xmlns:a16="http://schemas.microsoft.com/office/drawing/2014/main" id="{94299182-22E5-7E09-9E2B-1B46B9C82288}"/>
-              </a:ext>
-            </a:extLst>
-          </p:cNvPr>
-          <p:cNvSpPr>
-            <a:spLocks noGrp="1"/>
-          </p:cNvSpPr>
-          <p:nvPr>
-            <p:ph type="title"/>
-          </p:nvPr>
-        </p:nvSpPr>
-        <p:spPr>
-          <a:xfrm>
-            <a:off x="420624" y="66186"/>
-            <a:ext cx="10543032" cy="1325563"/>
-          </a:xfrm>
-        </p:spPr>
-        <p:txBody>
-          <a:bodyPr/>
-          <a:lstStyle/>
-          <a:p>
-            <a:r>
-              <a:rPr lang="en-US"/>
-              <a:t>Sa histerezisom:</a:t>
-            </a:r>
-          </a:p>
-        </p:txBody>
-      </p:sp>
       <p:pic>
         <p:nvPicPr>
           <p:cNvPr id="9" name="Content Placeholder 8">
@@ -4986,11 +5679,48 @@
         </p:blipFill>
         <p:spPr>
           <a:xfrm>
-            <a:off x="420624" y="1097004"/>
-            <a:ext cx="11350752" cy="5594919"/>
+            <a:off x="838200" y="1323507"/>
+            <a:ext cx="10524744" cy="5187770"/>
           </a:xfrm>
         </p:spPr>
       </p:pic>
+      <p:sp>
+        <p:nvSpPr>
+          <p:cNvPr id="6" name="Title 1">
+            <a:extLst>
+              <a:ext uri="{FF2B5EF4-FFF2-40B4-BE49-F238E27FC236}">
+                <a16:creationId xmlns:a16="http://schemas.microsoft.com/office/drawing/2014/main" id="{003B62BC-7C1A-48F8-AD4B-5496D71BA826}"/>
+              </a:ext>
+            </a:extLst>
+          </p:cNvPr>
+          <p:cNvSpPr>
+            <a:spLocks noGrp="1"/>
+          </p:cNvSpPr>
+          <p:nvPr>
+            <p:ph type="title"/>
+          </p:nvPr>
+        </p:nvSpPr>
+        <p:spPr>
+          <a:xfrm>
+            <a:off x="838200" y="84093"/>
+            <a:ext cx="10515600" cy="1325563"/>
+          </a:xfrm>
+        </p:spPr>
+        <p:txBody>
+          <a:bodyPr/>
+          <a:lstStyle/>
+          <a:p>
+            <a:pPr algn="ctr"/>
+            <a:r>
+              <a:rPr lang="en-US" u="sng" dirty="0">
+                <a:latin typeface="Times New Roman" panose="02020603050405020304" pitchFamily="18" charset="0"/>
+                <a:cs typeface="Times New Roman" panose="02020603050405020304" pitchFamily="18" charset="0"/>
+              </a:rPr>
+              <a:t>With hysteresis (random initial guess):</a:t>
+            </a:r>
+          </a:p>
+        </p:txBody>
+      </p:sp>
     </p:spTree>
     <p:extLst>
       <p:ext uri="{BB962C8B-B14F-4D97-AF65-F5344CB8AC3E}">
@@ -5039,19 +5769,23 @@
         </p:nvSpPr>
         <p:spPr>
           <a:xfrm>
-            <a:off x="420624" y="66186"/>
+            <a:off x="815340" y="233966"/>
             <a:ext cx="10543032" cy="1325563"/>
           </a:xfrm>
         </p:spPr>
         <p:txBody>
           <a:bodyPr>
-            <a:normAutofit fontScale="90000"/>
+            <a:normAutofit/>
           </a:bodyPr>
           <a:lstStyle/>
           <a:p>
-            <a:r>
-              <a:rPr lang="en-US"/>
-              <a:t>Sa histerezisom (double_minimize, triple_minimize, differential evolution):</a:t>
+            <a:pPr algn="ctr"/>
+            <a:r>
+              <a:rPr lang="en-US" u="sng" dirty="0">
+                <a:latin typeface="Times New Roman" panose="02020603050405020304" pitchFamily="18" charset="0"/>
+                <a:cs typeface="Times New Roman" panose="02020603050405020304" pitchFamily="18" charset="0"/>
+              </a:rPr>
+              <a:t>With hysteresis (double minimize, triple minimize and differential evolution):</a:t>
             </a:r>
           </a:p>
         </p:txBody>
@@ -5080,8 +5814,8 @@
         </p:blipFill>
         <p:spPr>
           <a:xfrm>
-            <a:off x="464586" y="1391749"/>
-            <a:ext cx="11262828" cy="5155433"/>
+            <a:off x="833628" y="1854986"/>
+            <a:ext cx="10524744" cy="4817583"/>
           </a:xfrm>
         </p:spPr>
       </p:pic>
@@ -5115,41 +5849,184 @@
           <a:chExt cx="0" cy="0"/>
         </a:xfrm>
       </p:grpSpPr>
-      <p:sp>
-        <p:nvSpPr>
-          <p:cNvPr id="2" name="Title 1">
-            <a:extLst>
-              <a:ext uri="{FF2B5EF4-FFF2-40B4-BE49-F238E27FC236}">
-                <a16:creationId xmlns:a16="http://schemas.microsoft.com/office/drawing/2014/main" id="{94299182-22E5-7E09-9E2B-1B46B9C82288}"/>
-              </a:ext>
-            </a:extLst>
-          </p:cNvPr>
-          <p:cNvSpPr>
-            <a:spLocks noGrp="1"/>
-          </p:cNvSpPr>
-          <p:nvPr>
-            <p:ph type="title"/>
-          </p:nvPr>
-        </p:nvSpPr>
-        <p:spPr>
-          <a:xfrm>
-            <a:off x="420624" y="66186"/>
-            <a:ext cx="10543032" cy="1325563"/>
-          </a:xfrm>
-        </p:spPr>
-        <p:txBody>
-          <a:bodyPr>
-            <a:normAutofit fontScale="90000"/>
-          </a:bodyPr>
-          <a:lstStyle/>
-          <a:p>
-            <a:r>
-              <a:rPr lang="en-US"/>
-              <a:t>Bez histerezisa izmena otpornost (R1 i R0 = 8e-3 oma):</a:t>
-            </a:r>
-          </a:p>
-        </p:txBody>
-      </p:sp>
+      <mc:AlternateContent xmlns:mc="http://schemas.openxmlformats.org/markup-compatibility/2006">
+        <mc:Choice xmlns:a14="http://schemas.microsoft.com/office/drawing/2010/main" Requires="a14">
+          <p:sp>
+            <p:nvSpPr>
+              <p:cNvPr id="2" name="Title 1">
+                <a:extLst>
+                  <a:ext uri="{FF2B5EF4-FFF2-40B4-BE49-F238E27FC236}">
+                    <a16:creationId xmlns:a16="http://schemas.microsoft.com/office/drawing/2014/main" id="{94299182-22E5-7E09-9E2B-1B46B9C82288}"/>
+                  </a:ext>
+                </a:extLst>
+              </p:cNvPr>
+              <p:cNvSpPr>
+                <a:spLocks noGrp="1"/>
+              </p:cNvSpPr>
+              <p:nvPr>
+                <p:ph type="title"/>
+              </p:nvPr>
+            </p:nvSpPr>
+            <p:spPr>
+              <a:xfrm>
+                <a:off x="824484" y="192021"/>
+                <a:ext cx="10543032" cy="1325563"/>
+              </a:xfrm>
+            </p:spPr>
+            <p:txBody>
+              <a:bodyPr>
+                <a:normAutofit/>
+              </a:bodyPr>
+              <a:lstStyle/>
+              <a:p>
+                <a:pPr algn="ctr"/>
+                <a:r>
+                  <a:rPr lang="en-US" u="sng" dirty="0">
+                    <a:latin typeface="Times New Roman" panose="02020603050405020304" pitchFamily="18" charset="0"/>
+                    <a:cs typeface="Times New Roman" panose="02020603050405020304" pitchFamily="18" charset="0"/>
+                  </a:rPr>
+                  <a:t>No hysteresis (R1 = 8</a:t>
+                </a:r>
+                <a14:m>
+                  <m:oMath xmlns:m="http://schemas.openxmlformats.org/officeDocument/2006/math">
+                    <m:sSup>
+                      <m:sSupPr>
+                        <m:ctrlPr>
+                          <a:rPr lang="en-US" i="1" u="sng" dirty="0" smtClean="0">
+                            <a:latin typeface="Cambria Math" panose="02040503050406030204" pitchFamily="18" charset="0"/>
+                            <a:cs typeface="Times New Roman" panose="02020603050405020304" pitchFamily="18" charset="0"/>
+                          </a:rPr>
+                        </m:ctrlPr>
+                      </m:sSupPr>
+                      <m:e>
+                        <m:r>
+                          <a:rPr lang="en-US" b="0" i="1" u="sng" dirty="0" smtClean="0">
+                            <a:latin typeface="Cambria Math" panose="02040503050406030204" pitchFamily="18" charset="0"/>
+                            <a:cs typeface="Times New Roman" panose="02020603050405020304" pitchFamily="18" charset="0"/>
+                          </a:rPr>
+                          <m:t>𝑒</m:t>
+                        </m:r>
+                      </m:e>
+                      <m:sup>
+                        <m:r>
+                          <a:rPr lang="en-US" b="0" i="1" u="sng" dirty="0" smtClean="0">
+                            <a:latin typeface="Cambria Math" panose="02040503050406030204" pitchFamily="18" charset="0"/>
+                            <a:cs typeface="Times New Roman" panose="02020603050405020304" pitchFamily="18" charset="0"/>
+                          </a:rPr>
+                          <m:t>−3</m:t>
+                        </m:r>
+                      </m:sup>
+                    </m:sSup>
+                  </m:oMath>
+                </a14:m>
+                <a:r>
+                  <a:rPr lang="el-GR" u="sng" dirty="0">
+                    <a:latin typeface="Times New Roman" panose="02020603050405020304" pitchFamily="18" charset="0"/>
+                    <a:cs typeface="Times New Roman" panose="02020603050405020304" pitchFamily="18" charset="0"/>
+                  </a:rPr>
+                  <a:t>Ω</a:t>
+                </a:r>
+                <a:r>
+                  <a:rPr lang="en-US" u="sng" dirty="0">
+                    <a:latin typeface="Times New Roman" panose="02020603050405020304" pitchFamily="18" charset="0"/>
+                    <a:cs typeface="Times New Roman" panose="02020603050405020304" pitchFamily="18" charset="0"/>
+                  </a:rPr>
+                  <a:t> ; R0 = 8</a:t>
+                </a:r>
+                <a14:m>
+                  <m:oMath xmlns:m="http://schemas.openxmlformats.org/officeDocument/2006/math">
+                    <m:sSup>
+                      <m:sSupPr>
+                        <m:ctrlPr>
+                          <a:rPr lang="en-US" i="1" u="sng" dirty="0" smtClean="0">
+                            <a:latin typeface="Cambria Math" panose="02040503050406030204" pitchFamily="18" charset="0"/>
+                            <a:cs typeface="Times New Roman" panose="02020603050405020304" pitchFamily="18" charset="0"/>
+                          </a:rPr>
+                        </m:ctrlPr>
+                      </m:sSupPr>
+                      <m:e>
+                        <m:r>
+                          <a:rPr lang="en-US" b="0" i="1" u="sng" dirty="0" smtClean="0">
+                            <a:latin typeface="Cambria Math" panose="02040503050406030204" pitchFamily="18" charset="0"/>
+                            <a:cs typeface="Times New Roman" panose="02020603050405020304" pitchFamily="18" charset="0"/>
+                          </a:rPr>
+                          <m:t>𝑒</m:t>
+                        </m:r>
+                      </m:e>
+                      <m:sup>
+                        <m:r>
+                          <a:rPr lang="en-US" b="0" i="1" u="sng" dirty="0" smtClean="0">
+                            <a:latin typeface="Cambria Math" panose="02040503050406030204" pitchFamily="18" charset="0"/>
+                            <a:cs typeface="Times New Roman" panose="02020603050405020304" pitchFamily="18" charset="0"/>
+                          </a:rPr>
+                          <m:t>−3</m:t>
+                        </m:r>
+                      </m:sup>
+                    </m:sSup>
+                  </m:oMath>
+                </a14:m>
+                <a:r>
+                  <a:rPr lang="el-GR" u="sng" dirty="0">
+                    <a:latin typeface="Times New Roman" panose="02020603050405020304" pitchFamily="18" charset="0"/>
+                    <a:cs typeface="Times New Roman" panose="02020603050405020304" pitchFamily="18" charset="0"/>
+                  </a:rPr>
+                  <a:t>Ω</a:t>
+                </a:r>
+                <a:r>
+                  <a:rPr lang="en-US" u="sng" dirty="0">
+                    <a:latin typeface="Times New Roman" panose="02020603050405020304" pitchFamily="18" charset="0"/>
+                    <a:cs typeface="Times New Roman" panose="02020603050405020304" pitchFamily="18" charset="0"/>
+                  </a:rPr>
+                  <a:t> ):</a:t>
+                </a:r>
+              </a:p>
+            </p:txBody>
+          </p:sp>
+        </mc:Choice>
+        <mc:Fallback>
+          <p:sp>
+            <p:nvSpPr>
+              <p:cNvPr id="2" name="Title 1">
+                <a:extLst>
+                  <a:ext uri="{FF2B5EF4-FFF2-40B4-BE49-F238E27FC236}">
+                    <a16:creationId xmlns:a16="http://schemas.microsoft.com/office/drawing/2014/main" id="{94299182-22E5-7E09-9E2B-1B46B9C82288}"/>
+                  </a:ext>
+                </a:extLst>
+              </p:cNvPr>
+              <p:cNvSpPr>
+                <a:spLocks noGrp="1" noRot="1" noChangeAspect="1" noMove="1" noResize="1" noEditPoints="1" noAdjustHandles="1" noChangeArrowheads="1" noChangeShapeType="1" noTextEdit="1"/>
+              </p:cNvSpPr>
+              <p:nvPr>
+                <p:ph type="title"/>
+              </p:nvPr>
+            </p:nvSpPr>
+            <p:spPr>
+              <a:xfrm>
+                <a:off x="824484" y="192021"/>
+                <a:ext cx="10543032" cy="1325563"/>
+              </a:xfrm>
+              <a:blipFill>
+                <a:blip r:embed="rId2"/>
+                <a:stretch>
+                  <a:fillRect l="-116" r="-116"/>
+                </a:stretch>
+              </a:blipFill>
+            </p:spPr>
+            <p:txBody>
+              <a:bodyPr/>
+              <a:lstStyle/>
+              <a:p>
+                <a:r>
+                  <a:rPr lang="en-US">
+                    <a:noFill/>
+                  </a:rPr>
+                  <a:t> </a:t>
+                </a:r>
+              </a:p>
+            </p:txBody>
+          </p:sp>
+        </mc:Fallback>
+      </mc:AlternateContent>
       <p:pic>
         <p:nvPicPr>
           <p:cNvPr id="5" name="Content Placeholder 4">
@@ -5167,15 +6044,15 @@
           </p:nvPr>
         </p:nvPicPr>
         <p:blipFill>
-          <a:blip r:embed="rId2"/>
+          <a:blip r:embed="rId3"/>
           <a:stretch>
             <a:fillRect/>
           </a:stretch>
         </p:blipFill>
         <p:spPr>
           <a:xfrm>
-            <a:off x="851623" y="1392238"/>
-            <a:ext cx="10488754" cy="5400065"/>
+            <a:off x="833628" y="1373220"/>
+            <a:ext cx="10524744" cy="5418594"/>
           </a:xfrm>
         </p:spPr>
       </p:pic>
@@ -5193,56 +6070,150 @@
 </file>
 
 <file path=ppt/theme/theme1.xml><?xml version="1.0" encoding="utf-8"?>
-<a:theme xmlns:a="http://schemas.openxmlformats.org/drawingml/2006/main" name="OffsetVTI">
+<a:theme xmlns:a="http://schemas.openxmlformats.org/drawingml/2006/main" name="Office Theme">
   <a:themeElements>
-    <a:clrScheme name="Custom 20">
+    <a:clrScheme name="Office">
       <a:dk1>
-        <a:srgbClr val="000000"/>
+        <a:sysClr val="windowText" lastClr="000000"/>
       </a:dk1>
       <a:lt1>
         <a:sysClr val="window" lastClr="FFFFFF"/>
       </a:lt1>
       <a:dk2>
-        <a:srgbClr val="2C3948"/>
+        <a:srgbClr val="44546A"/>
       </a:dk2>
       <a:lt2>
-        <a:srgbClr val="F4F4F4"/>
+        <a:srgbClr val="E7E6E6"/>
       </a:lt2>
       <a:accent1>
-        <a:srgbClr val="F49D90"/>
+        <a:srgbClr val="4472C4"/>
       </a:accent1>
       <a:accent2>
-        <a:srgbClr val="D6947C"/>
+        <a:srgbClr val="ED7D31"/>
       </a:accent2>
       <a:accent3>
-        <a:srgbClr val="BF8484"/>
+        <a:srgbClr val="A5A5A5"/>
       </a:accent3>
       <a:accent4>
-        <a:srgbClr val="96A9AA"/>
+        <a:srgbClr val="FFC000"/>
       </a:accent4>
       <a:accent5>
-        <a:srgbClr val="DD796C"/>
+        <a:srgbClr val="5B9BD5"/>
       </a:accent5>
       <a:accent6>
-        <a:srgbClr val="D09145"/>
+        <a:srgbClr val="70AD47"/>
       </a:accent6>
       <a:hlink>
-        <a:srgbClr val="DF686A"/>
+        <a:srgbClr val="0563C1"/>
       </a:hlink>
       <a:folHlink>
-        <a:srgbClr val="F93F1C"/>
+        <a:srgbClr val="954F72"/>
       </a:folHlink>
     </a:clrScheme>
-    <a:fontScheme name="Dante">
+    <a:fontScheme name="Office">
       <a:majorFont>
-        <a:latin typeface="Dante"/>
+        <a:latin typeface="Calibri Light" panose="020F0302020204030204"/>
         <a:ea typeface=""/>
         <a:cs typeface=""/>
+        <a:font script="Jpan" typeface="游ゴシック Light"/>
+        <a:font script="Hang" typeface="맑은 고딕"/>
+        <a:font script="Hans" typeface="等线 Light"/>
+        <a:font script="Hant" typeface="新細明體"/>
+        <a:font script="Arab" typeface="Times New Roman"/>
+        <a:font script="Hebr" typeface="Times New Roman"/>
+        <a:font script="Thai" typeface="Angsana New"/>
+        <a:font script="Ethi" typeface="Nyala"/>
+        <a:font script="Beng" typeface="Vrinda"/>
+        <a:font script="Gujr" typeface="Shruti"/>
+        <a:font script="Khmr" typeface="MoolBoran"/>
+        <a:font script="Knda" typeface="Tunga"/>
+        <a:font script="Guru" typeface="Raavi"/>
+        <a:font script="Cans" typeface="Euphemia"/>
+        <a:font script="Cher" typeface="Plantagenet Cherokee"/>
+        <a:font script="Yiii" typeface="Microsoft Yi Baiti"/>
+        <a:font script="Tibt" typeface="Microsoft Himalaya"/>
+        <a:font script="Thaa" typeface="MV Boli"/>
+        <a:font script="Deva" typeface="Mangal"/>
+        <a:font script="Telu" typeface="Gautami"/>
+        <a:font script="Taml" typeface="Latha"/>
+        <a:font script="Syrc" typeface="Estrangelo Edessa"/>
+        <a:font script="Orya" typeface="Kalinga"/>
+        <a:font script="Mlym" typeface="Kartika"/>
+        <a:font script="Laoo" typeface="DokChampa"/>
+        <a:font script="Sinh" typeface="Iskoola Pota"/>
+        <a:font script="Mong" typeface="Mongolian Baiti"/>
+        <a:font script="Viet" typeface="Times New Roman"/>
+        <a:font script="Uigh" typeface="Microsoft Uighur"/>
+        <a:font script="Geor" typeface="Sylfaen"/>
+        <a:font script="Armn" typeface="Arial"/>
+        <a:font script="Bugi" typeface="Leelawadee UI"/>
+        <a:font script="Bopo" typeface="Microsoft JhengHei"/>
+        <a:font script="Java" typeface="Javanese Text"/>
+        <a:font script="Lisu" typeface="Segoe UI"/>
+        <a:font script="Mymr" typeface="Myanmar Text"/>
+        <a:font script="Nkoo" typeface="Ebrima"/>
+        <a:font script="Olck" typeface="Nirmala UI"/>
+        <a:font script="Osma" typeface="Ebrima"/>
+        <a:font script="Phag" typeface="Phagspa"/>
+        <a:font script="Syrn" typeface="Estrangelo Edessa"/>
+        <a:font script="Syrj" typeface="Estrangelo Edessa"/>
+        <a:font script="Syre" typeface="Estrangelo Edessa"/>
+        <a:font script="Sora" typeface="Nirmala UI"/>
+        <a:font script="Tale" typeface="Microsoft Tai Le"/>
+        <a:font script="Talu" typeface="Microsoft New Tai Lue"/>
+        <a:font script="Tfng" typeface="Ebrima"/>
       </a:majorFont>
       <a:minorFont>
-        <a:latin typeface="Dante"/>
+        <a:latin typeface="Calibri" panose="020F0502020204030204"/>
         <a:ea typeface=""/>
         <a:cs typeface=""/>
+        <a:font script="Jpan" typeface="游ゴシック"/>
+        <a:font script="Hang" typeface="맑은 고딕"/>
+        <a:font script="Hans" typeface="等线"/>
+        <a:font script="Hant" typeface="新細明體"/>
+        <a:font script="Arab" typeface="Arial"/>
+        <a:font script="Hebr" typeface="Arial"/>
+        <a:font script="Thai" typeface="Cordia New"/>
+        <a:font script="Ethi" typeface="Nyala"/>
+        <a:font script="Beng" typeface="Vrinda"/>
+        <a:font script="Gujr" typeface="Shruti"/>
+        <a:font script="Khmr" typeface="DaunPenh"/>
+        <a:font script="Knda" typeface="Tunga"/>
+        <a:font script="Guru" typeface="Raavi"/>
+        <a:font script="Cans" typeface="Euphemia"/>
+        <a:font script="Cher" typeface="Plantagenet Cherokee"/>
+        <a:font script="Yiii" typeface="Microsoft Yi Baiti"/>
+        <a:font script="Tibt" typeface="Microsoft Himalaya"/>
+        <a:font script="Thaa" typeface="MV Boli"/>
+        <a:font script="Deva" typeface="Mangal"/>
+        <a:font script="Telu" typeface="Gautami"/>
+        <a:font script="Taml" typeface="Latha"/>
+        <a:font script="Syrc" typeface="Estrangelo Edessa"/>
+        <a:font script="Orya" typeface="Kalinga"/>
+        <a:font script="Mlym" typeface="Kartika"/>
+        <a:font script="Laoo" typeface="DokChampa"/>
+        <a:font script="Sinh" typeface="Iskoola Pota"/>
+        <a:font script="Mong" typeface="Mongolian Baiti"/>
+        <a:font script="Viet" typeface="Arial"/>
+        <a:font script="Uigh" typeface="Microsoft Uighur"/>
+        <a:font script="Geor" typeface="Sylfaen"/>
+        <a:font script="Armn" typeface="Arial"/>
+        <a:font script="Bugi" typeface="Leelawadee UI"/>
+        <a:font script="Bopo" typeface="Microsoft JhengHei"/>
+        <a:font script="Java" typeface="Javanese Text"/>
+        <a:font script="Lisu" typeface="Segoe UI"/>
+        <a:font script="Mymr" typeface="Myanmar Text"/>
+        <a:font script="Nkoo" typeface="Ebrima"/>
+        <a:font script="Olck" typeface="Nirmala UI"/>
+        <a:font script="Osma" typeface="Ebrima"/>
+        <a:font script="Phag" typeface="Phagspa"/>
+        <a:font script="Syrn" typeface="Estrangelo Edessa"/>
+        <a:font script="Syrj" typeface="Estrangelo Edessa"/>
+        <a:font script="Syre" typeface="Estrangelo Edessa"/>
+        <a:font script="Sora" typeface="Nirmala UI"/>
+        <a:font script="Tale" typeface="Microsoft Tai Le"/>
+        <a:font script="Talu" typeface="Microsoft New Tai Lue"/>
+        <a:font script="Tfng" typeface="Ebrima"/>
       </a:minorFont>
     </a:fontScheme>
     <a:fmtScheme name="Office">
@@ -5387,7 +6358,302 @@
   <a:extraClrSchemeLst/>
   <a:extLst>
     <a:ext uri="{05A4C25C-085E-4340-85A3-A5531E510DB2}">
-      <thm15:themeFamily xmlns:thm15="http://schemas.microsoft.com/office/thememl/2012/main" name="OffsetVTI" id="{17A3166B-76FF-4669-8F6D-D4251AE158D8}" vid="{4532814A-B5F8-4CFD-BC69-A007D492DA47}"/>
+      <thm15:themeFamily xmlns:thm15="http://schemas.microsoft.com/office/thememl/2012/main" name="Office Theme" id="{62F939B6-93AF-4DB8-9C6B-D6C7DFDC589F}" vid="{4A3C46E8-61CC-4603-A589-7422A47A8E4A}"/>
+    </a:ext>
+  </a:extLst>
+</a:theme>
+</file>
+
+<file path=ppt/theme/theme2.xml><?xml version="1.0" encoding="utf-8"?>
+<a:theme xmlns:a="http://schemas.openxmlformats.org/drawingml/2006/main" name="Office Theme">
+  <a:themeElements>
+    <a:clrScheme name="Office">
+      <a:dk1>
+        <a:sysClr val="windowText" lastClr="000000"/>
+      </a:dk1>
+      <a:lt1>
+        <a:sysClr val="window" lastClr="FFFFFF"/>
+      </a:lt1>
+      <a:dk2>
+        <a:srgbClr val="44546A"/>
+      </a:dk2>
+      <a:lt2>
+        <a:srgbClr val="E7E6E6"/>
+      </a:lt2>
+      <a:accent1>
+        <a:srgbClr val="4472C4"/>
+      </a:accent1>
+      <a:accent2>
+        <a:srgbClr val="ED7D31"/>
+      </a:accent2>
+      <a:accent3>
+        <a:srgbClr val="A5A5A5"/>
+      </a:accent3>
+      <a:accent4>
+        <a:srgbClr val="FFC000"/>
+      </a:accent4>
+      <a:accent5>
+        <a:srgbClr val="5B9BD5"/>
+      </a:accent5>
+      <a:accent6>
+        <a:srgbClr val="70AD47"/>
+      </a:accent6>
+      <a:hlink>
+        <a:srgbClr val="0563C1"/>
+      </a:hlink>
+      <a:folHlink>
+        <a:srgbClr val="954F72"/>
+      </a:folHlink>
+    </a:clrScheme>
+    <a:fontScheme name="Office">
+      <a:majorFont>
+        <a:latin typeface="Calibri Light" panose="020F0302020204030204"/>
+        <a:ea typeface=""/>
+        <a:cs typeface=""/>
+        <a:font script="Jpan" typeface="游ゴシック Light"/>
+        <a:font script="Hang" typeface="맑은 고딕"/>
+        <a:font script="Hans" typeface="等线 Light"/>
+        <a:font script="Hant" typeface="新細明體"/>
+        <a:font script="Arab" typeface="Times New Roman"/>
+        <a:font script="Hebr" typeface="Times New Roman"/>
+        <a:font script="Thai" typeface="Angsana New"/>
+        <a:font script="Ethi" typeface="Nyala"/>
+        <a:font script="Beng" typeface="Vrinda"/>
+        <a:font script="Gujr" typeface="Shruti"/>
+        <a:font script="Khmr" typeface="MoolBoran"/>
+        <a:font script="Knda" typeface="Tunga"/>
+        <a:font script="Guru" typeface="Raavi"/>
+        <a:font script="Cans" typeface="Euphemia"/>
+        <a:font script="Cher" typeface="Plantagenet Cherokee"/>
+        <a:font script="Yiii" typeface="Microsoft Yi Baiti"/>
+        <a:font script="Tibt" typeface="Microsoft Himalaya"/>
+        <a:font script="Thaa" typeface="MV Boli"/>
+        <a:font script="Deva" typeface="Mangal"/>
+        <a:font script="Telu" typeface="Gautami"/>
+        <a:font script="Taml" typeface="Latha"/>
+        <a:font script="Syrc" typeface="Estrangelo Edessa"/>
+        <a:font script="Orya" typeface="Kalinga"/>
+        <a:font script="Mlym" typeface="Kartika"/>
+        <a:font script="Laoo" typeface="DokChampa"/>
+        <a:font script="Sinh" typeface="Iskoola Pota"/>
+        <a:font script="Mong" typeface="Mongolian Baiti"/>
+        <a:font script="Viet" typeface="Times New Roman"/>
+        <a:font script="Uigh" typeface="Microsoft Uighur"/>
+        <a:font script="Geor" typeface="Sylfaen"/>
+        <a:font script="Armn" typeface="Arial"/>
+        <a:font script="Bugi" typeface="Leelawadee UI"/>
+        <a:font script="Bopo" typeface="Microsoft JhengHei"/>
+        <a:font script="Java" typeface="Javanese Text"/>
+        <a:font script="Lisu" typeface="Segoe UI"/>
+        <a:font script="Mymr" typeface="Myanmar Text"/>
+        <a:font script="Nkoo" typeface="Ebrima"/>
+        <a:font script="Olck" typeface="Nirmala UI"/>
+        <a:font script="Osma" typeface="Ebrima"/>
+        <a:font script="Phag" typeface="Phagspa"/>
+        <a:font script="Syrn" typeface="Estrangelo Edessa"/>
+        <a:font script="Syrj" typeface="Estrangelo Edessa"/>
+        <a:font script="Syre" typeface="Estrangelo Edessa"/>
+        <a:font script="Sora" typeface="Nirmala UI"/>
+        <a:font script="Tale" typeface="Microsoft Tai Le"/>
+        <a:font script="Talu" typeface="Microsoft New Tai Lue"/>
+        <a:font script="Tfng" typeface="Ebrima"/>
+      </a:majorFont>
+      <a:minorFont>
+        <a:latin typeface="Calibri" panose="020F0502020204030204"/>
+        <a:ea typeface=""/>
+        <a:cs typeface=""/>
+        <a:font script="Jpan" typeface="游ゴシック"/>
+        <a:font script="Hang" typeface="맑은 고딕"/>
+        <a:font script="Hans" typeface="等线"/>
+        <a:font script="Hant" typeface="新細明體"/>
+        <a:font script="Arab" typeface="Arial"/>
+        <a:font script="Hebr" typeface="Arial"/>
+        <a:font script="Thai" typeface="Cordia New"/>
+        <a:font script="Ethi" typeface="Nyala"/>
+        <a:font script="Beng" typeface="Vrinda"/>
+        <a:font script="Gujr" typeface="Shruti"/>
+        <a:font script="Khmr" typeface="DaunPenh"/>
+        <a:font script="Knda" typeface="Tunga"/>
+        <a:font script="Guru" typeface="Raavi"/>
+        <a:font script="Cans" typeface="Euphemia"/>
+        <a:font script="Cher" typeface="Plantagenet Cherokee"/>
+        <a:font script="Yiii" typeface="Microsoft Yi Baiti"/>
+        <a:font script="Tibt" typeface="Microsoft Himalaya"/>
+        <a:font script="Thaa" typeface="MV Boli"/>
+        <a:font script="Deva" typeface="Mangal"/>
+        <a:font script="Telu" typeface="Gautami"/>
+        <a:font script="Taml" typeface="Latha"/>
+        <a:font script="Syrc" typeface="Estrangelo Edessa"/>
+        <a:font script="Orya" typeface="Kalinga"/>
+        <a:font script="Mlym" typeface="Kartika"/>
+        <a:font script="Laoo" typeface="DokChampa"/>
+        <a:font script="Sinh" typeface="Iskoola Pota"/>
+        <a:font script="Mong" typeface="Mongolian Baiti"/>
+        <a:font script="Viet" typeface="Arial"/>
+        <a:font script="Uigh" typeface="Microsoft Uighur"/>
+        <a:font script="Geor" typeface="Sylfaen"/>
+        <a:font script="Armn" typeface="Arial"/>
+        <a:font script="Bugi" typeface="Leelawadee UI"/>
+        <a:font script="Bopo" typeface="Microsoft JhengHei"/>
+        <a:font script="Java" typeface="Javanese Text"/>
+        <a:font script="Lisu" typeface="Segoe UI"/>
+        <a:font script="Mymr" typeface="Myanmar Text"/>
+        <a:font script="Nkoo" typeface="Ebrima"/>
+        <a:font script="Olck" typeface="Nirmala UI"/>
+        <a:font script="Osma" typeface="Ebrima"/>
+        <a:font script="Phag" typeface="Phagspa"/>
+        <a:font script="Syrn" typeface="Estrangelo Edessa"/>
+        <a:font script="Syrj" typeface="Estrangelo Edessa"/>
+        <a:font script="Syre" typeface="Estrangelo Edessa"/>
+        <a:font script="Sora" typeface="Nirmala UI"/>
+        <a:font script="Tale" typeface="Microsoft Tai Le"/>
+        <a:font script="Talu" typeface="Microsoft New Tai Lue"/>
+        <a:font script="Tfng" typeface="Ebrima"/>
+      </a:minorFont>
+    </a:fontScheme>
+    <a:fmtScheme name="Office">
+      <a:fillStyleLst>
+        <a:solidFill>
+          <a:schemeClr val="phClr"/>
+        </a:solidFill>
+        <a:gradFill rotWithShape="1">
+          <a:gsLst>
+            <a:gs pos="0">
+              <a:schemeClr val="phClr">
+                <a:lumMod val="110000"/>
+                <a:satMod val="105000"/>
+                <a:tint val="67000"/>
+              </a:schemeClr>
+            </a:gs>
+            <a:gs pos="50000">
+              <a:schemeClr val="phClr">
+                <a:lumMod val="105000"/>
+                <a:satMod val="103000"/>
+                <a:tint val="73000"/>
+              </a:schemeClr>
+            </a:gs>
+            <a:gs pos="100000">
+              <a:schemeClr val="phClr">
+                <a:lumMod val="105000"/>
+                <a:satMod val="109000"/>
+                <a:tint val="81000"/>
+              </a:schemeClr>
+            </a:gs>
+          </a:gsLst>
+          <a:lin ang="5400000" scaled="0"/>
+        </a:gradFill>
+        <a:gradFill rotWithShape="1">
+          <a:gsLst>
+            <a:gs pos="0">
+              <a:schemeClr val="phClr">
+                <a:satMod val="103000"/>
+                <a:lumMod val="102000"/>
+                <a:tint val="94000"/>
+              </a:schemeClr>
+            </a:gs>
+            <a:gs pos="50000">
+              <a:schemeClr val="phClr">
+                <a:satMod val="110000"/>
+                <a:lumMod val="100000"/>
+                <a:shade val="100000"/>
+              </a:schemeClr>
+            </a:gs>
+            <a:gs pos="100000">
+              <a:schemeClr val="phClr">
+                <a:lumMod val="99000"/>
+                <a:satMod val="120000"/>
+                <a:shade val="78000"/>
+              </a:schemeClr>
+            </a:gs>
+          </a:gsLst>
+          <a:lin ang="5400000" scaled="0"/>
+        </a:gradFill>
+      </a:fillStyleLst>
+      <a:lnStyleLst>
+        <a:ln w="6350" cap="flat" cmpd="sng" algn="ctr">
+          <a:solidFill>
+            <a:schemeClr val="phClr"/>
+          </a:solidFill>
+          <a:prstDash val="solid"/>
+          <a:miter lim="800000"/>
+        </a:ln>
+        <a:ln w="12700" cap="flat" cmpd="sng" algn="ctr">
+          <a:solidFill>
+            <a:schemeClr val="phClr"/>
+          </a:solidFill>
+          <a:prstDash val="solid"/>
+          <a:miter lim="800000"/>
+        </a:ln>
+        <a:ln w="19050" cap="flat" cmpd="sng" algn="ctr">
+          <a:solidFill>
+            <a:schemeClr val="phClr"/>
+          </a:solidFill>
+          <a:prstDash val="solid"/>
+          <a:miter lim="800000"/>
+        </a:ln>
+      </a:lnStyleLst>
+      <a:effectStyleLst>
+        <a:effectStyle>
+          <a:effectLst/>
+        </a:effectStyle>
+        <a:effectStyle>
+          <a:effectLst/>
+        </a:effectStyle>
+        <a:effectStyle>
+          <a:effectLst>
+            <a:outerShdw blurRad="57150" dist="19050" dir="5400000" algn="ctr" rotWithShape="0">
+              <a:srgbClr val="000000">
+                <a:alpha val="63000"/>
+              </a:srgbClr>
+            </a:outerShdw>
+          </a:effectLst>
+        </a:effectStyle>
+      </a:effectStyleLst>
+      <a:bgFillStyleLst>
+        <a:solidFill>
+          <a:schemeClr val="phClr"/>
+        </a:solidFill>
+        <a:solidFill>
+          <a:schemeClr val="phClr">
+            <a:tint val="95000"/>
+            <a:satMod val="170000"/>
+          </a:schemeClr>
+        </a:solidFill>
+        <a:gradFill rotWithShape="1">
+          <a:gsLst>
+            <a:gs pos="0">
+              <a:schemeClr val="phClr">
+                <a:tint val="93000"/>
+                <a:satMod val="150000"/>
+                <a:shade val="98000"/>
+                <a:lumMod val="102000"/>
+              </a:schemeClr>
+            </a:gs>
+            <a:gs pos="50000">
+              <a:schemeClr val="phClr">
+                <a:tint val="98000"/>
+                <a:satMod val="130000"/>
+                <a:shade val="90000"/>
+                <a:lumMod val="103000"/>
+              </a:schemeClr>
+            </a:gs>
+            <a:gs pos="100000">
+              <a:schemeClr val="phClr">
+                <a:shade val="63000"/>
+                <a:satMod val="120000"/>
+              </a:schemeClr>
+            </a:gs>
+          </a:gsLst>
+          <a:lin ang="5400000" scaled="0"/>
+        </a:gradFill>
+      </a:bgFillStyleLst>
+    </a:fmtScheme>
+  </a:themeElements>
+  <a:objectDefaults/>
+  <a:extraClrSchemeLst/>
+  <a:extLst>
+    <a:ext uri="{05A4C25C-085E-4340-85A3-A5531E510DB2}">
+      <thm15:themeFamily xmlns:thm15="http://schemas.microsoft.com/office/thememl/2012/main" name="Office Theme" id="{62F939B6-93AF-4DB8-9C6B-D6C7DFDC589F}" vid="{4A3C46E8-61CC-4603-A589-7422A47A8E4A}"/>
     </a:ext>
   </a:extLst>
 </a:theme>
